--- a/presentacion/gradientes_alpha_n_datos.pptx
+++ b/presentacion/gradientes_alpha_n_datos.pptx
@@ -5,165 +5,167 @@
     <p:sldMasterId id="2147483648" r:id="rId1"/>
   </p:sldMasterIdLst>
   <p:sldIdLst>
-    <p:sldId id="256" r:id="rId2"/>
-    <p:sldId id="257" r:id="rId3"/>
-    <p:sldId id="258" r:id="rId4"/>
-    <p:sldId id="259" r:id="rId5"/>
-    <p:sldId id="260" r:id="rId6"/>
-    <p:sldId id="261" r:id="rId7"/>
-    <p:sldId id="262" r:id="rId8"/>
-    <p:sldId id="263" r:id="rId9"/>
-    <p:sldId id="264" r:id="rId10"/>
-    <p:sldId id="265" r:id="rId11"/>
-    <p:sldId id="266" r:id="rId12"/>
-    <p:sldId id="267" r:id="rId13"/>
-    <p:sldId id="268" r:id="rId14"/>
-    <p:sldId id="269" r:id="rId15"/>
-    <p:sldId id="270" r:id="rId16"/>
-    <p:sldId id="271" r:id="rId17"/>
-    <p:sldId id="272" r:id="rId18"/>
-    <p:sldId id="273" r:id="rId19"/>
-    <p:sldId id="274" r:id="rId20"/>
-    <p:sldId id="275" r:id="rId21"/>
-    <p:sldId id="276" r:id="rId22"/>
-    <p:sldId id="277" r:id="rId23"/>
-    <p:sldId id="278" r:id="rId24"/>
-    <p:sldId id="279" r:id="rId25"/>
-    <p:sldId id="280" r:id="rId26"/>
-    <p:sldId id="281" r:id="rId27"/>
-    <p:sldId id="282" r:id="rId28"/>
-    <p:sldId id="283" r:id="rId29"/>
-    <p:sldId id="284" r:id="rId30"/>
-    <p:sldId id="285" r:id="rId31"/>
-    <p:sldId id="286" r:id="rId32"/>
-    <p:sldId id="287" r:id="rId33"/>
-    <p:sldId id="288" r:id="rId34"/>
-    <p:sldId id="289" r:id="rId35"/>
-    <p:sldId id="290" r:id="rId36"/>
-    <p:sldId id="291" r:id="rId37"/>
-    <p:sldId id="292" r:id="rId38"/>
-    <p:sldId id="293" r:id="rId39"/>
-    <p:sldId id="294" r:id="rId40"/>
-    <p:sldId id="295" r:id="rId41"/>
-    <p:sldId id="296" r:id="rId42"/>
-    <p:sldId id="297" r:id="rId43"/>
-    <p:sldId id="298" r:id="rId44"/>
-    <p:sldId id="299" r:id="rId45"/>
-    <p:sldId id="300" r:id="rId46"/>
-    <p:sldId id="301" r:id="rId47"/>
-    <p:sldId id="302" r:id="rId48"/>
-    <p:sldId id="303" r:id="rId49"/>
-    <p:sldId id="304" r:id="rId50"/>
-    <p:sldId id="305" r:id="rId51"/>
-    <p:sldId id="306" r:id="rId52"/>
-    <p:sldId id="307" r:id="rId53"/>
-    <p:sldId id="308" r:id="rId54"/>
-    <p:sldId id="309" r:id="rId55"/>
-    <p:sldId id="310" r:id="rId56"/>
-    <p:sldId id="311" r:id="rId57"/>
-    <p:sldId id="312" r:id="rId58"/>
-    <p:sldId id="313" r:id="rId59"/>
-    <p:sldId id="314" r:id="rId60"/>
-    <p:sldId id="315" r:id="rId61"/>
-    <p:sldId id="316" r:id="rId62"/>
-    <p:sldId id="317" r:id="rId63"/>
-    <p:sldId id="318" r:id="rId64"/>
-    <p:sldId id="319" r:id="rId65"/>
-    <p:sldId id="320" r:id="rId66"/>
-    <p:sldId id="321" r:id="rId67"/>
-    <p:sldId id="322" r:id="rId68"/>
-    <p:sldId id="323" r:id="rId69"/>
-    <p:sldId id="324" r:id="rId70"/>
-    <p:sldId id="325" r:id="rId71"/>
-    <p:sldId id="326" r:id="rId72"/>
-    <p:sldId id="327" r:id="rId73"/>
-    <p:sldId id="328" r:id="rId74"/>
-    <p:sldId id="329" r:id="rId75"/>
-    <p:sldId id="330" r:id="rId76"/>
-    <p:sldId id="331" r:id="rId77"/>
-    <p:sldId id="332" r:id="rId78"/>
-    <p:sldId id="333" r:id="rId79"/>
-    <p:sldId id="334" r:id="rId80"/>
-    <p:sldId id="335" r:id="rId81"/>
-    <p:sldId id="336" r:id="rId82"/>
-    <p:sldId id="337" r:id="rId83"/>
-    <p:sldId id="338" r:id="rId84"/>
-    <p:sldId id="339" r:id="rId85"/>
-    <p:sldId id="340" r:id="rId86"/>
-    <p:sldId id="341" r:id="rId87"/>
-    <p:sldId id="342" r:id="rId88"/>
-    <p:sldId id="343" r:id="rId89"/>
-    <p:sldId id="344" r:id="rId90"/>
-    <p:sldId id="345" r:id="rId91"/>
-    <p:sldId id="346" r:id="rId92"/>
-    <p:sldId id="347" r:id="rId93"/>
-    <p:sldId id="348" r:id="rId94"/>
-    <p:sldId id="349" r:id="rId95"/>
-    <p:sldId id="350" r:id="rId96"/>
-    <p:sldId id="351" r:id="rId97"/>
-    <p:sldId id="352" r:id="rId98"/>
-    <p:sldId id="353" r:id="rId99"/>
-    <p:sldId id="354" r:id="rId100"/>
-    <p:sldId id="355" r:id="rId101"/>
-    <p:sldId id="356" r:id="rId102"/>
-    <p:sldId id="357" r:id="rId103"/>
-    <p:sldId id="358" r:id="rId104"/>
-    <p:sldId id="359" r:id="rId105"/>
-    <p:sldId id="360" r:id="rId106"/>
-    <p:sldId id="361" r:id="rId107"/>
-    <p:sldId id="362" r:id="rId108"/>
-    <p:sldId id="363" r:id="rId109"/>
-    <p:sldId id="364" r:id="rId110"/>
-    <p:sldId id="365" r:id="rId111"/>
-    <p:sldId id="366" r:id="rId112"/>
-    <p:sldId id="367" r:id="rId113"/>
-    <p:sldId id="368" r:id="rId114"/>
-    <p:sldId id="369" r:id="rId115"/>
-    <p:sldId id="370" r:id="rId116"/>
-    <p:sldId id="371" r:id="rId117"/>
-    <p:sldId id="372" r:id="rId118"/>
-    <p:sldId id="373" r:id="rId119"/>
-    <p:sldId id="374" r:id="rId120"/>
-    <p:sldId id="375" r:id="rId121"/>
-    <p:sldId id="376" r:id="rId122"/>
-    <p:sldId id="377" r:id="rId123"/>
-    <p:sldId id="378" r:id="rId124"/>
-    <p:sldId id="379" r:id="rId125"/>
-    <p:sldId id="380" r:id="rId126"/>
-    <p:sldId id="381" r:id="rId127"/>
-    <p:sldId id="382" r:id="rId128"/>
-    <p:sldId id="383" r:id="rId129"/>
-    <p:sldId id="384" r:id="rId130"/>
-    <p:sldId id="385" r:id="rId131"/>
-    <p:sldId id="386" r:id="rId132"/>
-    <p:sldId id="387" r:id="rId133"/>
-    <p:sldId id="388" r:id="rId134"/>
-    <p:sldId id="389" r:id="rId135"/>
-    <p:sldId id="390" r:id="rId136"/>
-    <p:sldId id="391" r:id="rId137"/>
-    <p:sldId id="392" r:id="rId138"/>
-    <p:sldId id="393" r:id="rId139"/>
-    <p:sldId id="394" r:id="rId140"/>
-    <p:sldId id="395" r:id="rId141"/>
-    <p:sldId id="396" r:id="rId142"/>
-    <p:sldId id="397" r:id="rId143"/>
-    <p:sldId id="398" r:id="rId144"/>
-    <p:sldId id="399" r:id="rId145"/>
-    <p:sldId id="400" r:id="rId146"/>
-    <p:sldId id="401" r:id="rId147"/>
-    <p:sldId id="402" r:id="rId148"/>
-    <p:sldId id="403" r:id="rId149"/>
-    <p:sldId id="404" r:id="rId150"/>
-    <p:sldId id="405" r:id="rId151"/>
-    <p:sldId id="406" r:id="rId152"/>
-    <p:sldId id="407" r:id="rId153"/>
-    <p:sldId id="408" r:id="rId154"/>
-    <p:sldId id="409" r:id="rId155"/>
-    <p:sldId id="410" r:id="rId156"/>
-    <p:sldId id="411" r:id="rId157"/>
-    <p:sldId id="412" r:id="rId158"/>
-    <p:sldId id="413" r:id="rId159"/>
-    <p:sldId id="414" r:id="rId160"/>
+    <p:sldId id="415" r:id="rId2"/>
+    <p:sldId id="416" r:id="rId3"/>
+    <p:sldId id="256" r:id="rId4"/>
+    <p:sldId id="257" r:id="rId5"/>
+    <p:sldId id="258" r:id="rId6"/>
+    <p:sldId id="259" r:id="rId7"/>
+    <p:sldId id="260" r:id="rId8"/>
+    <p:sldId id="261" r:id="rId9"/>
+    <p:sldId id="262" r:id="rId10"/>
+    <p:sldId id="263" r:id="rId11"/>
+    <p:sldId id="264" r:id="rId12"/>
+    <p:sldId id="265" r:id="rId13"/>
+    <p:sldId id="266" r:id="rId14"/>
+    <p:sldId id="267" r:id="rId15"/>
+    <p:sldId id="268" r:id="rId16"/>
+    <p:sldId id="269" r:id="rId17"/>
+    <p:sldId id="270" r:id="rId18"/>
+    <p:sldId id="271" r:id="rId19"/>
+    <p:sldId id="272" r:id="rId20"/>
+    <p:sldId id="273" r:id="rId21"/>
+    <p:sldId id="274" r:id="rId22"/>
+    <p:sldId id="275" r:id="rId23"/>
+    <p:sldId id="276" r:id="rId24"/>
+    <p:sldId id="277" r:id="rId25"/>
+    <p:sldId id="278" r:id="rId26"/>
+    <p:sldId id="279" r:id="rId27"/>
+    <p:sldId id="280" r:id="rId28"/>
+    <p:sldId id="281" r:id="rId29"/>
+    <p:sldId id="282" r:id="rId30"/>
+    <p:sldId id="283" r:id="rId31"/>
+    <p:sldId id="284" r:id="rId32"/>
+    <p:sldId id="285" r:id="rId33"/>
+    <p:sldId id="286" r:id="rId34"/>
+    <p:sldId id="287" r:id="rId35"/>
+    <p:sldId id="288" r:id="rId36"/>
+    <p:sldId id="289" r:id="rId37"/>
+    <p:sldId id="290" r:id="rId38"/>
+    <p:sldId id="291" r:id="rId39"/>
+    <p:sldId id="292" r:id="rId40"/>
+    <p:sldId id="293" r:id="rId41"/>
+    <p:sldId id="294" r:id="rId42"/>
+    <p:sldId id="295" r:id="rId43"/>
+    <p:sldId id="296" r:id="rId44"/>
+    <p:sldId id="297" r:id="rId45"/>
+    <p:sldId id="298" r:id="rId46"/>
+    <p:sldId id="299" r:id="rId47"/>
+    <p:sldId id="300" r:id="rId48"/>
+    <p:sldId id="301" r:id="rId49"/>
+    <p:sldId id="302" r:id="rId50"/>
+    <p:sldId id="303" r:id="rId51"/>
+    <p:sldId id="304" r:id="rId52"/>
+    <p:sldId id="305" r:id="rId53"/>
+    <p:sldId id="306" r:id="rId54"/>
+    <p:sldId id="307" r:id="rId55"/>
+    <p:sldId id="308" r:id="rId56"/>
+    <p:sldId id="309" r:id="rId57"/>
+    <p:sldId id="310" r:id="rId58"/>
+    <p:sldId id="311" r:id="rId59"/>
+    <p:sldId id="312" r:id="rId60"/>
+    <p:sldId id="313" r:id="rId61"/>
+    <p:sldId id="314" r:id="rId62"/>
+    <p:sldId id="315" r:id="rId63"/>
+    <p:sldId id="316" r:id="rId64"/>
+    <p:sldId id="317" r:id="rId65"/>
+    <p:sldId id="318" r:id="rId66"/>
+    <p:sldId id="319" r:id="rId67"/>
+    <p:sldId id="320" r:id="rId68"/>
+    <p:sldId id="321" r:id="rId69"/>
+    <p:sldId id="322" r:id="rId70"/>
+    <p:sldId id="323" r:id="rId71"/>
+    <p:sldId id="324" r:id="rId72"/>
+    <p:sldId id="325" r:id="rId73"/>
+    <p:sldId id="326" r:id="rId74"/>
+    <p:sldId id="327" r:id="rId75"/>
+    <p:sldId id="328" r:id="rId76"/>
+    <p:sldId id="329" r:id="rId77"/>
+    <p:sldId id="330" r:id="rId78"/>
+    <p:sldId id="331" r:id="rId79"/>
+    <p:sldId id="332" r:id="rId80"/>
+    <p:sldId id="333" r:id="rId81"/>
+    <p:sldId id="334" r:id="rId82"/>
+    <p:sldId id="335" r:id="rId83"/>
+    <p:sldId id="336" r:id="rId84"/>
+    <p:sldId id="337" r:id="rId85"/>
+    <p:sldId id="338" r:id="rId86"/>
+    <p:sldId id="339" r:id="rId87"/>
+    <p:sldId id="340" r:id="rId88"/>
+    <p:sldId id="341" r:id="rId89"/>
+    <p:sldId id="342" r:id="rId90"/>
+    <p:sldId id="343" r:id="rId91"/>
+    <p:sldId id="344" r:id="rId92"/>
+    <p:sldId id="345" r:id="rId93"/>
+    <p:sldId id="346" r:id="rId94"/>
+    <p:sldId id="347" r:id="rId95"/>
+    <p:sldId id="348" r:id="rId96"/>
+    <p:sldId id="349" r:id="rId97"/>
+    <p:sldId id="350" r:id="rId98"/>
+    <p:sldId id="351" r:id="rId99"/>
+    <p:sldId id="352" r:id="rId100"/>
+    <p:sldId id="353" r:id="rId101"/>
+    <p:sldId id="354" r:id="rId102"/>
+    <p:sldId id="355" r:id="rId103"/>
+    <p:sldId id="356" r:id="rId104"/>
+    <p:sldId id="357" r:id="rId105"/>
+    <p:sldId id="358" r:id="rId106"/>
+    <p:sldId id="359" r:id="rId107"/>
+    <p:sldId id="360" r:id="rId108"/>
+    <p:sldId id="361" r:id="rId109"/>
+    <p:sldId id="362" r:id="rId110"/>
+    <p:sldId id="363" r:id="rId111"/>
+    <p:sldId id="364" r:id="rId112"/>
+    <p:sldId id="365" r:id="rId113"/>
+    <p:sldId id="366" r:id="rId114"/>
+    <p:sldId id="367" r:id="rId115"/>
+    <p:sldId id="368" r:id="rId116"/>
+    <p:sldId id="369" r:id="rId117"/>
+    <p:sldId id="370" r:id="rId118"/>
+    <p:sldId id="371" r:id="rId119"/>
+    <p:sldId id="372" r:id="rId120"/>
+    <p:sldId id="373" r:id="rId121"/>
+    <p:sldId id="374" r:id="rId122"/>
+    <p:sldId id="375" r:id="rId123"/>
+    <p:sldId id="376" r:id="rId124"/>
+    <p:sldId id="377" r:id="rId125"/>
+    <p:sldId id="378" r:id="rId126"/>
+    <p:sldId id="379" r:id="rId127"/>
+    <p:sldId id="380" r:id="rId128"/>
+    <p:sldId id="381" r:id="rId129"/>
+    <p:sldId id="382" r:id="rId130"/>
+    <p:sldId id="383" r:id="rId131"/>
+    <p:sldId id="384" r:id="rId132"/>
+    <p:sldId id="385" r:id="rId133"/>
+    <p:sldId id="386" r:id="rId134"/>
+    <p:sldId id="387" r:id="rId135"/>
+    <p:sldId id="388" r:id="rId136"/>
+    <p:sldId id="389" r:id="rId137"/>
+    <p:sldId id="390" r:id="rId138"/>
+    <p:sldId id="391" r:id="rId139"/>
+    <p:sldId id="392" r:id="rId140"/>
+    <p:sldId id="393" r:id="rId141"/>
+    <p:sldId id="394" r:id="rId142"/>
+    <p:sldId id="395" r:id="rId143"/>
+    <p:sldId id="396" r:id="rId144"/>
+    <p:sldId id="397" r:id="rId145"/>
+    <p:sldId id="398" r:id="rId146"/>
+    <p:sldId id="399" r:id="rId147"/>
+    <p:sldId id="400" r:id="rId148"/>
+    <p:sldId id="401" r:id="rId149"/>
+    <p:sldId id="402" r:id="rId150"/>
+    <p:sldId id="403" r:id="rId151"/>
+    <p:sldId id="404" r:id="rId152"/>
+    <p:sldId id="405" r:id="rId153"/>
+    <p:sldId id="406" r:id="rId154"/>
+    <p:sldId id="407" r:id="rId155"/>
+    <p:sldId id="408" r:id="rId156"/>
+    <p:sldId id="409" r:id="rId157"/>
+    <p:sldId id="410" r:id="rId158"/>
+    <p:sldId id="411" r:id="rId159"/>
+    <p:sldId id="412" r:id="rId160"/>
+    <p:sldId id="413" r:id="rId161"/>
+    <p:sldId id="414" r:id="rId162"/>
   </p:sldIdLst>
   <p:sldSz cx="9144000" cy="6858000" type="screen4x3"/>
   <p:notesSz cx="6858000" cy="9144000"/>
@@ -3250,28 +3252,46 @@
       </p:grpSpPr>
       <p:sp>
         <p:nvSpPr>
-          <p:cNvPr id="2" name="Title 1"/>
+          <p:cNvPr id="2" name="Título 1">
+            <a:extLst>
+              <a:ext uri="{FF2B5EF4-FFF2-40B4-BE49-F238E27FC236}">
+                <a16:creationId xmlns:a16="http://schemas.microsoft.com/office/drawing/2014/main" id="{93115D87-FB8B-12EF-3F59-BD5AC84E9C3A}"/>
+              </a:ext>
+            </a:extLst>
+          </p:cNvPr>
           <p:cNvSpPr>
             <a:spLocks noGrp="1"/>
           </p:cNvSpPr>
           <p:nvPr>
-            <p:ph type="title"/>
+            <p:ph type="ctrTitle"/>
           </p:nvPr>
         </p:nvSpPr>
-        <p:spPr/>
+        <p:spPr>
+          <a:xfrm>
+            <a:off x="685800" y="301625"/>
+            <a:ext cx="7772400" cy="1470025"/>
+          </a:xfrm>
+        </p:spPr>
         <p:txBody>
           <a:bodyPr/>
           <a:lstStyle/>
           <a:p>
             <a:r>
-              <a:t>Purine nucleotides (CHEMONTID:0001506): 1.0, n_datos: 3</a:t>
+              <a:rPr lang="es-ES" dirty="0"/>
+              <a:t>Factor de selectividad</a:t>
             </a:r>
           </a:p>
         </p:txBody>
       </p:sp>
       <p:pic>
         <p:nvPicPr>
-          <p:cNvPr id="3" name="Picture 2" descr="alpha_grafica_Purine nucleotides _CHEMONTID_0001506__0.png"/>
+          <p:cNvPr id="5" name="Imagen 4">
+            <a:extLst>
+              <a:ext uri="{FF2B5EF4-FFF2-40B4-BE49-F238E27FC236}">
+                <a16:creationId xmlns:a16="http://schemas.microsoft.com/office/drawing/2014/main" id="{16E81E37-C187-99CC-FADE-1EAF16862FFA}"/>
+              </a:ext>
+            </a:extLst>
+          </p:cNvPr>
           <p:cNvPicPr>
             <a:picLocks noChangeAspect="1"/>
           </p:cNvPicPr>
@@ -3285,8 +3305,8 @@
         </p:blipFill>
         <p:spPr>
           <a:xfrm>
-            <a:off x="1643743" y="1801585"/>
-            <a:ext cx="5486400" cy="3657600"/>
+            <a:off x="3007179" y="1993446"/>
+            <a:ext cx="3129642" cy="1564821"/>
           </a:xfrm>
           <a:prstGeom prst="rect">
             <a:avLst/>
@@ -3295,121 +3315,201 @@
       </p:pic>
       <p:sp>
         <p:nvSpPr>
-          <p:cNvPr id="4" name="TextBox 3"/>
-          <p:cNvSpPr txBox="1"/>
-          <p:nvPr/>
-        </p:nvSpPr>
-        <p:spPr>
-          <a:xfrm>
-            <a:off x="457200" y="4773385"/>
-            <a:ext cx="5486400" cy="1371600"/>
+          <p:cNvPr id="6" name="Rectangle 1">
+            <a:extLst>
+              <a:ext uri="{FF2B5EF4-FFF2-40B4-BE49-F238E27FC236}">
+                <a16:creationId xmlns:a16="http://schemas.microsoft.com/office/drawing/2014/main" id="{025BE6BB-B50F-EAE5-5E3B-F0EEAA3B77C0}"/>
+              </a:ext>
+            </a:extLst>
+          </p:cNvPr>
+          <p:cNvSpPr>
+            <a:spLocks noGrp="1" noChangeArrowheads="1"/>
+          </p:cNvSpPr>
+          <p:nvPr>
+            <p:ph type="subTitle" idx="1"/>
+          </p:nvPr>
+        </p:nvSpPr>
+        <p:spPr bwMode="auto">
+          <a:xfrm>
+            <a:off x="1371600" y="4023836"/>
+            <a:ext cx="6623957" cy="1477328"/>
           </a:xfrm>
           <a:prstGeom prst="rect">
             <a:avLst/>
           </a:prstGeom>
           <a:noFill/>
-        </p:spPr>
-        <p:txBody>
-          <a:bodyPr wrap="none">
+          <a:ln>
+            <a:noFill/>
+          </a:ln>
+          <a:effectLst/>
+          <a:extLst>
+            <a:ext uri="{909E8E84-426E-40DD-AFC4-6F175D3DCCD1}">
+              <a14:hiddenFill xmlns:a14="http://schemas.microsoft.com/office/drawing/2010/main">
+                <a:solidFill>
+                  <a:schemeClr val="accent1"/>
+                </a:solidFill>
+              </a14:hiddenFill>
+            </a:ext>
+            <a:ext uri="{91240B29-F687-4F45-9708-019B960494DF}">
+              <a14:hiddenLine xmlns:a14="http://schemas.microsoft.com/office/drawing/2010/main" w="9525">
+                <a:solidFill>
+                  <a:schemeClr val="tx1"/>
+                </a:solidFill>
+                <a:miter lim="800000"/>
+                <a:headEnd/>
+                <a:tailEnd/>
+              </a14:hiddenLine>
+            </a:ext>
+            <a:ext uri="{AF507438-7753-43E0-B8FC-AC1667EBCBE1}">
+              <a14:hiddenEffects xmlns:a14="http://schemas.microsoft.com/office/drawing/2010/main">
+                <a:effectLst>
+                  <a:outerShdw dist="35921" dir="2700000" algn="ctr" rotWithShape="0">
+                    <a:schemeClr val="bg2"/>
+                  </a:outerShdw>
+                </a:effectLst>
+              </a14:hiddenEffects>
+            </a:ext>
+          </a:extLst>
+        </p:spPr>
+        <p:txBody>
+          <a:bodyPr vert="horz" wrap="square" lIns="91440" tIns="45720" rIns="91440" bIns="45720" numCol="1" anchor="ctr" anchorCtr="0" compatLnSpc="1">
+            <a:prstTxWarp prst="textNoShape">
+              <a:avLst/>
+            </a:prstTxWarp>
             <a:spAutoFit/>
           </a:bodyPr>
           <a:lstStyle/>
           <a:p>
-            <a:endParaRPr dirty="0"/>
-          </a:p>
-          <a:p>
-            <a:pPr>
-              <a:defRPr sz="1400" b="1"/>
+            <a:pPr marL="0" marR="0" lvl="0" indent="0" algn="l" defTabSz="914400" rtl="0" eaLnBrk="0" fontAlgn="base" latinLnBrk="0" hangingPunct="0">
+              <a:lnSpc>
+                <a:spcPct val="100000"/>
+              </a:lnSpc>
+              <a:spcBef>
+                <a:spcPct val="0"/>
+              </a:spcBef>
+              <a:spcAft>
+                <a:spcPct val="0"/>
+              </a:spcAft>
+              <a:buClrTx/>
+              <a:buSzTx/>
+              <a:buFontTx/>
+              <a:buChar char="•"/>
+              <a:tabLst/>
             </a:pPr>
             <a:r>
-              <a:rPr dirty="0" err="1"/>
-              <a:t>Configuración</a:t>
-            </a:r>
-            <a:r>
-              <a:rPr dirty="0"/>
-              <a:t> Columna:</a:t>
-            </a:r>
-          </a:p>
-          <a:p>
-            <a:br>
-              <a:rPr dirty="0"/>
-            </a:br>
-            <a:r>
-              <a:rPr dirty="0"/>
-              <a:t>    pH1: 3.0  |  pH2: 3.0  |  Columna: Phenomenex </a:t>
-            </a:r>
-            <a:r>
-              <a:rPr dirty="0" err="1"/>
-              <a:t>Kinetex</a:t>
-            </a:r>
-            <a:r>
-              <a:rPr dirty="0"/>
-              <a:t> C18</a:t>
-            </a:r>
-            <a:br>
-              <a:rPr dirty="0"/>
-            </a:br>
-            <a:r>
-              <a:rPr dirty="0"/>
-              <a:t>    USP Code: column.usp.code_L1  |  </a:t>
-            </a:r>
-            <a:r>
-              <a:rPr dirty="0" err="1"/>
-              <a:t>Longitud</a:t>
-            </a:r>
-            <a:r>
-              <a:rPr dirty="0"/>
-              <a:t>: 150.0 mm</a:t>
-            </a:r>
-            <a:br>
-              <a:rPr dirty="0"/>
-            </a:br>
-            <a:r>
-              <a:rPr dirty="0"/>
-              <a:t>    </a:t>
-            </a:r>
-            <a:r>
-              <a:rPr dirty="0" err="1"/>
-              <a:t>Tamaño</a:t>
-            </a:r>
-            <a:r>
-              <a:rPr dirty="0"/>
-              <a:t> </a:t>
-            </a:r>
-            <a:r>
-              <a:rPr dirty="0" err="1"/>
-              <a:t>Partícula</a:t>
-            </a:r>
-            <a:r>
-              <a:rPr dirty="0"/>
-              <a:t>: 1.7 µm  |  Temp: 30.0°C</a:t>
-            </a:r>
-            <a:br>
-              <a:rPr dirty="0"/>
-            </a:br>
-            <a:r>
-              <a:rPr dirty="0"/>
-              <a:t>    </a:t>
-            </a:r>
-            <a:r>
-              <a:rPr dirty="0" err="1"/>
-              <a:t>Flujo</a:t>
-            </a:r>
-            <a:r>
-              <a:rPr dirty="0"/>
-              <a:t>: 0.3 mL/min  |  T0: 1.1025 min</a:t>
-            </a:r>
-            <a:br>
-              <a:rPr dirty="0"/>
-            </a:br>
-            <a:r>
-              <a:rPr dirty="0"/>
-              <a:t>    </a:t>
+              <a:rPr lang="es-ES" altLang="es-ES" sz="1800" dirty="0">
+                <a:solidFill>
+                  <a:schemeClr val="tx1"/>
+                </a:solidFill>
+                <a:latin typeface="Arial" panose="020B0604020202020204" pitchFamily="34" charset="0"/>
+              </a:rPr>
+              <a:t>TR </a:t>
+            </a:r>
+            <a:r>
+              <a:rPr kumimoji="0" lang="es-ES" altLang="es-ES" sz="1800" b="0" i="0" u="none" strike="noStrike" cap="none" normalizeH="0" baseline="0" dirty="0">
+                <a:ln>
+                  <a:noFill/>
+                </a:ln>
+                <a:solidFill>
+                  <a:schemeClr val="tx1"/>
+                </a:solidFill>
+                <a:effectLst/>
+                <a:latin typeface="Arial" panose="020B0604020202020204" pitchFamily="34" charset="0"/>
+              </a:rPr>
+              <a:t>son los </a:t>
+            </a:r>
+            <a:r>
+              <a:rPr kumimoji="0" lang="es-ES" altLang="es-ES" sz="1800" i="0" u="none" strike="noStrike" cap="none" normalizeH="0" baseline="0" dirty="0">
+                <a:ln>
+                  <a:noFill/>
+                </a:ln>
+                <a:solidFill>
+                  <a:schemeClr val="tx1"/>
+                </a:solidFill>
+                <a:effectLst/>
+                <a:latin typeface="Arial" panose="020B0604020202020204" pitchFamily="34" charset="0"/>
+              </a:rPr>
+              <a:t>tiempos de retención de los analitos A y B, respectivamente.</a:t>
+            </a:r>
+          </a:p>
+          <a:p>
+            <a:pPr marL="0" marR="0" lvl="0" indent="0" algn="l" defTabSz="914400" rtl="0" eaLnBrk="0" fontAlgn="base" latinLnBrk="0" hangingPunct="0">
+              <a:lnSpc>
+                <a:spcPct val="100000"/>
+              </a:lnSpc>
+              <a:spcBef>
+                <a:spcPct val="0"/>
+              </a:spcBef>
+              <a:spcAft>
+                <a:spcPct val="0"/>
+              </a:spcAft>
+              <a:buClrTx/>
+              <a:buSzTx/>
+              <a:tabLst/>
+            </a:pPr>
+            <a:endParaRPr kumimoji="0" lang="es-ES" altLang="es-ES" sz="1800" b="0" i="0" u="none" strike="noStrike" cap="none" normalizeH="0" baseline="0" dirty="0">
+              <a:ln>
+                <a:noFill/>
+              </a:ln>
+              <a:solidFill>
+                <a:schemeClr val="tx1"/>
+              </a:solidFill>
+              <a:effectLst/>
+              <a:latin typeface="Arial" panose="020B0604020202020204" pitchFamily="34" charset="0"/>
+            </a:endParaRPr>
+          </a:p>
+          <a:p>
+            <a:pPr marL="0" marR="0" lvl="0" indent="0" algn="l" defTabSz="914400" rtl="0" eaLnBrk="0" fontAlgn="base" latinLnBrk="0" hangingPunct="0">
+              <a:lnSpc>
+                <a:spcPct val="100000"/>
+              </a:lnSpc>
+              <a:spcBef>
+                <a:spcPct val="0"/>
+              </a:spcBef>
+              <a:spcAft>
+                <a:spcPct val="0"/>
+              </a:spcAft>
+              <a:buClrTx/>
+              <a:buSzTx/>
+              <a:buFontTx/>
+              <a:buChar char="•"/>
+              <a:tabLst/>
+            </a:pPr>
+            <a:r>
+              <a:rPr kumimoji="0" lang="es-ES" altLang="es-ES" sz="1800" b="0" i="0" u="none" strike="noStrike" cap="none" normalizeH="0" baseline="0" dirty="0">
+                <a:ln>
+                  <a:noFill/>
+                </a:ln>
+                <a:solidFill>
+                  <a:schemeClr val="tx1"/>
+                </a:solidFill>
+                <a:effectLst/>
+                <a:latin typeface="Arial" panose="020B0604020202020204" pitchFamily="34" charset="0"/>
+              </a:rPr>
+              <a:t>T0 son los </a:t>
+            </a:r>
+            <a:r>
+              <a:rPr kumimoji="0" lang="es-ES" altLang="es-ES" sz="1800" i="0" u="none" strike="noStrike" cap="none" normalizeH="0" baseline="0" dirty="0">
+                <a:ln>
+                  <a:noFill/>
+                </a:ln>
+                <a:solidFill>
+                  <a:schemeClr val="tx1"/>
+                </a:solidFill>
+                <a:effectLst/>
+                <a:latin typeface="Arial" panose="020B0604020202020204" pitchFamily="34" charset="0"/>
+              </a:rPr>
+              <a:t>tiempos muertos o tiempos de retención no retenidos de cada analito.</a:t>
             </a:r>
           </a:p>
         </p:txBody>
       </p:sp>
     </p:spTree>
+    <p:extLst>
+      <p:ext uri="{BB962C8B-B14F-4D97-AF65-F5344CB8AC3E}">
+        <p14:creationId xmlns:p14="http://schemas.microsoft.com/office/powerpoint/2010/main" val="1540848723"/>
+      </p:ext>
+    </p:extLst>
   </p:cSld>
   <p:clrMapOvr>
     <a:masterClrMapping/>
@@ -3446,18 +3546,20 @@
         </p:nvSpPr>
         <p:spPr/>
         <p:txBody>
-          <a:bodyPr/>
-          <a:lstStyle/>
-          <a:p>
-            <a:r>
-              <a:t>Flavin nucleotides (CHEMONTID:0001329): 0.0, n_datos: 1</a:t>
+          <a:bodyPr>
+            <a:normAutofit fontScale="90000"/>
+          </a:bodyPr>
+          <a:lstStyle/>
+          <a:p>
+            <a:r>
+              <a:t>Flavin nucleotides (CHEMONTID:0001329): 1.0, n_datos: 2</a:t>
             </a:r>
           </a:p>
         </p:txBody>
       </p:sp>
       <p:pic>
         <p:nvPicPr>
-          <p:cNvPr id="3" name="Picture 2" descr="alpha_grafica_Flavin nucleotides _CHEMONTID_0001329__9.png"/>
+          <p:cNvPr id="3" name="Picture 2" descr="alpha_grafica_Flavin nucleotides _CHEMONTID_0001329__7.png"/>
           <p:cNvPicPr>
             <a:picLocks noChangeAspect="1"/>
           </p:cNvPicPr>
@@ -3514,19 +3616,19 @@
           <a:p>
             <a:br/>
             <a:r>
-              <a:t>    pH1: 0.0  |  pH2: 0.0  |  Columna: Merck SeQuant ZIC-pHILIC</a:t>
-            </a:r>
-            <a:br/>
-            <a:r>
-              <a:t>    USP Code: column.usp.code_L122  |  Longitud: 150.0 mm</a:t>
-            </a:r>
-            <a:br/>
-            <a:r>
-              <a:t>    Tamaño Partícula: 5.0 µm  |  Temp: 32.5°C</a:t>
-            </a:r>
-            <a:br/>
-            <a:r>
-              <a:t>    Flujo: 0.1 mL/min  |  T0: 3.3075 min</a:t>
+              <a:t>    pH1: 3.0  |  pH2: 3.0  |  Columna: Waters ACQUITY UPLC HSS T3</a:t>
+            </a:r>
+            <a:br/>
+            <a:r>
+              <a:t>    USP Code: column.usp.code_L1  |  Longitud: 100.0 mm</a:t>
+            </a:r>
+            <a:br/>
+            <a:r>
+              <a:t>    Tamaño Partícula: 1.8 µm  |  Temp: 30.0°C</a:t>
+            </a:r>
+            <a:br/>
+            <a:r>
+              <a:t>    Flujo: 0.3 mL/min  |  T0: 0.735 min</a:t>
             </a:r>
             <a:br/>
             <a:r>
@@ -3572,18 +3674,20 @@
         </p:nvSpPr>
         <p:spPr/>
         <p:txBody>
-          <a:bodyPr/>
-          <a:lstStyle/>
-          <a:p>
-            <a:r>
-              <a:t>Pyrimidine nucleotides (CHEMONTID:0001509): 0.1976104894165163, n_datos: 2</a:t>
+          <a:bodyPr>
+            <a:normAutofit fontScale="90000"/>
+          </a:bodyPr>
+          <a:lstStyle/>
+          <a:p>
+            <a:r>
+              <a:t>Pyrimidine nucleotides (CHEMONTID:0001509): 0.2953713169025804, n_datos: 2</a:t>
             </a:r>
           </a:p>
         </p:txBody>
       </p:sp>
       <p:pic>
         <p:nvPicPr>
-          <p:cNvPr id="3" name="Picture 2" descr="alpha_grafica_Pyrimidine nucleotides _CHEMONTID_0001509__95.png"/>
+          <p:cNvPr id="3" name="Picture 2" descr="alpha_grafica_Pyrimidine nucleotides _CHEMONTID_0001509__96.png"/>
           <p:cNvPicPr>
             <a:picLocks noChangeAspect="1"/>
           </p:cNvPicPr>
@@ -3640,7 +3744,7 @@
           <a:p>
             <a:br/>
             <a:r>
-              <a:t>    pH1: 3.0  |  pH2: 3.0  |  Columna: Phenomenex Kinetex XB-C18</a:t>
+              <a:t>    pH1: 3.0  |  pH2: 3.0  |  Columna: Merck Supelco Ascentis Express C18</a:t>
             </a:r>
             <a:br/>
             <a:r>
@@ -3648,11 +3752,11 @@
             </a:r>
             <a:br/>
             <a:r>
-              <a:t>    Tamaño Partícula: 1.7 µm  |  Temp: 30.0°C</a:t>
-            </a:r>
-            <a:br/>
-            <a:r>
-              <a:t>    Flujo: 0.4 mL/min  |  T0: 0.55125 min</a:t>
+              <a:t>    Tamaño Partícula: 2.0 µm  |  Temp: 40.0°C</a:t>
+            </a:r>
+            <a:br/>
+            <a:r>
+              <a:t>    Flujo: 0.25 mL/min  |  T0: 0.882 min</a:t>
             </a:r>
             <a:br/>
             <a:r>
@@ -3698,18 +3802,20 @@
         </p:nvSpPr>
         <p:spPr/>
         <p:txBody>
-          <a:bodyPr/>
-          <a:lstStyle/>
-          <a:p>
-            <a:r>
-              <a:t>Pyrimidine nucleotides (CHEMONTID:0001509): 0.1300518953044362, n_datos: 2</a:t>
+          <a:bodyPr>
+            <a:normAutofit fontScale="90000"/>
+          </a:bodyPr>
+          <a:lstStyle/>
+          <a:p>
+            <a:r>
+              <a:t>Pyrimidine nucleotides (CHEMONTID:0001509): 0.2278468811087084, n_datos: 2</a:t>
             </a:r>
           </a:p>
         </p:txBody>
       </p:sp>
       <p:pic>
         <p:nvPicPr>
-          <p:cNvPr id="3" name="Picture 2" descr="alpha_grafica_Pyrimidine nucleotides _CHEMONTID_0001509__96.png"/>
+          <p:cNvPr id="3" name="Picture 2" descr="alpha_grafica_Pyrimidine nucleotides _CHEMONTID_0001509__95.png"/>
           <p:cNvPicPr>
             <a:picLocks noChangeAspect="1"/>
           </p:cNvPicPr>
@@ -3766,7 +3872,7 @@
           <a:p>
             <a:br/>
             <a:r>
-              <a:t>    pH1: 3.0  |  pH2: 3.0  |  Columna: Merck Supelco Ascentis Express C18</a:t>
+              <a:t>    pH1: 3.0  |  pH2: 3.0  |  Columna: Phenomenex Kinetex XB-C18</a:t>
             </a:r>
             <a:br/>
             <a:r>
@@ -3774,11 +3880,11 @@
             </a:r>
             <a:br/>
             <a:r>
-              <a:t>    Tamaño Partícula: 2.0 µm  |  Temp: 40.0°C</a:t>
-            </a:r>
-            <a:br/>
-            <a:r>
-              <a:t>    Flujo: 0.3 mL/min  |  T0: 0.735 min</a:t>
+              <a:t>    Tamaño Partícula: 1.7 µm  |  Temp: 40.0°C</a:t>
+            </a:r>
+            <a:br/>
+            <a:r>
+              <a:t>    Flujo: 0.4 mL/min  |  T0: 0.55125 min</a:t>
             </a:r>
             <a:br/>
             <a:r>
@@ -3824,18 +3930,20 @@
         </p:nvSpPr>
         <p:spPr/>
         <p:txBody>
-          <a:bodyPr/>
-          <a:lstStyle/>
-          <a:p>
-            <a:r>
-              <a:t>Pyrimidine nucleotides (CHEMONTID:0001509): 0.1183149403399146, n_datos: 2</a:t>
+          <a:bodyPr>
+            <a:normAutofit fontScale="90000"/>
+          </a:bodyPr>
+          <a:lstStyle/>
+          <a:p>
+            <a:r>
+              <a:t>Pyrimidine nucleotides (CHEMONTID:0001509): 0.1976104894165163, n_datos: 2</a:t>
             </a:r>
           </a:p>
         </p:txBody>
       </p:sp>
       <p:pic>
         <p:nvPicPr>
-          <p:cNvPr id="3" name="Picture 2" descr="alpha_grafica_Pyrimidine nucleotides _CHEMONTID_0001509__101.png"/>
+          <p:cNvPr id="3" name="Picture 2" descr="alpha_grafica_Pyrimidine nucleotides _CHEMONTID_0001509__95.png"/>
           <p:cNvPicPr>
             <a:picLocks noChangeAspect="1"/>
           </p:cNvPicPr>
@@ -3892,11 +4000,11 @@
           <a:p>
             <a:br/>
             <a:r>
-              <a:t>    pH1: 3.0  |  pH2: 3.0  |  Columna: Phenomenex Kinetex C18</a:t>
-            </a:r>
-            <a:br/>
-            <a:r>
-              <a:t>    USP Code: column.usp.code_L1  |  Longitud: 150.0 mm</a:t>
+              <a:t>    pH1: 3.0  |  pH2: 3.0  |  Columna: Phenomenex Kinetex XB-C18</a:t>
+            </a:r>
+            <a:br/>
+            <a:r>
+              <a:t>    USP Code: column.usp.code_L1  |  Longitud: 100.0 mm</a:t>
             </a:r>
             <a:br/>
             <a:r>
@@ -3904,7 +4012,7 @@
             </a:r>
             <a:br/>
             <a:r>
-              <a:t>    Flujo: 0.3 mL/min  |  T0: 1.1025 min</a:t>
+              <a:t>    Flujo: 0.4 mL/min  |  T0: 0.55125 min</a:t>
             </a:r>
             <a:br/>
             <a:r>
@@ -3950,18 +4058,20 @@
         </p:nvSpPr>
         <p:spPr/>
         <p:txBody>
-          <a:bodyPr/>
-          <a:lstStyle/>
-          <a:p>
-            <a:r>
-              <a:t>Pyrrolopyrimidine nucleosides and nucleotides (CHEMONTID:0002306): 1.0, n_datos: 2</a:t>
+          <a:bodyPr>
+            <a:normAutofit fontScale="90000"/>
+          </a:bodyPr>
+          <a:lstStyle/>
+          <a:p>
+            <a:r>
+              <a:t>Pyrimidine nucleotides (CHEMONTID:0001509): 0.1300518953044362, n_datos: 2</a:t>
             </a:r>
           </a:p>
         </p:txBody>
       </p:sp>
       <p:pic>
         <p:nvPicPr>
-          <p:cNvPr id="3" name="Picture 2" descr="alpha_grafica_Pyrrolopyrimidine nucleosides and nucleotides _CHEMONTID_0002306__47.png"/>
+          <p:cNvPr id="3" name="Picture 2" descr="alpha_grafica_Pyrimidine nucleotides _CHEMONTID_0001509__96.png"/>
           <p:cNvPicPr>
             <a:picLocks noChangeAspect="1"/>
           </p:cNvPicPr>
@@ -4018,19 +4128,19 @@
           <a:p>
             <a:br/>
             <a:r>
-              <a:t>    pH1: 2.6  |  pH2: 0.0  |  Columna: Waters ACQUITY UPLC BEH C18</a:t>
-            </a:r>
-            <a:br/>
-            <a:r>
-              <a:t>    USP Code: column.usp.code_L1  |  Longitud: 50.0 mm</a:t>
-            </a:r>
-            <a:br/>
-            <a:r>
-              <a:t>    Tamaño Partícula: 1.7 µm  |  Temp: 40.0°C</a:t>
-            </a:r>
-            <a:br/>
-            <a:r>
-              <a:t>    Flujo: 0.6 mL/min  |  T0: 0.18375 min</a:t>
+              <a:t>    pH1: 3.0  |  pH2: 3.0  |  Columna: Merck Supelco Ascentis Express C18</a:t>
+            </a:r>
+            <a:br/>
+            <a:r>
+              <a:t>    USP Code: column.usp.code_L1  |  Longitud: 100.0 mm</a:t>
+            </a:r>
+            <a:br/>
+            <a:r>
+              <a:t>    Tamaño Partícula: 2.0 µm  |  Temp: 40.0°C</a:t>
+            </a:r>
+            <a:br/>
+            <a:r>
+              <a:t>    Flujo: 0.3 mL/min  |  T0: 0.735 min</a:t>
             </a:r>
             <a:br/>
             <a:r>
@@ -4076,18 +4186,20 @@
         </p:nvSpPr>
         <p:spPr/>
         <p:txBody>
-          <a:bodyPr/>
-          <a:lstStyle/>
-          <a:p>
-            <a:r>
-              <a:t>Pyrrolopyrimidine nucleosides and nucleotides (CHEMONTID:0002306): 0.3766398669809825, n_datos: 4</a:t>
+          <a:bodyPr>
+            <a:normAutofit fontScale="90000"/>
+          </a:bodyPr>
+          <a:lstStyle/>
+          <a:p>
+            <a:r>
+              <a:t>Pyrimidine nucleotides (CHEMONTID:0001509): 0.1183149403399146, n_datos: 2</a:t>
             </a:r>
           </a:p>
         </p:txBody>
       </p:sp>
       <p:pic>
         <p:nvPicPr>
-          <p:cNvPr id="3" name="Picture 2" descr="alpha_grafica_Pyrrolopyrimidine nucleosides and nucleotides _CHEMONTID_0002306__48.png"/>
+          <p:cNvPr id="3" name="Picture 2" descr="alpha_grafica_Pyrimidine nucleotides _CHEMONTID_0001509__101.png"/>
           <p:cNvPicPr>
             <a:picLocks noChangeAspect="1"/>
           </p:cNvPicPr>
@@ -4144,19 +4256,19 @@
           <a:p>
             <a:br/>
             <a:r>
-              <a:t>    pH1: 3.0  |  pH2: 3.0  |  Columna: Agilent ZORBAX Extend-C18</a:t>
-            </a:r>
-            <a:br/>
-            <a:r>
-              <a:t>    USP Code: column.usp.code_L1  |  Longitud: 50.0 mm</a:t>
-            </a:r>
-            <a:br/>
-            <a:r>
-              <a:t>    Tamaño Partícula: 1.8 µm  |  Temp: 35.0°C</a:t>
-            </a:r>
-            <a:br/>
-            <a:r>
-              <a:t>    Flujo: 0.1 mL/min  |  T0: 1.1025 min</a:t>
+              <a:t>    pH1: 3.0  |  pH2: 3.0  |  Columna: Phenomenex Kinetex C18</a:t>
+            </a:r>
+            <a:br/>
+            <a:r>
+              <a:t>    USP Code: column.usp.code_L1  |  Longitud: 150.0 mm</a:t>
+            </a:r>
+            <a:br/>
+            <a:r>
+              <a:t>    Tamaño Partícula: 1.7 µm  |  Temp: 30.0°C</a:t>
+            </a:r>
+            <a:br/>
+            <a:r>
+              <a:t>    Flujo: 0.3 mL/min  |  T0: 1.1025 min</a:t>
             </a:r>
             <a:br/>
             <a:r>
@@ -4202,18 +4314,20 @@
         </p:nvSpPr>
         <p:spPr/>
         <p:txBody>
-          <a:bodyPr/>
-          <a:lstStyle/>
-          <a:p>
-            <a:r>
-              <a:t>Steroids and steroid derivatives (CHEMONTID:0000258): 0.5934764975355507, n_datos: 7</a:t>
+          <a:bodyPr>
+            <a:normAutofit fontScale="90000"/>
+          </a:bodyPr>
+          <a:lstStyle/>
+          <a:p>
+            <a:r>
+              <a:t>Pyrrolopyrimidine nucleosides and nucleotides (CHEMONTID:0002306): 1.0, n_datos: 2</a:t>
             </a:r>
           </a:p>
         </p:txBody>
       </p:sp>
       <p:pic>
         <p:nvPicPr>
-          <p:cNvPr id="3" name="Picture 2" descr="alpha_grafica_Steroids and steroid derivatives _CHEMONTID_0000258__104.png"/>
+          <p:cNvPr id="3" name="Picture 2" descr="alpha_grafica_Pyrrolopyrimidine nucleosides and nucleotides _CHEMONTID_0002306__47.png"/>
           <p:cNvPicPr>
             <a:picLocks noChangeAspect="1"/>
           </p:cNvPicPr>
@@ -4328,18 +4442,20 @@
         </p:nvSpPr>
         <p:spPr/>
         <p:txBody>
-          <a:bodyPr/>
-          <a:lstStyle/>
-          <a:p>
-            <a:r>
-              <a:t>Steroids and steroid derivatives (CHEMONTID:0000258): 0.4823586695212872, n_datos: 8</a:t>
+          <a:bodyPr>
+            <a:normAutofit fontScale="90000"/>
+          </a:bodyPr>
+          <a:lstStyle/>
+          <a:p>
+            <a:r>
+              <a:t>Pyrrolopyrimidine nucleosides and nucleotides (CHEMONTID:0002306): 0.3766398669809825, n_datos: 4</a:t>
             </a:r>
           </a:p>
         </p:txBody>
       </p:sp>
       <p:pic>
         <p:nvPicPr>
-          <p:cNvPr id="3" name="Picture 2" descr="alpha_grafica_Steroids and steroid derivatives _CHEMONTID_0000258__104.png"/>
+          <p:cNvPr id="3" name="Picture 2" descr="alpha_grafica_Pyrrolopyrimidine nucleosides and nucleotides _CHEMONTID_0002306__48.png"/>
           <p:cNvPicPr>
             <a:picLocks noChangeAspect="1"/>
           </p:cNvPicPr>
@@ -4396,7 +4512,7 @@
           <a:p>
             <a:br/>
             <a:r>
-              <a:t>    pH1: 2.6  |  pH2: 0.0  |  Columna: Waters ACQUITY UPLC BEH C18</a:t>
+              <a:t>    pH1: 3.0  |  pH2: 3.0  |  Columna: Agilent ZORBAX Extend-C18</a:t>
             </a:r>
             <a:br/>
             <a:r>
@@ -4404,11 +4520,11 @@
             </a:r>
             <a:br/>
             <a:r>
-              <a:t>    Tamaño Partícula: 1.7 µm  |  Temp: 40.0°C</a:t>
-            </a:r>
-            <a:br/>
-            <a:r>
-              <a:t>    Flujo: 0.6 mL/min  |  T0: 0.18375 min</a:t>
+              <a:t>    Tamaño Partícula: 1.8 µm  |  Temp: 35.0°C</a:t>
+            </a:r>
+            <a:br/>
+            <a:r>
+              <a:t>    Flujo: 0.1 mL/min  |  T0: 1.1025 min</a:t>
             </a:r>
             <a:br/>
             <a:r>
@@ -4454,18 +4570,20 @@
         </p:nvSpPr>
         <p:spPr/>
         <p:txBody>
-          <a:bodyPr/>
-          <a:lstStyle/>
-          <a:p>
-            <a:r>
-              <a:t>Steroids and steroid derivatives (CHEMONTID:0000258): 0.4205369813216622, n_datos: 1</a:t>
+          <a:bodyPr>
+            <a:normAutofit fontScale="90000"/>
+          </a:bodyPr>
+          <a:lstStyle/>
+          <a:p>
+            <a:r>
+              <a:t>Steroids and steroid derivatives (CHEMONTID:0000258): 0.5934764975355507, n_datos: 7</a:t>
             </a:r>
           </a:p>
         </p:txBody>
       </p:sp>
       <p:pic>
         <p:nvPicPr>
-          <p:cNvPr id="3" name="Picture 2" descr="alpha_grafica_Steroids and steroid derivatives _CHEMONTID_0000258__106.png"/>
+          <p:cNvPr id="3" name="Picture 2" descr="alpha_grafica_Steroids and steroid derivatives _CHEMONTID_0000258__104.png"/>
           <p:cNvPicPr>
             <a:picLocks noChangeAspect="1"/>
           </p:cNvPicPr>
@@ -4522,19 +4640,19 @@
           <a:p>
             <a:br/>
             <a:r>
-              <a:t>    pH1: 0.0  |  pH2: 0.0  |  Columna: Merck Supelco Ascentis Express C18</a:t>
-            </a:r>
-            <a:br/>
-            <a:r>
-              <a:t>    USP Code: column.usp.code_L1  |  Longitud: 150.0 mm</a:t>
-            </a:r>
-            <a:br/>
-            <a:r>
-              <a:t>    Tamaño Partícula: 2.7 µm  |  Temp: 55.0°C</a:t>
-            </a:r>
-            <a:br/>
-            <a:r>
-              <a:t>    Flujo: 0.26 mL/min  |  T0: 1.2721153846153843 min</a:t>
+              <a:t>    pH1: 2.6  |  pH2: 0.0  |  Columna: Waters ACQUITY UPLC BEH C18</a:t>
+            </a:r>
+            <a:br/>
+            <a:r>
+              <a:t>    USP Code: column.usp.code_L1  |  Longitud: 50.0 mm</a:t>
+            </a:r>
+            <a:br/>
+            <a:r>
+              <a:t>    Tamaño Partícula: 1.7 µm  |  Temp: 40.0°C</a:t>
+            </a:r>
+            <a:br/>
+            <a:r>
+              <a:t>    Flujo: 0.6 mL/min  |  T0: 0.18375 min</a:t>
             </a:r>
             <a:br/>
             <a:r>
@@ -4580,18 +4698,20 @@
         </p:nvSpPr>
         <p:spPr/>
         <p:txBody>
-          <a:bodyPr/>
-          <a:lstStyle/>
-          <a:p>
-            <a:r>
-              <a:t>Steroids and steroid derivatives (CHEMONTID:0000258): 0.1965073275242254, n_datos: 1</a:t>
+          <a:bodyPr>
+            <a:normAutofit fontScale="90000"/>
+          </a:bodyPr>
+          <a:lstStyle/>
+          <a:p>
+            <a:r>
+              <a:t>Steroids and steroid derivatives (CHEMONTID:0000258): 0.4823586695212872, n_datos: 8</a:t>
             </a:r>
           </a:p>
         </p:txBody>
       </p:sp>
       <p:pic>
         <p:nvPicPr>
-          <p:cNvPr id="3" name="Picture 2" descr="alpha_grafica_Steroids and steroid derivatives _CHEMONTID_0000258__107.png"/>
+          <p:cNvPr id="3" name="Picture 2" descr="alpha_grafica_Steroids and steroid derivatives _CHEMONTID_0000258__104.png"/>
           <p:cNvPicPr>
             <a:picLocks noChangeAspect="1"/>
           </p:cNvPicPr>
@@ -4648,19 +4768,19 @@
           <a:p>
             <a:br/>
             <a:r>
-              <a:t>    pH1: 6.2  |  pH2: 6.2  |  Columna: Thermo Scientific Acclaim RSLC 120 C18</a:t>
-            </a:r>
-            <a:br/>
-            <a:r>
-              <a:t>    USP Code: column.usp.code_L1  |  Longitud: 100.0 mm</a:t>
-            </a:r>
-            <a:br/>
-            <a:r>
-              <a:t>    Tamaño Partícula: 2.2 µm  |  Temp: 30.0°C</a:t>
-            </a:r>
-            <a:br/>
-            <a:r>
-              <a:t>    Flujo: 0.2 mL/min  |  T0: 1.1025 min</a:t>
+              <a:t>    pH1: 2.6  |  pH2: 0.0  |  Columna: Waters ACQUITY UPLC BEH C18</a:t>
+            </a:r>
+            <a:br/>
+            <a:r>
+              <a:t>    USP Code: column.usp.code_L1  |  Longitud: 50.0 mm</a:t>
+            </a:r>
+            <a:br/>
+            <a:r>
+              <a:t>    Tamaño Partícula: 1.7 µm  |  Temp: 40.0°C</a:t>
+            </a:r>
+            <a:br/>
+            <a:r>
+              <a:t>    Flujo: 0.6 mL/min  |  T0: 0.18375 min</a:t>
             </a:r>
             <a:br/>
             <a:r>
@@ -4706,18 +4826,20 @@
         </p:nvSpPr>
         <p:spPr/>
         <p:txBody>
-          <a:bodyPr/>
-          <a:lstStyle/>
-          <a:p>
-            <a:r>
-              <a:t>Steroids and steroid derivatives (CHEMONTID:0000258): 0.1551504270656016, n_datos: 6</a:t>
+          <a:bodyPr>
+            <a:normAutofit fontScale="90000"/>
+          </a:bodyPr>
+          <a:lstStyle/>
+          <a:p>
+            <a:r>
+              <a:t>Steroids and steroid derivatives (CHEMONTID:0000258): 0.4205369813216622, n_datos: 1</a:t>
             </a:r>
           </a:p>
         </p:txBody>
       </p:sp>
       <p:pic>
         <p:nvPicPr>
-          <p:cNvPr id="3" name="Picture 2" descr="alpha_grafica_Steroids and steroid derivatives _CHEMONTID_0000258__107.png"/>
+          <p:cNvPr id="3" name="Picture 2" descr="alpha_grafica_Steroids and steroid derivatives _CHEMONTID_0000258__106.png"/>
           <p:cNvPicPr>
             <a:picLocks noChangeAspect="1"/>
           </p:cNvPicPr>
@@ -4774,19 +4896,19 @@
           <a:p>
             <a:br/>
             <a:r>
-              <a:t>    pH1: 3.61  |  pH2: 3.61  |  Columna: Thermo Scientific Acclaim RSLC 120 C18</a:t>
-            </a:r>
-            <a:br/>
-            <a:r>
-              <a:t>    USP Code: column.usp.code_L1  |  Longitud: 100.0 mm</a:t>
-            </a:r>
-            <a:br/>
-            <a:r>
-              <a:t>    Tamaño Partícula: 2.2 µm  |  Temp: 30.0°C</a:t>
-            </a:r>
-            <a:br/>
-            <a:r>
-              <a:t>    Flujo: 0.2 mL/min  |  T0: 1.1025 min</a:t>
+              <a:t>    pH1: 0.0  |  pH2: 0.0  |  Columna: Merck Supelco Ascentis Express C18</a:t>
+            </a:r>
+            <a:br/>
+            <a:r>
+              <a:t>    USP Code: column.usp.code_L1  |  Longitud: 150.0 mm</a:t>
+            </a:r>
+            <a:br/>
+            <a:r>
+              <a:t>    Tamaño Partícula: 2.7 µm  |  Temp: 55.0°C</a:t>
+            </a:r>
+            <a:br/>
+            <a:r>
+              <a:t>    Flujo: 0.26 mL/min  |  T0: 1.2721153846153843 min</a:t>
             </a:r>
             <a:br/>
             <a:r>
@@ -4832,7 +4954,9 @@
         </p:nvSpPr>
         <p:spPr/>
         <p:txBody>
-          <a:bodyPr/>
+          <a:bodyPr>
+            <a:normAutofit fontScale="90000"/>
+          </a:bodyPr>
           <a:lstStyle/>
           <a:p>
             <a:r>
@@ -4843,7 +4967,7 @@
       </p:sp>
       <p:pic>
         <p:nvPicPr>
-          <p:cNvPr id="3" name="Picture 2" descr="alpha_grafica_Flavin nucleotides _CHEMONTID_0001329__10.png"/>
+          <p:cNvPr id="3" name="Picture 2" descr="alpha_grafica_Flavin nucleotides _CHEMONTID_0001329__8.png"/>
           <p:cNvPicPr>
             <a:picLocks noChangeAspect="1"/>
           </p:cNvPicPr>
@@ -4900,19 +5024,19 @@
           <a:p>
             <a:br/>
             <a:r>
-              <a:t>    pH1: 3.0  |  pH2: 3.0  |  Columna: Waters ACQUITY UPLC BEH C18</a:t>
-            </a:r>
-            <a:br/>
-            <a:r>
-              <a:t>    USP Code: column.usp.code_L1  |  Longitud: 98.03921568627452 mm</a:t>
-            </a:r>
-            <a:br/>
-            <a:r>
-              <a:t>    Tamaño Partícula: 1.7 µm  |  Temp: 38.0°C</a:t>
-            </a:r>
-            <a:br/>
-            <a:r>
-              <a:t>    Flujo: 0.24 mL/min  |  T0: 0.895845316696432 min</a:t>
+              <a:t>    pH1: 3.0  |  pH2: 3.0  |  Columna: Thermo Scientific Hypersil GOLD</a:t>
+            </a:r>
+            <a:br/>
+            <a:r>
+              <a:t>    USP Code: column.usp.code_L1  |  Longitud: 150.0 mm</a:t>
+            </a:r>
+            <a:br/>
+            <a:r>
+              <a:t>    Tamaño Partícula: 1.9 µm  |  Temp: 41.66666666666666°C</a:t>
+            </a:r>
+            <a:br/>
+            <a:r>
+              <a:t>    Flujo: 0.5 mL/min  |  T0: 0.6615 min</a:t>
             </a:r>
             <a:br/>
             <a:r>
@@ -4958,18 +5082,20 @@
         </p:nvSpPr>
         <p:spPr/>
         <p:txBody>
-          <a:bodyPr/>
-          <a:lstStyle/>
-          <a:p>
-            <a:r>
-              <a:t>Steroids and steroid derivatives (CHEMONTID:0000258): 0.1550088837385297, n_datos: 6</a:t>
+          <a:bodyPr>
+            <a:normAutofit fontScale="90000"/>
+          </a:bodyPr>
+          <a:lstStyle/>
+          <a:p>
+            <a:r>
+              <a:t>Steroids and steroid derivatives (CHEMONTID:0000258): 0.1965073275242254, n_datos: 1</a:t>
             </a:r>
           </a:p>
         </p:txBody>
       </p:sp>
       <p:pic>
         <p:nvPicPr>
-          <p:cNvPr id="3" name="Picture 2" descr="alpha_grafica_Steroids and steroid derivatives _CHEMONTID_0000258__109.png"/>
+          <p:cNvPr id="3" name="Picture 2" descr="alpha_grafica_Steroids and steroid derivatives _CHEMONTID_0000258__107.png"/>
           <p:cNvPicPr>
             <a:picLocks noChangeAspect="1"/>
           </p:cNvPicPr>
@@ -5026,7 +5152,7 @@
           <a:p>
             <a:br/>
             <a:r>
-              <a:t>    pH1: 0.0  |  pH2: 0.0  |  Columna: Waters ACQUITY UPLC BEH C18</a:t>
+              <a:t>    pH1: 6.2  |  pH2: 6.2  |  Columna: Thermo Scientific Acclaim RSLC 120 C18</a:t>
             </a:r>
             <a:br/>
             <a:r>
@@ -5034,11 +5160,11 @@
             </a:r>
             <a:br/>
             <a:r>
-              <a:t>    Tamaño Partícula: 1.7 µm  |  Temp: 50.0°C</a:t>
-            </a:r>
-            <a:br/>
-            <a:r>
-              <a:t>    Flujo: 0.3 mL/min  |  T0: 0.1666666666666666 min</a:t>
+              <a:t>    Tamaño Partícula: 2.2 µm  |  Temp: 30.0°C</a:t>
+            </a:r>
+            <a:br/>
+            <a:r>
+              <a:t>    Flujo: 0.2 mL/min  |  T0: 1.1025 min</a:t>
             </a:r>
             <a:br/>
             <a:r>
@@ -5084,18 +5210,20 @@
         </p:nvSpPr>
         <p:spPr/>
         <p:txBody>
-          <a:bodyPr/>
-          <a:lstStyle/>
-          <a:p>
-            <a:r>
-              <a:t>Steroids and steroid derivatives (CHEMONTID:0000258): 0.1365367260826629, n_datos: 1</a:t>
+          <a:bodyPr>
+            <a:normAutofit fontScale="90000"/>
+          </a:bodyPr>
+          <a:lstStyle/>
+          <a:p>
+            <a:r>
+              <a:t>Steroids and steroid derivatives (CHEMONTID:0000258): 0.1551504270656016, n_datos: 6</a:t>
             </a:r>
           </a:p>
         </p:txBody>
       </p:sp>
       <p:pic>
         <p:nvPicPr>
-          <p:cNvPr id="3" name="Picture 2" descr="alpha_grafica_Steroids and steroid derivatives _CHEMONTID_0000258__110.png"/>
+          <p:cNvPr id="3" name="Picture 2" descr="alpha_grafica_Steroids and steroid derivatives _CHEMONTID_0000258__107.png"/>
           <p:cNvPicPr>
             <a:picLocks noChangeAspect="1"/>
           </p:cNvPicPr>
@@ -5152,19 +5280,19 @@
           <a:p>
             <a:br/>
             <a:r>
-              <a:t>    pH1: 0.0  |  pH2: 9.0  |  Columna: Merck SeQuant ZIC-pHILIC</a:t>
-            </a:r>
-            <a:br/>
-            <a:r>
-              <a:t>    USP Code: column.usp.code_L122  |  Longitud: 150.0 mm</a:t>
-            </a:r>
-            <a:br/>
-            <a:r>
-              <a:t>    Tamaño Partícula: 5.0 µm  |  Temp: 40.0°C</a:t>
-            </a:r>
-            <a:br/>
-            <a:r>
-              <a:t>    Flujo: 0.3 mL/min  |  T0: 1.1025 min</a:t>
+              <a:t>    pH1: 3.61  |  pH2: 3.61  |  Columna: Thermo Scientific Acclaim RSLC 120 C18</a:t>
+            </a:r>
+            <a:br/>
+            <a:r>
+              <a:t>    USP Code: column.usp.code_L1  |  Longitud: 100.0 mm</a:t>
+            </a:r>
+            <a:br/>
+            <a:r>
+              <a:t>    Tamaño Partícula: 2.2 µm  |  Temp: 30.0°C</a:t>
+            </a:r>
+            <a:br/>
+            <a:r>
+              <a:t>    Flujo: 0.2 mL/min  |  T0: 1.1025 min</a:t>
             </a:r>
             <a:br/>
             <a:r>
@@ -5210,18 +5338,20 @@
         </p:nvSpPr>
         <p:spPr/>
         <p:txBody>
-          <a:bodyPr/>
-          <a:lstStyle/>
-          <a:p>
-            <a:r>
-              <a:t>Steroids and steroid derivatives (CHEMONTID:0000258): 0.1346858854846958, n_datos: 5</a:t>
+          <a:bodyPr>
+            <a:normAutofit fontScale="90000"/>
+          </a:bodyPr>
+          <a:lstStyle/>
+          <a:p>
+            <a:r>
+              <a:t>Steroids and steroid derivatives (CHEMONTID:0000258): 0.1550088837385297, n_datos: 6</a:t>
             </a:r>
           </a:p>
         </p:txBody>
       </p:sp>
       <p:pic>
         <p:nvPicPr>
-          <p:cNvPr id="3" name="Picture 2" descr="alpha_grafica_Steroids and steroid derivatives _CHEMONTID_0000258__111.png"/>
+          <p:cNvPr id="3" name="Picture 2" descr="alpha_grafica_Steroids and steroid derivatives _CHEMONTID_0000258__109.png"/>
           <p:cNvPicPr>
             <a:picLocks noChangeAspect="1"/>
           </p:cNvPicPr>
@@ -5336,18 +5466,20 @@
         </p:nvSpPr>
         <p:spPr/>
         <p:txBody>
-          <a:bodyPr/>
-          <a:lstStyle/>
-          <a:p>
-            <a:r>
-              <a:t>Fatty Acyls (CHEMONTID:0003909): 1.0, n_datos: 1</a:t>
+          <a:bodyPr>
+            <a:normAutofit fontScale="90000"/>
+          </a:bodyPr>
+          <a:lstStyle/>
+          <a:p>
+            <a:r>
+              <a:t>Steroids and steroid derivatives (CHEMONTID:0000258): 0.1365367260826629, n_datos: 1</a:t>
             </a:r>
           </a:p>
         </p:txBody>
       </p:sp>
       <p:pic>
         <p:nvPicPr>
-          <p:cNvPr id="3" name="Picture 2" descr="alpha_grafica_Fatty Acyls _CHEMONTID_0003909__112.png"/>
+          <p:cNvPr id="3" name="Picture 2" descr="alpha_grafica_Steroids and steroid derivatives _CHEMONTID_0000258__110.png"/>
           <p:cNvPicPr>
             <a:picLocks noChangeAspect="1"/>
           </p:cNvPicPr>
@@ -5404,19 +5536,19 @@
           <a:p>
             <a:br/>
             <a:r>
-              <a:t>    pH1: 3.0  |  pH2: 3.0  |  Columna: Waters CORTECS UPLC C18</a:t>
-            </a:r>
-            <a:br/>
-            <a:r>
-              <a:t>    USP Code: column.usp.code_L1  |  Longitud: 100.0 mm</a:t>
-            </a:r>
-            <a:br/>
-            <a:r>
-              <a:t>    Tamaño Partícula: 1.6 µm  |  Temp: 40.0°C</a:t>
-            </a:r>
-            <a:br/>
-            <a:r>
-              <a:t>    Flujo: 0.4 mL/min  |  T0: 0.55125 min</a:t>
+              <a:t>    pH1: 0.0  |  pH2: 9.0  |  Columna: Merck SeQuant ZIC-pHILIC</a:t>
+            </a:r>
+            <a:br/>
+            <a:r>
+              <a:t>    USP Code: column.usp.code_L122  |  Longitud: 150.0 mm</a:t>
+            </a:r>
+            <a:br/>
+            <a:r>
+              <a:t>    Tamaño Partícula: 5.0 µm  |  Temp: 40.0°C</a:t>
+            </a:r>
+            <a:br/>
+            <a:r>
+              <a:t>    Flujo: 0.3 mL/min  |  T0: 1.1025 min</a:t>
             </a:r>
             <a:br/>
             <a:r>
@@ -5462,18 +5594,20 @@
         </p:nvSpPr>
         <p:spPr/>
         <p:txBody>
-          <a:bodyPr/>
-          <a:lstStyle/>
-          <a:p>
-            <a:r>
-              <a:t>Fatty Acyls (CHEMONTID:0003909): 0.6928600975316993, n_datos: 3</a:t>
+          <a:bodyPr>
+            <a:normAutofit fontScale="90000"/>
+          </a:bodyPr>
+          <a:lstStyle/>
+          <a:p>
+            <a:r>
+              <a:t>Steroids and steroid derivatives (CHEMONTID:0000258): 0.1346858854846958, n_datos: 5</a:t>
             </a:r>
           </a:p>
         </p:txBody>
       </p:sp>
       <p:pic>
         <p:nvPicPr>
-          <p:cNvPr id="3" name="Picture 2" descr="alpha_grafica_Fatty Acyls _CHEMONTID_0003909__112.png"/>
+          <p:cNvPr id="3" name="Picture 2" descr="alpha_grafica_Steroids and steroid derivatives _CHEMONTID_0000258__111.png"/>
           <p:cNvPicPr>
             <a:picLocks noChangeAspect="1"/>
           </p:cNvPicPr>
@@ -5530,7 +5664,7 @@
           <a:p>
             <a:br/>
             <a:r>
-              <a:t>    pH1: 3.0  |  pH2: 3.0  |  Columna: Phenomenex Kinetex XB-C18</a:t>
+              <a:t>    pH1: 0.0  |  pH2: 0.0  |  Columna: Waters ACQUITY UPLC BEH C18</a:t>
             </a:r>
             <a:br/>
             <a:r>
@@ -5542,7 +5676,7 @@
             </a:r>
             <a:br/>
             <a:r>
-              <a:t>    Flujo: 0.4 mL/min  |  T0: 0.55125 min</a:t>
+              <a:t>    Flujo: 0.3 mL/min  |  T0: 0.1666666666666666 min</a:t>
             </a:r>
             <a:br/>
             <a:r>
@@ -5588,11 +5722,13 @@
         </p:nvSpPr>
         <p:spPr/>
         <p:txBody>
-          <a:bodyPr/>
-          <a:lstStyle/>
-          <a:p>
-            <a:r>
-              <a:t>Fatty Acyls (CHEMONTID:0003909): 0.5541903902123728, n_datos: 4</a:t>
+          <a:bodyPr>
+            <a:normAutofit fontScale="90000"/>
+          </a:bodyPr>
+          <a:lstStyle/>
+          <a:p>
+            <a:r>
+              <a:t>Fatty Acyls (CHEMONTID:0003909): 1.0, n_datos: 1</a:t>
             </a:r>
           </a:p>
         </p:txBody>
@@ -5656,7 +5792,7 @@
           <a:p>
             <a:br/>
             <a:r>
-              <a:t>    pH1: 3.0  |  pH2: 3.0  |  Columna: Waters ACQUITY UPLC HSS C18</a:t>
+              <a:t>    pH1: 3.0  |  pH2: 3.0  |  Columna: Waters CORTECS UPLC C18</a:t>
             </a:r>
             <a:br/>
             <a:r>
@@ -5664,7 +5800,7 @@
             </a:r>
             <a:br/>
             <a:r>
-              <a:t>    Tamaño Partícula: 1.8 µm  |  Temp: 40.0°C</a:t>
+              <a:t>    Tamaño Partícula: 1.6 µm  |  Temp: 40.0°C</a:t>
             </a:r>
             <a:br/>
             <a:r>
@@ -5714,11 +5850,13 @@
         </p:nvSpPr>
         <p:spPr/>
         <p:txBody>
-          <a:bodyPr/>
-          <a:lstStyle/>
-          <a:p>
-            <a:r>
-              <a:t>Fatty Acyls (CHEMONTID:0003909): 0.3757694874135396, n_datos: 9</a:t>
+          <a:bodyPr>
+            <a:normAutofit fontScale="90000"/>
+          </a:bodyPr>
+          <a:lstStyle/>
+          <a:p>
+            <a:r>
+              <a:t>Fatty Acyls (CHEMONTID:0003909): 0.6928600975316993, n_datos: 3</a:t>
             </a:r>
           </a:p>
         </p:txBody>
@@ -5790,7 +5928,7 @@
             </a:r>
             <a:br/>
             <a:r>
-              <a:t>    Tamaño Partícula: 1.7 µm  |  Temp: 30.0°C</a:t>
+              <a:t>    Tamaño Partícula: 1.7 µm  |  Temp: 50.0°C</a:t>
             </a:r>
             <a:br/>
             <a:r>
@@ -5840,11 +5978,13 @@
         </p:nvSpPr>
         <p:spPr/>
         <p:txBody>
-          <a:bodyPr/>
-          <a:lstStyle/>
-          <a:p>
-            <a:r>
-              <a:t>Fatty Acyls (CHEMONTID:0003909): 0.3746656645565284, n_datos: 4</a:t>
+          <a:bodyPr>
+            <a:normAutofit fontScale="90000"/>
+          </a:bodyPr>
+          <a:lstStyle/>
+          <a:p>
+            <a:r>
+              <a:t>Fatty Acyls (CHEMONTID:0003909): 0.5541903902123728, n_datos: 4</a:t>
             </a:r>
           </a:p>
         </p:txBody>
@@ -5908,7 +6048,7 @@
           <a:p>
             <a:br/>
             <a:r>
-              <a:t>    pH1: 3.0  |  pH2: 3.0  |  Columna: Phenomenex Kinetex XB-C18</a:t>
+              <a:t>    pH1: 3.0  |  pH2: 3.0  |  Columna: Waters ACQUITY UPLC HSS C18</a:t>
             </a:r>
             <a:br/>
             <a:r>
@@ -5916,7 +6056,7 @@
             </a:r>
             <a:br/>
             <a:r>
-              <a:t>    Tamaño Partícula: 1.7 µm  |  Temp: 40.0°C</a:t>
+              <a:t>    Tamaño Partícula: 1.8 µm  |  Temp: 40.0°C</a:t>
             </a:r>
             <a:br/>
             <a:r>
@@ -5966,18 +6106,20 @@
         </p:nvSpPr>
         <p:spPr/>
         <p:txBody>
-          <a:bodyPr/>
-          <a:lstStyle/>
-          <a:p>
-            <a:r>
-              <a:t>Hydroxy acids and derivatives (CHEMONTID:0000472): 1.0, n_datos: 6</a:t>
+          <a:bodyPr>
+            <a:normAutofit fontScale="90000"/>
+          </a:bodyPr>
+          <a:lstStyle/>
+          <a:p>
+            <a:r>
+              <a:t>Fatty Acyls (CHEMONTID:0003909): 0.3757694874135396, n_datos: 9</a:t>
             </a:r>
           </a:p>
         </p:txBody>
       </p:sp>
       <p:pic>
         <p:nvPicPr>
-          <p:cNvPr id="3" name="Picture 2" descr="alpha_grafica_Hydroxy acids and derivatives _CHEMONTID_0000472__117.png"/>
+          <p:cNvPr id="3" name="Picture 2" descr="alpha_grafica_Fatty Acyls _CHEMONTID_0003909__112.png"/>
           <p:cNvPicPr>
             <a:picLocks noChangeAspect="1"/>
           </p:cNvPicPr>
@@ -6034,7 +6176,7 @@
           <a:p>
             <a:br/>
             <a:r>
-              <a:t>    pH1: 3.0  |  pH2: 3.0  |  Columna: Waters CORTECS UPLC C18</a:t>
+              <a:t>    pH1: 3.0  |  pH2: 3.0  |  Columna: Phenomenex Kinetex XB-C18</a:t>
             </a:r>
             <a:br/>
             <a:r>
@@ -6042,7 +6184,7 @@
             </a:r>
             <a:br/>
             <a:r>
-              <a:t>    Tamaño Partícula: 1.6 µm  |  Temp: 40.0°C</a:t>
+              <a:t>    Tamaño Partícula: 1.7 µm  |  Temp: 30.0°C</a:t>
             </a:r>
             <a:br/>
             <a:r>
@@ -6092,18 +6234,20 @@
         </p:nvSpPr>
         <p:spPr/>
         <p:txBody>
-          <a:bodyPr/>
-          <a:lstStyle/>
-          <a:p>
-            <a:r>
-              <a:t>Hydroxy acids and derivatives (CHEMONTID:0000472): 0.9491729629972044, n_datos: 1</a:t>
+          <a:bodyPr>
+            <a:normAutofit fontScale="90000"/>
+          </a:bodyPr>
+          <a:lstStyle/>
+          <a:p>
+            <a:r>
+              <a:t>Fatty Acyls (CHEMONTID:0003909): 0.3746656645565284, n_datos: 4</a:t>
             </a:r>
           </a:p>
         </p:txBody>
       </p:sp>
       <p:pic>
         <p:nvPicPr>
-          <p:cNvPr id="3" name="Picture 2" descr="alpha_grafica_Hydroxy acids and derivatives _CHEMONTID_0000472__117.png"/>
+          <p:cNvPr id="3" name="Picture 2" descr="alpha_grafica_Fatty Acyls _CHEMONTID_0003909__112.png"/>
           <p:cNvPicPr>
             <a:picLocks noChangeAspect="1"/>
           </p:cNvPicPr>
@@ -6160,7 +6304,7 @@
           <a:p>
             <a:br/>
             <a:r>
-              <a:t>    pH1: 3.0  |  pH2: 3.0  |  Columna: Waters CORTECS UPLC C18</a:t>
+              <a:t>    pH1: 3.0  |  pH2: 3.0  |  Columna: Phenomenex Kinetex XB-C18</a:t>
             </a:r>
             <a:br/>
             <a:r>
@@ -6168,7 +6312,7 @@
             </a:r>
             <a:br/>
             <a:r>
-              <a:t>    Tamaño Partícula: 1.6 µm  |  Temp: 30.0°C</a:t>
+              <a:t>    Tamaño Partícula: 1.7 µm  |  Temp: 40.0°C</a:t>
             </a:r>
             <a:br/>
             <a:r>
@@ -6218,7 +6362,9 @@
         </p:nvSpPr>
         <p:spPr/>
         <p:txBody>
-          <a:bodyPr/>
+          <a:bodyPr>
+            <a:normAutofit fontScale="90000"/>
+          </a:bodyPr>
           <a:lstStyle/>
           <a:p>
             <a:r>
@@ -6229,7 +6375,7 @@
       </p:sp>
       <p:pic>
         <p:nvPicPr>
-          <p:cNvPr id="3" name="Picture 2" descr="alpha_grafica_Flavin nucleotides _CHEMONTID_0001329__11.png"/>
+          <p:cNvPr id="3" name="Picture 2" descr="alpha_grafica_Flavin nucleotides _CHEMONTID_0001329__9.png"/>
           <p:cNvPicPr>
             <a:picLocks noChangeAspect="1"/>
           </p:cNvPicPr>
@@ -6286,19 +6432,19 @@
           <a:p>
             <a:br/>
             <a:r>
-              <a:t>    pH1: 0.0  |  pH2: 3.0  |  Columna: Merck SeQuant ZIC-HILIC</a:t>
-            </a:r>
-            <a:br/>
-            <a:r>
-              <a:t>    USP Code: column.usp.code_L114  |  Longitud: 145.45454545454547 mm</a:t>
-            </a:r>
-            <a:br/>
-            <a:r>
-              <a:t>    Tamaño Partícula: 4.863636363636363 µm  |  Temp: 25.0°C</a:t>
-            </a:r>
-            <a:br/>
-            <a:r>
-              <a:t>    Flujo: 0.25 mL/min  |  T0: 1.3300246658237755 min</a:t>
+              <a:t>    pH1: 0.0  |  pH2: 0.0  |  Columna: Merck SeQuant ZIC-pHILIC</a:t>
+            </a:r>
+            <a:br/>
+            <a:r>
+              <a:t>    USP Code: column.usp.code_L122  |  Longitud: 150.0 mm</a:t>
+            </a:r>
+            <a:br/>
+            <a:r>
+              <a:t>    Tamaño Partícula: 5.0 µm  |  Temp: 32.5°C</a:t>
+            </a:r>
+            <a:br/>
+            <a:r>
+              <a:t>    Flujo: 0.1 mL/min  |  T0: 3.3075 min</a:t>
             </a:r>
             <a:br/>
             <a:r>
@@ -6344,18 +6490,20 @@
         </p:nvSpPr>
         <p:spPr/>
         <p:txBody>
-          <a:bodyPr/>
-          <a:lstStyle/>
-          <a:p>
-            <a:r>
-              <a:t>Hydroxy acids and derivatives (CHEMONTID:0000472): 0.8041358997369904, n_datos: 2</a:t>
+          <a:bodyPr>
+            <a:normAutofit fontScale="90000"/>
+          </a:bodyPr>
+          <a:lstStyle/>
+          <a:p>
+            <a:r>
+              <a:t>Hydroxy acids and derivatives (CHEMONTID:0000472): 1.0, n_datos: 6</a:t>
             </a:r>
           </a:p>
         </p:txBody>
       </p:sp>
       <p:pic>
         <p:nvPicPr>
-          <p:cNvPr id="3" name="Picture 2" descr="alpha_grafica_Hydroxy acids and derivatives _CHEMONTID_0000472__119.png"/>
+          <p:cNvPr id="3" name="Picture 2" descr="alpha_grafica_Hydroxy acids and derivatives _CHEMONTID_0000472__117.png"/>
           <p:cNvPicPr>
             <a:picLocks noChangeAspect="1"/>
           </p:cNvPicPr>
@@ -6412,15 +6560,15 @@
           <a:p>
             <a:br/>
             <a:r>
-              <a:t>    pH1: 3.0  |  pH2: 3.0  |  Columna: Restek Raptor Biphenyl</a:t>
-            </a:r>
-            <a:br/>
-            <a:r>
-              <a:t>    USP Code: column.usp.code_L11  |  Longitud: 100.0 mm</a:t>
-            </a:r>
-            <a:br/>
-            <a:r>
-              <a:t>    Tamaño Partícula: 2.7 µm  |  Temp: 50.0°C</a:t>
+              <a:t>    pH1: 3.0  |  pH2: 3.0  |  Columna: Waters CORTECS UPLC C18</a:t>
+            </a:r>
+            <a:br/>
+            <a:r>
+              <a:t>    USP Code: column.usp.code_L1  |  Longitud: 100.0 mm</a:t>
+            </a:r>
+            <a:br/>
+            <a:r>
+              <a:t>    Tamaño Partícula: 1.6 µm  |  Temp: 40.0°C</a:t>
             </a:r>
             <a:br/>
             <a:r>
@@ -6470,18 +6618,20 @@
         </p:nvSpPr>
         <p:spPr/>
         <p:txBody>
-          <a:bodyPr/>
-          <a:lstStyle/>
-          <a:p>
-            <a:r>
-              <a:t>Hydroxy acids and derivatives (CHEMONTID:0000472): 0.7608508030426142, n_datos: 2</a:t>
+          <a:bodyPr>
+            <a:normAutofit fontScale="90000"/>
+          </a:bodyPr>
+          <a:lstStyle/>
+          <a:p>
+            <a:r>
+              <a:t>Hydroxy acids and derivatives (CHEMONTID:0000472): 0.9491729629972044, n_datos: 1</a:t>
             </a:r>
           </a:p>
         </p:txBody>
       </p:sp>
       <p:pic>
         <p:nvPicPr>
-          <p:cNvPr id="3" name="Picture 2" descr="alpha_grafica_Hydroxy acids and derivatives _CHEMONTID_0000472__119.png"/>
+          <p:cNvPr id="3" name="Picture 2" descr="alpha_grafica_Hydroxy acids and derivatives _CHEMONTID_0000472__117.png"/>
           <p:cNvPicPr>
             <a:picLocks noChangeAspect="1"/>
           </p:cNvPicPr>
@@ -6538,7 +6688,7 @@
           <a:p>
             <a:br/>
             <a:r>
-              <a:t>    pH1: 3.0  |  pH2: 3.0  |  Columna: Phenomenex Kinetex XB-C18</a:t>
+              <a:t>    pH1: 3.0  |  pH2: 3.0  |  Columna: Waters CORTECS UPLC C18</a:t>
             </a:r>
             <a:br/>
             <a:r>
@@ -6546,7 +6696,7 @@
             </a:r>
             <a:br/>
             <a:r>
-              <a:t>    Tamaño Partícula: 1.7 µm  |  Temp: 40.0°C</a:t>
+              <a:t>    Tamaño Partícula: 1.6 µm  |  Temp: 30.0°C</a:t>
             </a:r>
             <a:br/>
             <a:r>
@@ -6596,11 +6746,13 @@
         </p:nvSpPr>
         <p:spPr/>
         <p:txBody>
-          <a:bodyPr/>
-          <a:lstStyle/>
-          <a:p>
-            <a:r>
-              <a:t>Hydroxy acids and derivatives (CHEMONTID:0000472): 0.6752428157533557, n_datos: 2</a:t>
+          <a:bodyPr>
+            <a:normAutofit fontScale="90000"/>
+          </a:bodyPr>
+          <a:lstStyle/>
+          <a:p>
+            <a:r>
+              <a:t>Hydroxy acids and derivatives (CHEMONTID:0000472): 0.8041358997369904, n_datos: 2</a:t>
             </a:r>
           </a:p>
         </p:txBody>
@@ -6664,15 +6816,15 @@
           <a:p>
             <a:br/>
             <a:r>
-              <a:t>    pH1: 3.0  |  pH2: 3.0  |  Columna: Phenomenex Kinetex XB-C18</a:t>
-            </a:r>
-            <a:br/>
-            <a:r>
-              <a:t>    USP Code: column.usp.code_L1  |  Longitud: 100.0 mm</a:t>
-            </a:r>
-            <a:br/>
-            <a:r>
-              <a:t>    Tamaño Partícula: 1.7 µm  |  Temp: 30.0°C</a:t>
+              <a:t>    pH1: 3.0  |  pH2: 3.0  |  Columna: Restek Raptor Biphenyl</a:t>
+            </a:r>
+            <a:br/>
+            <a:r>
+              <a:t>    USP Code: column.usp.code_L11  |  Longitud: 100.0 mm</a:t>
+            </a:r>
+            <a:br/>
+            <a:r>
+              <a:t>    Tamaño Partícula: 2.7 µm  |  Temp: 50.0°C</a:t>
             </a:r>
             <a:br/>
             <a:r>
@@ -6722,11 +6874,13 @@
         </p:nvSpPr>
         <p:spPr/>
         <p:txBody>
-          <a:bodyPr/>
-          <a:lstStyle/>
-          <a:p>
-            <a:r>
-              <a:t>Hydroxy acids and derivatives (CHEMONTID:0000472): 0.6525290278375189, n_datos: 1</a:t>
+          <a:bodyPr>
+            <a:normAutofit fontScale="90000"/>
+          </a:bodyPr>
+          <a:lstStyle/>
+          <a:p>
+            <a:r>
+              <a:t>Hydroxy acids and derivatives (CHEMONTID:0000472): 0.7608508030426142, n_datos: 2</a:t>
             </a:r>
           </a:p>
         </p:txBody>
@@ -6798,7 +6952,7 @@
             </a:r>
             <a:br/>
             <a:r>
-              <a:t>    Tamaño Partícula: 1.7 µm  |  Temp: 50.0°C</a:t>
+              <a:t>    Tamaño Partícula: 1.7 µm  |  Temp: 40.0°C</a:t>
             </a:r>
             <a:br/>
             <a:r>
@@ -6848,11 +7002,13 @@
         </p:nvSpPr>
         <p:spPr/>
         <p:txBody>
-          <a:bodyPr/>
-          <a:lstStyle/>
-          <a:p>
-            <a:r>
-              <a:t>Hydroxy acids and derivatives (CHEMONTID:0000472): 0.643957806125093, n_datos: 1</a:t>
+          <a:bodyPr>
+            <a:normAutofit fontScale="90000"/>
+          </a:bodyPr>
+          <a:lstStyle/>
+          <a:p>
+            <a:r>
+              <a:t>Hydroxy acids and derivatives (CHEMONTID:0000472): 0.6752428157533557, n_datos: 2</a:t>
             </a:r>
           </a:p>
         </p:txBody>
@@ -6916,15 +7072,15 @@
           <a:p>
             <a:br/>
             <a:r>
-              <a:t>    pH1: 3.0  |  pH2: 3.0  |  Columna: Restek Raptor Biphenyl</a:t>
-            </a:r>
-            <a:br/>
-            <a:r>
-              <a:t>    USP Code: column.usp.code_L11  |  Longitud: 100.0 mm</a:t>
-            </a:r>
-            <a:br/>
-            <a:r>
-              <a:t>    Tamaño Partícula: 2.7 µm  |  Temp: 40.0°C</a:t>
+              <a:t>    pH1: 3.0  |  pH2: 3.0  |  Columna: Phenomenex Kinetex XB-C18</a:t>
+            </a:r>
+            <a:br/>
+            <a:r>
+              <a:t>    USP Code: column.usp.code_L1  |  Longitud: 100.0 mm</a:t>
+            </a:r>
+            <a:br/>
+            <a:r>
+              <a:t>    Tamaño Partícula: 1.7 µm  |  Temp: 30.0°C</a:t>
             </a:r>
             <a:br/>
             <a:r>
@@ -6974,11 +7130,13 @@
         </p:nvSpPr>
         <p:spPr/>
         <p:txBody>
-          <a:bodyPr/>
-          <a:lstStyle/>
-          <a:p>
-            <a:r>
-              <a:t>Hydroxy acids and derivatives (CHEMONTID:0000472): 0.4864238391080094, n_datos: 1</a:t>
+          <a:bodyPr>
+            <a:normAutofit fontScale="90000"/>
+          </a:bodyPr>
+          <a:lstStyle/>
+          <a:p>
+            <a:r>
+              <a:t>Hydroxy acids and derivatives (CHEMONTID:0000472): 0.6525290278375189, n_datos: 1</a:t>
             </a:r>
           </a:p>
         </p:txBody>
@@ -7050,7 +7208,7 @@
             </a:r>
             <a:br/>
             <a:r>
-              <a:t>    Tamaño Partícula: 1.7 µm  |  Temp: 40.0°C</a:t>
+              <a:t>    Tamaño Partícula: 1.7 µm  |  Temp: 50.0°C</a:t>
             </a:r>
             <a:br/>
             <a:r>
@@ -7100,18 +7258,20 @@
         </p:nvSpPr>
         <p:spPr/>
         <p:txBody>
-          <a:bodyPr/>
-          <a:lstStyle/>
-          <a:p>
-            <a:r>
-              <a:t>Hydroxy acids and derivatives (CHEMONTID:0000472): 0.3952558007377429, n_datos: 1</a:t>
+          <a:bodyPr>
+            <a:normAutofit fontScale="90000"/>
+          </a:bodyPr>
+          <a:lstStyle/>
+          <a:p>
+            <a:r>
+              <a:t>Hydroxy acids and derivatives (CHEMONTID:0000472): 0.643957806125093, n_datos: 1</a:t>
             </a:r>
           </a:p>
         </p:txBody>
       </p:sp>
       <p:pic>
         <p:nvPicPr>
-          <p:cNvPr id="3" name="Picture 2" descr="alpha_grafica_Hydroxy acids and derivatives _CHEMONTID_0000472__125.png"/>
+          <p:cNvPr id="3" name="Picture 2" descr="alpha_grafica_Hydroxy acids and derivatives _CHEMONTID_0000472__119.png"/>
           <p:cNvPicPr>
             <a:picLocks noChangeAspect="1"/>
           </p:cNvPicPr>
@@ -7168,11 +7328,11 @@
           <a:p>
             <a:br/>
             <a:r>
-              <a:t>    pH1: 3.0  |  pH2: 3.0  |  Columna: Waters CORTECS T3</a:t>
-            </a:r>
-            <a:br/>
-            <a:r>
-              <a:t>    USP Code: column.usp.code_L1  |  Longitud: 100.0 mm</a:t>
+              <a:t>    pH1: 3.0  |  pH2: 3.0  |  Columna: Restek Raptor Biphenyl</a:t>
+            </a:r>
+            <a:br/>
+            <a:r>
+              <a:t>    USP Code: column.usp.code_L11  |  Longitud: 100.0 mm</a:t>
             </a:r>
             <a:br/>
             <a:r>
@@ -7180,7 +7340,7 @@
             </a:r>
             <a:br/>
             <a:r>
-              <a:t>    Flujo: 0.3 mL/min  |  T0: 0.735 min</a:t>
+              <a:t>    Flujo: 0.4 mL/min  |  T0: 0.55125 min</a:t>
             </a:r>
             <a:br/>
             <a:r>
@@ -7226,18 +7386,20 @@
         </p:nvSpPr>
         <p:spPr/>
         <p:txBody>
-          <a:bodyPr/>
-          <a:lstStyle/>
-          <a:p>
-            <a:r>
-              <a:t>Keto acids and derivatives (CHEMONTID:0000389): 1.0, n_datos: 3</a:t>
+          <a:bodyPr>
+            <a:normAutofit fontScale="90000"/>
+          </a:bodyPr>
+          <a:lstStyle/>
+          <a:p>
+            <a:r>
+              <a:t>Hydroxy acids and derivatives (CHEMONTID:0000472): 0.4864238391080094, n_datos: 1</a:t>
             </a:r>
           </a:p>
         </p:txBody>
       </p:sp>
       <p:pic>
         <p:nvPicPr>
-          <p:cNvPr id="3" name="Picture 2" descr="alpha_grafica_Keto acids and derivatives _CHEMONTID_0000389__126.png"/>
+          <p:cNvPr id="3" name="Picture 2" descr="alpha_grafica_Hydroxy acids and derivatives _CHEMONTID_0000472__119.png"/>
           <p:cNvPicPr>
             <a:picLocks noChangeAspect="1"/>
           </p:cNvPicPr>
@@ -7302,7 +7464,7 @@
             </a:r>
             <a:br/>
             <a:r>
-              <a:t>    Tamaño Partícula: 1.7 µm  |  Temp: 30.0°C</a:t>
+              <a:t>    Tamaño Partícula: 1.7 µm  |  Temp: 40.0°C</a:t>
             </a:r>
             <a:br/>
             <a:r>
@@ -7352,18 +7514,20 @@
         </p:nvSpPr>
         <p:spPr/>
         <p:txBody>
-          <a:bodyPr/>
-          <a:lstStyle/>
-          <a:p>
-            <a:r>
-              <a:t>Keto acids and derivatives (CHEMONTID:0000389): 0.1560140756961097, n_datos: 1</a:t>
+          <a:bodyPr>
+            <a:normAutofit fontScale="90000"/>
+          </a:bodyPr>
+          <a:lstStyle/>
+          <a:p>
+            <a:r>
+              <a:t>Hydroxy acids and derivatives (CHEMONTID:0000472): 0.3952558007377429, n_datos: 1</a:t>
             </a:r>
           </a:p>
         </p:txBody>
       </p:sp>
       <p:pic>
         <p:nvPicPr>
-          <p:cNvPr id="3" name="Picture 2" descr="alpha_grafica_Keto acids and derivatives _CHEMONTID_0000389__127.png"/>
+          <p:cNvPr id="3" name="Picture 2" descr="alpha_grafica_Hydroxy acids and derivatives _CHEMONTID_0000472__125.png"/>
           <p:cNvPicPr>
             <a:picLocks noChangeAspect="1"/>
           </p:cNvPicPr>
@@ -7420,7 +7584,7 @@
           <a:p>
             <a:br/>
             <a:r>
-              <a:t>    pH1: 3.0  |  pH2: 3.0  |  Columna: Merck Supelco Ascentis Express C18</a:t>
+              <a:t>    pH1: 3.0  |  pH2: 3.0  |  Columna: Waters CORTECS T3</a:t>
             </a:r>
             <a:br/>
             <a:r>
@@ -7428,11 +7592,11 @@
             </a:r>
             <a:br/>
             <a:r>
-              <a:t>    Tamaño Partícula: 2.0 µm  |  Temp: 40.0°C</a:t>
-            </a:r>
-            <a:br/>
-            <a:r>
-              <a:t>    Flujo: 0.4 mL/min  |  T0: 0.55125 min</a:t>
+              <a:t>    Tamaño Partícula: 2.7 µm  |  Temp: 40.0°C</a:t>
+            </a:r>
+            <a:br/>
+            <a:r>
+              <a:t>    Flujo: 0.3 mL/min  |  T0: 0.735 min</a:t>
             </a:r>
             <a:br/>
             <a:r>
@@ -7478,18 +7642,20 @@
         </p:nvSpPr>
         <p:spPr/>
         <p:txBody>
-          <a:bodyPr/>
-          <a:lstStyle/>
-          <a:p>
-            <a:r>
-              <a:t>Keto acids and derivatives (CHEMONTID:0000389): 0.1426370548872029, n_datos: 2</a:t>
+          <a:bodyPr>
+            <a:normAutofit fontScale="90000"/>
+          </a:bodyPr>
+          <a:lstStyle/>
+          <a:p>
+            <a:r>
+              <a:t>Keto acids and derivatives (CHEMONTID:0000389): 1.0, n_datos: 3</a:t>
             </a:r>
           </a:p>
         </p:txBody>
       </p:sp>
       <p:pic>
         <p:nvPicPr>
-          <p:cNvPr id="3" name="Picture 2" descr="alpha_grafica_Keto acids and derivatives _CHEMONTID_0000389__128.png"/>
+          <p:cNvPr id="3" name="Picture 2" descr="alpha_grafica_Keto acids and derivatives _CHEMONTID_0000389__126.png"/>
           <p:cNvPicPr>
             <a:picLocks noChangeAspect="1"/>
           </p:cNvPicPr>
@@ -7546,7 +7712,7 @@
           <a:p>
             <a:br/>
             <a:r>
-              <a:t>    pH1: 3.0  |  pH2: 3.0  |  Columna: Waters ACQUITY UPLC HSS C18</a:t>
+              <a:t>    pH1: 3.0  |  pH2: 3.0  |  Columna: Phenomenex Kinetex XB-C18</a:t>
             </a:r>
             <a:br/>
             <a:r>
@@ -7554,7 +7720,7 @@
             </a:r>
             <a:br/>
             <a:r>
-              <a:t>    Tamaño Partícula: 1.8 µm  |  Temp: 50.0°C</a:t>
+              <a:t>    Tamaño Partícula: 1.7 µm  |  Temp: 30.0°C</a:t>
             </a:r>
             <a:br/>
             <a:r>
@@ -7604,7 +7770,9 @@
         </p:nvSpPr>
         <p:spPr/>
         <p:txBody>
-          <a:bodyPr/>
+          <a:bodyPr>
+            <a:normAutofit fontScale="90000"/>
+          </a:bodyPr>
           <a:lstStyle/>
           <a:p>
             <a:r>
@@ -7615,7 +7783,7 @@
       </p:sp>
       <p:pic>
         <p:nvPicPr>
-          <p:cNvPr id="3" name="Picture 2" descr="alpha_grafica_Flavin nucleotides _CHEMONTID_0001329__12.png"/>
+          <p:cNvPr id="3" name="Picture 2" descr="alpha_grafica_Flavin nucleotides _CHEMONTID_0001329__10.png"/>
           <p:cNvPicPr>
             <a:picLocks noChangeAspect="1"/>
           </p:cNvPicPr>
@@ -7672,19 +7840,19 @@
           <a:p>
             <a:br/>
             <a:r>
-              <a:t>    pH1: 3.0  |  pH2: 3.0  |  Columna: Waters CORTECS T3</a:t>
-            </a:r>
-            <a:br/>
-            <a:r>
-              <a:t>    USP Code: column.usp.code_L1  |  Longitud: 100.0 mm</a:t>
-            </a:r>
-            <a:br/>
-            <a:r>
-              <a:t>    Tamaño Partícula: 2.7 µm  |  Temp: 40.0°C</a:t>
-            </a:r>
-            <a:br/>
-            <a:r>
-              <a:t>    Flujo: 0.3 mL/min  |  T0: 0.735 min</a:t>
+              <a:t>    pH1: 3.0  |  pH2: 3.0  |  Columna: Waters ACQUITY UPLC BEH C18</a:t>
+            </a:r>
+            <a:br/>
+            <a:r>
+              <a:t>    USP Code: column.usp.code_L1  |  Longitud: 98.03921568627452 mm</a:t>
+            </a:r>
+            <a:br/>
+            <a:r>
+              <a:t>    Tamaño Partícula: 1.7 µm  |  Temp: 38.0°C</a:t>
+            </a:r>
+            <a:br/>
+            <a:r>
+              <a:t>    Flujo: 0.24 mL/min  |  T0: 0.895845316696432 min</a:t>
             </a:r>
             <a:br/>
             <a:r>
@@ -7730,18 +7898,20 @@
         </p:nvSpPr>
         <p:spPr/>
         <p:txBody>
-          <a:bodyPr/>
-          <a:lstStyle/>
-          <a:p>
-            <a:r>
-              <a:t>Keto acids and derivatives (CHEMONTID:0000389): 0.1383896996680574, n_datos: 1</a:t>
+          <a:bodyPr>
+            <a:normAutofit fontScale="90000"/>
+          </a:bodyPr>
+          <a:lstStyle/>
+          <a:p>
+            <a:r>
+              <a:t>Keto acids and derivatives (CHEMONTID:0000389): 0.1560140756961097, n_datos: 1</a:t>
             </a:r>
           </a:p>
         </p:txBody>
       </p:sp>
       <p:pic>
         <p:nvPicPr>
-          <p:cNvPr id="3" name="Picture 2" descr="alpha_grafica_Keto acids and derivatives _CHEMONTID_0000389__129.png"/>
+          <p:cNvPr id="3" name="Picture 2" descr="alpha_grafica_Keto acids and derivatives _CHEMONTID_0000389__127.png"/>
           <p:cNvPicPr>
             <a:picLocks noChangeAspect="1"/>
           </p:cNvPicPr>
@@ -7798,19 +7968,19 @@
           <a:p>
             <a:br/>
             <a:r>
-              <a:t>    pH1: 3.0  |  pH2: 3.0  |  Columna: Thermo Scientific Hypersil GOLD</a:t>
-            </a:r>
-            <a:br/>
-            <a:r>
-              <a:t>    USP Code: column.usp.code_L1  |  Longitud: 113.75 mm</a:t>
-            </a:r>
-            <a:br/>
-            <a:r>
-              <a:t>    Tamaño Partícula: 1.9 µm  |  Temp: 40.0°C</a:t>
-            </a:r>
-            <a:br/>
-            <a:r>
-              <a:t>    Flujo: 0.4 mL/min  |  T0: 0.6500755324656243 min</a:t>
+              <a:t>    pH1: 3.0  |  pH2: 3.0  |  Columna: Merck Supelco Ascentis Express C18</a:t>
+            </a:r>
+            <a:br/>
+            <a:r>
+              <a:t>    USP Code: column.usp.code_L1  |  Longitud: 100.0 mm</a:t>
+            </a:r>
+            <a:br/>
+            <a:r>
+              <a:t>    Tamaño Partícula: 2.0 µm  |  Temp: 40.0°C</a:t>
+            </a:r>
+            <a:br/>
+            <a:r>
+              <a:t>    Flujo: 0.4 mL/min  |  T0: 0.55125 min</a:t>
             </a:r>
             <a:br/>
             <a:r>
@@ -7856,18 +8026,20 @@
         </p:nvSpPr>
         <p:spPr/>
         <p:txBody>
-          <a:bodyPr/>
-          <a:lstStyle/>
-          <a:p>
-            <a:r>
-              <a:t>Keto acids and derivatives (CHEMONTID:0000389): 0.1055918745494751, n_datos: 1</a:t>
+          <a:bodyPr>
+            <a:normAutofit fontScale="90000"/>
+          </a:bodyPr>
+          <a:lstStyle/>
+          <a:p>
+            <a:r>
+              <a:t>Keto acids and derivatives (CHEMONTID:0000389): 0.1426370548872029, n_datos: 2</a:t>
             </a:r>
           </a:p>
         </p:txBody>
       </p:sp>
       <p:pic>
         <p:nvPicPr>
-          <p:cNvPr id="3" name="Picture 2" descr="alpha_grafica_Keto acids and derivatives _CHEMONTID_0000389__127.png"/>
+          <p:cNvPr id="3" name="Picture 2" descr="alpha_grafica_Keto acids and derivatives _CHEMONTID_0000389__128.png"/>
           <p:cNvPicPr>
             <a:picLocks noChangeAspect="1"/>
           </p:cNvPicPr>
@@ -7924,7 +8096,7 @@
           <a:p>
             <a:br/>
             <a:r>
-              <a:t>    pH1: 3.0  |  pH2: 3.0  |  Columna: Merck Supelco Ascentis Express C18</a:t>
+              <a:t>    pH1: 3.0  |  pH2: 3.0  |  Columna: Waters ACQUITY UPLC HSS C18</a:t>
             </a:r>
             <a:br/>
             <a:r>
@@ -7932,11 +8104,11 @@
             </a:r>
             <a:br/>
             <a:r>
-              <a:t>    Tamaño Partícula: 2.0 µm  |  Temp: 40.0°C</a:t>
-            </a:r>
-            <a:br/>
-            <a:r>
-              <a:t>    Flujo: 0.3 mL/min  |  T0: 0.735 min</a:t>
+              <a:t>    Tamaño Partícula: 1.8 µm  |  Temp: 50.0°C</a:t>
+            </a:r>
+            <a:br/>
+            <a:r>
+              <a:t>    Flujo: 0.4 mL/min  |  T0: 0.55125 min</a:t>
             </a:r>
             <a:br/>
             <a:r>
@@ -7982,18 +8154,20 @@
         </p:nvSpPr>
         <p:spPr/>
         <p:txBody>
-          <a:bodyPr/>
-          <a:lstStyle/>
-          <a:p>
-            <a:r>
-              <a:t>Keto acids and derivatives (CHEMONTID:0000389): 0.0900871544436415, n_datos: 6</a:t>
+          <a:bodyPr>
+            <a:normAutofit fontScale="90000"/>
+          </a:bodyPr>
+          <a:lstStyle/>
+          <a:p>
+            <a:r>
+              <a:t>Keto acids and derivatives (CHEMONTID:0000389): 0.1383896996680574, n_datos: 1</a:t>
             </a:r>
           </a:p>
         </p:txBody>
       </p:sp>
       <p:pic>
         <p:nvPicPr>
-          <p:cNvPr id="3" name="Picture 2" descr="alpha_grafica_Keto acids and derivatives _CHEMONTID_0000389__131.png"/>
+          <p:cNvPr id="3" name="Picture 2" descr="alpha_grafica_Keto acids and derivatives _CHEMONTID_0000389__129.png"/>
           <p:cNvPicPr>
             <a:picLocks noChangeAspect="1"/>
           </p:cNvPicPr>
@@ -8050,19 +8224,19 @@
           <a:p>
             <a:br/>
             <a:r>
-              <a:t>    pH1: 0.0  |  pH2: 3.0  |  Columna: Merck SeQuant ZIC-HILIC</a:t>
-            </a:r>
-            <a:br/>
-            <a:r>
-              <a:t>    USP Code: column.usp.code_L114  |  Longitud: 145.45454545454547 mm</a:t>
-            </a:r>
-            <a:br/>
-            <a:r>
-              <a:t>    Tamaño Partícula: 4.863636363636363 µm  |  Temp: 25.0°C</a:t>
-            </a:r>
-            <a:br/>
-            <a:r>
-              <a:t>    Flujo: 0.25 mL/min  |  T0: 1.3300246658237755 min</a:t>
+              <a:t>    pH1: 3.0  |  pH2: 3.0  |  Columna: Thermo Scientific Hypersil GOLD</a:t>
+            </a:r>
+            <a:br/>
+            <a:r>
+              <a:t>    USP Code: column.usp.code_L1  |  Longitud: 113.75 mm</a:t>
+            </a:r>
+            <a:br/>
+            <a:r>
+              <a:t>    Tamaño Partícula: 1.9 µm  |  Temp: 40.0°C</a:t>
+            </a:r>
+            <a:br/>
+            <a:r>
+              <a:t>    Flujo: 0.4 mL/min  |  T0: 0.6500755324656243 min</a:t>
             </a:r>
             <a:br/>
             <a:r>
@@ -8108,11 +8282,13 @@
         </p:nvSpPr>
         <p:spPr/>
         <p:txBody>
-          <a:bodyPr/>
-          <a:lstStyle/>
-          <a:p>
-            <a:r>
-              <a:t>Keto acids and derivatives (CHEMONTID:0000389): 0.0882346085941494, n_datos: 1</a:t>
+          <a:bodyPr>
+            <a:normAutofit fontScale="90000"/>
+          </a:bodyPr>
+          <a:lstStyle/>
+          <a:p>
+            <a:r>
+              <a:t>Keto acids and derivatives (CHEMONTID:0000389): 0.1055918745494751, n_datos: 1</a:t>
             </a:r>
           </a:p>
         </p:txBody>
@@ -8184,7 +8360,7 @@
             </a:r>
             <a:br/>
             <a:r>
-              <a:t>    Tamaño Partícula: 2.0 µm  |  Temp: 37.5°C</a:t>
+              <a:t>    Tamaño Partícula: 2.0 µm  |  Temp: 40.0°C</a:t>
             </a:r>
             <a:br/>
             <a:r>
@@ -8234,18 +8410,20 @@
         </p:nvSpPr>
         <p:spPr/>
         <p:txBody>
-          <a:bodyPr/>
-          <a:lstStyle/>
-          <a:p>
-            <a:r>
-              <a:t>Keto acids and derivatives (CHEMONTID:0000389): 0.0845824801537222, n_datos: 9</a:t>
+          <a:bodyPr>
+            <a:normAutofit fontScale="90000"/>
+          </a:bodyPr>
+          <a:lstStyle/>
+          <a:p>
+            <a:r>
+              <a:t>Keto acids and derivatives (CHEMONTID:0000389): 0.0900871544436415, n_datos: 6</a:t>
             </a:r>
           </a:p>
         </p:txBody>
       </p:sp>
       <p:pic>
         <p:nvPicPr>
-          <p:cNvPr id="3" name="Picture 2" descr="alpha_grafica_Keto acids and derivatives _CHEMONTID_0000389__126.png"/>
+          <p:cNvPr id="3" name="Picture 2" descr="alpha_grafica_Keto acids and derivatives _CHEMONTID_0000389__131.png"/>
           <p:cNvPicPr>
             <a:picLocks noChangeAspect="1"/>
           </p:cNvPicPr>
@@ -8302,19 +8480,19 @@
           <a:p>
             <a:br/>
             <a:r>
-              <a:t>    pH1: 3.0  |  pH2: 3.0  |  Columna: Waters ACQUITY UPLC HSS T3</a:t>
-            </a:r>
-            <a:br/>
-            <a:r>
-              <a:t>    USP Code: column.usp.code_L1  |  Longitud: 100.0 mm</a:t>
-            </a:r>
-            <a:br/>
-            <a:r>
-              <a:t>    Tamaño Partícula: 1.8 µm  |  Temp: 30.0°C</a:t>
-            </a:r>
-            <a:br/>
-            <a:r>
-              <a:t>    Flujo: 0.4 mL/min  |  T0: 0.55125 min</a:t>
+              <a:t>    pH1: 0.0  |  pH2: 3.0  |  Columna: Merck SeQuant ZIC-HILIC</a:t>
+            </a:r>
+            <a:br/>
+            <a:r>
+              <a:t>    USP Code: column.usp.code_L114  |  Longitud: 145.45454545454547 mm</a:t>
+            </a:r>
+            <a:br/>
+            <a:r>
+              <a:t>    Tamaño Partícula: 4.863636363636363 µm  |  Temp: 25.0°C</a:t>
+            </a:r>
+            <a:br/>
+            <a:r>
+              <a:t>    Flujo: 0.25 mL/min  |  T0: 1.3300246658237755 min</a:t>
             </a:r>
             <a:br/>
             <a:r>
@@ -8360,11 +8538,13 @@
         </p:nvSpPr>
         <p:spPr/>
         <p:txBody>
-          <a:bodyPr/>
-          <a:lstStyle/>
-          <a:p>
-            <a:r>
-              <a:t>Keto acids and derivatives (CHEMONTID:0000389): 0.0781987665518135, n_datos: 6</a:t>
+          <a:bodyPr>
+            <a:normAutofit fontScale="90000"/>
+          </a:bodyPr>
+          <a:lstStyle/>
+          <a:p>
+            <a:r>
+              <a:t>Keto acids and derivatives (CHEMONTID:0000389): 0.0882346085941494, n_datos: 1</a:t>
             </a:r>
           </a:p>
         </p:txBody>
@@ -8436,11 +8616,11 @@
             </a:r>
             <a:br/>
             <a:r>
-              <a:t>    Tamaño Partícula: 2.0 µm  |  Temp: 40.0°C</a:t>
-            </a:r>
-            <a:br/>
-            <a:r>
-              <a:t>    Flujo: 0.25 mL/min  |  T0: 0.882 min</a:t>
+              <a:t>    Tamaño Partícula: 2.0 µm  |  Temp: 37.5°C</a:t>
+            </a:r>
+            <a:br/>
+            <a:r>
+              <a:t>    Flujo: 0.3 mL/min  |  T0: 0.735 min</a:t>
             </a:r>
             <a:br/>
             <a:r>
@@ -8486,18 +8666,20 @@
         </p:nvSpPr>
         <p:spPr/>
         <p:txBody>
-          <a:bodyPr/>
-          <a:lstStyle/>
-          <a:p>
-            <a:r>
-              <a:t>Phenylpropanoic acids (CHEMONTID:0002551): 1.0, n_datos: 1</a:t>
+          <a:bodyPr>
+            <a:normAutofit fontScale="90000"/>
+          </a:bodyPr>
+          <a:lstStyle/>
+          <a:p>
+            <a:r>
+              <a:t>Keto acids and derivatives (CHEMONTID:0000389): 0.0845824801537222, n_datos: 9</a:t>
             </a:r>
           </a:p>
         </p:txBody>
       </p:sp>
       <p:pic>
         <p:nvPicPr>
-          <p:cNvPr id="3" name="Picture 2" descr="alpha_grafica_Phenylpropanoic acids _CHEMONTID_0002551__135.png"/>
+          <p:cNvPr id="3" name="Picture 2" descr="alpha_grafica_Keto acids and derivatives _CHEMONTID_0000389__126.png"/>
           <p:cNvPicPr>
             <a:picLocks noChangeAspect="1"/>
           </p:cNvPicPr>
@@ -8554,19 +8736,19 @@
           <a:p>
             <a:br/>
             <a:r>
-              <a:t>    pH1: 2.6  |  pH2: 0.0  |  Columna: Waters ACQUITY UPLC BEH C18</a:t>
-            </a:r>
-            <a:br/>
-            <a:r>
-              <a:t>    USP Code: column.usp.code_L1  |  Longitud: 50.0 mm</a:t>
-            </a:r>
-            <a:br/>
-            <a:r>
-              <a:t>    Tamaño Partícula: 1.7 µm  |  Temp: 40.0°C</a:t>
-            </a:r>
-            <a:br/>
-            <a:r>
-              <a:t>    Flujo: 0.6 mL/min  |  T0: 0.18375 min</a:t>
+              <a:t>    pH1: 3.0  |  pH2: 3.0  |  Columna: Waters ACQUITY UPLC HSS T3</a:t>
+            </a:r>
+            <a:br/>
+            <a:r>
+              <a:t>    USP Code: column.usp.code_L1  |  Longitud: 100.0 mm</a:t>
+            </a:r>
+            <a:br/>
+            <a:r>
+              <a:t>    Tamaño Partícula: 1.8 µm  |  Temp: 30.0°C</a:t>
+            </a:r>
+            <a:br/>
+            <a:r>
+              <a:t>    Flujo: 0.4 mL/min  |  T0: 0.55125 min</a:t>
             </a:r>
             <a:br/>
             <a:r>
@@ -8612,18 +8794,20 @@
         </p:nvSpPr>
         <p:spPr/>
         <p:txBody>
-          <a:bodyPr/>
-          <a:lstStyle/>
-          <a:p>
-            <a:r>
-              <a:t>Phenylpropanoic acids (CHEMONTID:0002551): 0.504872420901041, n_datos: 3</a:t>
+          <a:bodyPr>
+            <a:normAutofit fontScale="90000"/>
+          </a:bodyPr>
+          <a:lstStyle/>
+          <a:p>
+            <a:r>
+              <a:t>Keto acids and derivatives (CHEMONTID:0000389): 0.0781987665518135, n_datos: 6</a:t>
             </a:r>
           </a:p>
         </p:txBody>
       </p:sp>
       <p:pic>
         <p:nvPicPr>
-          <p:cNvPr id="3" name="Picture 2" descr="alpha_grafica_Phenylpropanoic acids _CHEMONTID_0002551__136.png"/>
+          <p:cNvPr id="3" name="Picture 2" descr="alpha_grafica_Keto acids and derivatives _CHEMONTID_0000389__127.png"/>
           <p:cNvPicPr>
             <a:picLocks noChangeAspect="1"/>
           </p:cNvPicPr>
@@ -8680,19 +8864,19 @@
           <a:p>
             <a:br/>
             <a:r>
-              <a:t>    pH1: 0.0  |  pH2: 0.0  |  Columna: Waters ACQUITY UPLC BEH Amide</a:t>
-            </a:r>
-            <a:br/>
-            <a:r>
-              <a:t>    USP Code: column.usp.code_L68  |  Longitud: 100.0 mm</a:t>
-            </a:r>
-            <a:br/>
-            <a:r>
-              <a:t>    Tamaño Partícula: 1.7 µm  |  Temp: 40.0°C</a:t>
-            </a:r>
-            <a:br/>
-            <a:r>
-              <a:t>    Flujo: 0.5 mL/min  |  T0: 0.4571959788769226 min</a:t>
+              <a:t>    pH1: 3.0  |  pH2: 3.0  |  Columna: Merck Supelco Ascentis Express C18</a:t>
+            </a:r>
+            <a:br/>
+            <a:r>
+              <a:t>    USP Code: column.usp.code_L1  |  Longitud: 100.0 mm</a:t>
+            </a:r>
+            <a:br/>
+            <a:r>
+              <a:t>    Tamaño Partícula: 2.0 µm  |  Temp: 40.0°C</a:t>
+            </a:r>
+            <a:br/>
+            <a:r>
+              <a:t>    Flujo: 0.25 mL/min  |  T0: 0.882 min</a:t>
             </a:r>
             <a:br/>
             <a:r>
@@ -8738,18 +8922,20 @@
         </p:nvSpPr>
         <p:spPr/>
         <p:txBody>
-          <a:bodyPr/>
-          <a:lstStyle/>
-          <a:p>
-            <a:r>
-              <a:t>Phenylpropanoic acids (CHEMONTID:0002551): 0.4704295779853569, n_datos: 1</a:t>
+          <a:bodyPr>
+            <a:normAutofit fontScale="90000"/>
+          </a:bodyPr>
+          <a:lstStyle/>
+          <a:p>
+            <a:r>
+              <a:t>Phenylpropanoic acids (CHEMONTID:0002551): 1.0, n_datos: 1</a:t>
             </a:r>
           </a:p>
         </p:txBody>
       </p:sp>
       <p:pic>
         <p:nvPicPr>
-          <p:cNvPr id="3" name="Picture 2" descr="alpha_grafica_Phenylpropanoic acids _CHEMONTID_0002551__137.png"/>
+          <p:cNvPr id="3" name="Picture 2" descr="alpha_grafica_Phenylpropanoic acids _CHEMONTID_0002551__135.png"/>
           <p:cNvPicPr>
             <a:picLocks noChangeAspect="1"/>
           </p:cNvPicPr>
@@ -8806,19 +8992,19 @@
           <a:p>
             <a:br/>
             <a:r>
-              <a:t>    pH1: 0.0  |  pH2: 3.0  |  Columna: Merck SeQuant ZIC-HILIC</a:t>
-            </a:r>
-            <a:br/>
-            <a:r>
-              <a:t>    USP Code: column.usp.code_L114  |  Longitud: 145.45454545454547 mm</a:t>
-            </a:r>
-            <a:br/>
-            <a:r>
-              <a:t>    Tamaño Partícula: 4.863636363636363 µm  |  Temp: 25.0°C</a:t>
-            </a:r>
-            <a:br/>
-            <a:r>
-              <a:t>    Flujo: 0.25 mL/min  |  T0: 1.3300246658237755 min</a:t>
+              <a:t>    pH1: 2.6  |  pH2: 0.0  |  Columna: Waters ACQUITY UPLC BEH C18</a:t>
+            </a:r>
+            <a:br/>
+            <a:r>
+              <a:t>    USP Code: column.usp.code_L1  |  Longitud: 50.0 mm</a:t>
+            </a:r>
+            <a:br/>
+            <a:r>
+              <a:t>    Tamaño Partícula: 1.7 µm  |  Temp: 40.0°C</a:t>
+            </a:r>
+            <a:br/>
+            <a:r>
+              <a:t>    Flujo: 0.6 mL/min  |  T0: 0.18375 min</a:t>
             </a:r>
             <a:br/>
             <a:r>
@@ -8864,11 +9050,13 @@
         </p:nvSpPr>
         <p:spPr/>
         <p:txBody>
-          <a:bodyPr/>
-          <a:lstStyle/>
-          <a:p>
-            <a:r>
-              <a:t>Phenylpropanoic acids (CHEMONTID:0002551): 0.2879372654965771, n_datos: 2</a:t>
+          <a:bodyPr>
+            <a:normAutofit fontScale="90000"/>
+          </a:bodyPr>
+          <a:lstStyle/>
+          <a:p>
+            <a:r>
+              <a:t>Phenylpropanoic acids (CHEMONTID:0002551): 0.504872420901041, n_datos: 3</a:t>
             </a:r>
           </a:p>
         </p:txBody>
@@ -8990,7 +9178,9 @@
         </p:nvSpPr>
         <p:spPr/>
         <p:txBody>
-          <a:bodyPr/>
+          <a:bodyPr>
+            <a:normAutofit fontScale="90000"/>
+          </a:bodyPr>
           <a:lstStyle/>
           <a:p>
             <a:r>
@@ -9001,7 +9191,7 @@
       </p:sp>
       <p:pic>
         <p:nvPicPr>
-          <p:cNvPr id="3" name="Picture 2" descr="alpha_grafica_Flavin nucleotides _CHEMONTID_0001329__13.png"/>
+          <p:cNvPr id="3" name="Picture 2" descr="alpha_grafica_Flavin nucleotides _CHEMONTID_0001329__11.png"/>
           <p:cNvPicPr>
             <a:picLocks noChangeAspect="1"/>
           </p:cNvPicPr>
@@ -9058,19 +9248,19 @@
           <a:p>
             <a:br/>
             <a:r>
-              <a:t>    pH1: 3.0  |  pH2: 3.0  |  Columna: Waters CORTECS T3</a:t>
-            </a:r>
-            <a:br/>
-            <a:r>
-              <a:t>    USP Code: column.usp.code_L1  |  Longitud: 100.0 mm</a:t>
-            </a:r>
-            <a:br/>
-            <a:r>
-              <a:t>    Tamaño Partícula: 2.7 µm  |  Temp: 40.0°C</a:t>
-            </a:r>
-            <a:br/>
-            <a:r>
-              <a:t>    Flujo: 0.3 mL/min  |  T0: 0.735 min</a:t>
+              <a:t>    pH1: 0.0  |  pH2: 3.0  |  Columna: Merck SeQuant ZIC-HILIC</a:t>
+            </a:r>
+            <a:br/>
+            <a:r>
+              <a:t>    USP Code: column.usp.code_L114  |  Longitud: 145.45454545454547 mm</a:t>
+            </a:r>
+            <a:br/>
+            <a:r>
+              <a:t>    Tamaño Partícula: 4.863636363636363 µm  |  Temp: 25.0°C</a:t>
+            </a:r>
+            <a:br/>
+            <a:r>
+              <a:t>    Flujo: 0.25 mL/min  |  T0: 1.3300246658237755 min</a:t>
             </a:r>
             <a:br/>
             <a:r>
@@ -9116,18 +9306,20 @@
         </p:nvSpPr>
         <p:spPr/>
         <p:txBody>
-          <a:bodyPr/>
-          <a:lstStyle/>
-          <a:p>
-            <a:r>
-              <a:t>Phenylpropanoic acids (CHEMONTID:0002551): 0.2324011083116829, n_datos: 2</a:t>
+          <a:bodyPr>
+            <a:normAutofit fontScale="90000"/>
+          </a:bodyPr>
+          <a:lstStyle/>
+          <a:p>
+            <a:r>
+              <a:t>Phenylpropanoic acids (CHEMONTID:0002551): 0.4704295779853569, n_datos: 1</a:t>
             </a:r>
           </a:p>
         </p:txBody>
       </p:sp>
       <p:pic>
         <p:nvPicPr>
-          <p:cNvPr id="3" name="Picture 2" descr="alpha_grafica_Phenylpropanoic acids _CHEMONTID_0002551__139.png"/>
+          <p:cNvPr id="3" name="Picture 2" descr="alpha_grafica_Phenylpropanoic acids _CHEMONTID_0002551__137.png"/>
           <p:cNvPicPr>
             <a:picLocks noChangeAspect="1"/>
           </p:cNvPicPr>
@@ -9184,19 +9376,19 @@
           <a:p>
             <a:br/>
             <a:r>
-              <a:t>    pH1: 3.0  |  pH2: 3.0  |  Columna: Restek Raptor Biphenyl</a:t>
-            </a:r>
-            <a:br/>
-            <a:r>
-              <a:t>    USP Code: column.usp.code_L11  |  Longitud: 100.0 mm</a:t>
-            </a:r>
-            <a:br/>
-            <a:r>
-              <a:t>    Tamaño Partícula: 2.7 µm  |  Temp: 40.0°C</a:t>
-            </a:r>
-            <a:br/>
-            <a:r>
-              <a:t>    Flujo: 0.4 mL/min  |  T0: 0.55125 min</a:t>
+              <a:t>    pH1: 0.0  |  pH2: 3.0  |  Columna: Merck SeQuant ZIC-HILIC</a:t>
+            </a:r>
+            <a:br/>
+            <a:r>
+              <a:t>    USP Code: column.usp.code_L114  |  Longitud: 145.45454545454547 mm</a:t>
+            </a:r>
+            <a:br/>
+            <a:r>
+              <a:t>    Tamaño Partícula: 4.863636363636363 µm  |  Temp: 25.0°C</a:t>
+            </a:r>
+            <a:br/>
+            <a:r>
+              <a:t>    Flujo: 0.25 mL/min  |  T0: 1.3300246658237755 min</a:t>
             </a:r>
             <a:br/>
             <a:r>
@@ -9242,18 +9434,20 @@
         </p:nvSpPr>
         <p:spPr/>
         <p:txBody>
-          <a:bodyPr/>
-          <a:lstStyle/>
-          <a:p>
-            <a:r>
-              <a:t>Phenylpropanoic acids (CHEMONTID:0002551): 0.2223677685138008, n_datos: 2</a:t>
+          <a:bodyPr>
+            <a:normAutofit fontScale="90000"/>
+          </a:bodyPr>
+          <a:lstStyle/>
+          <a:p>
+            <a:r>
+              <a:t>Phenylpropanoic acids (CHEMONTID:0002551): 0.2879372654965771, n_datos: 2</a:t>
             </a:r>
           </a:p>
         </p:txBody>
       </p:sp>
       <p:pic>
         <p:nvPicPr>
-          <p:cNvPr id="3" name="Picture 2" descr="alpha_grafica_Phenylpropanoic acids _CHEMONTID_0002551__139.png"/>
+          <p:cNvPr id="3" name="Picture 2" descr="alpha_grafica_Phenylpropanoic acids _CHEMONTID_0002551__136.png"/>
           <p:cNvPicPr>
             <a:picLocks noChangeAspect="1"/>
           </p:cNvPicPr>
@@ -9310,19 +9504,19 @@
           <a:p>
             <a:br/>
             <a:r>
-              <a:t>    pH1: 3.0  |  pH2: 3.0  |  Columna: Restek Raptor Biphenyl</a:t>
-            </a:r>
-            <a:br/>
-            <a:r>
-              <a:t>    USP Code: column.usp.code_L11  |  Longitud: 100.0 mm</a:t>
-            </a:r>
-            <a:br/>
-            <a:r>
-              <a:t>    Tamaño Partícula: 2.7 µm  |  Temp: 30.0°C</a:t>
-            </a:r>
-            <a:br/>
-            <a:r>
-              <a:t>    Flujo: 0.4 mL/min  |  T0: 0.55125 min</a:t>
+              <a:t>    pH1: 0.0  |  pH2: 0.0  |  Columna: Waters ACQUITY UPLC BEH Amide</a:t>
+            </a:r>
+            <a:br/>
+            <a:r>
+              <a:t>    USP Code: column.usp.code_L68  |  Longitud: 100.0 mm</a:t>
+            </a:r>
+            <a:br/>
+            <a:r>
+              <a:t>    Tamaño Partícula: 1.7 µm  |  Temp: 40.0°C</a:t>
+            </a:r>
+            <a:br/>
+            <a:r>
+              <a:t>    Flujo: 0.5 mL/min  |  T0: 0.4571959788769226 min</a:t>
             </a:r>
             <a:br/>
             <a:r>
@@ -9368,11 +9562,13 @@
         </p:nvSpPr>
         <p:spPr/>
         <p:txBody>
-          <a:bodyPr/>
-          <a:lstStyle/>
-          <a:p>
-            <a:r>
-              <a:t>Phenylpropanoic acids (CHEMONTID:0002551): 0.2060994276089537, n_datos: 2</a:t>
+          <a:bodyPr>
+            <a:normAutofit fontScale="90000"/>
+          </a:bodyPr>
+          <a:lstStyle/>
+          <a:p>
+            <a:r>
+              <a:t>Phenylpropanoic acids (CHEMONTID:0002551): 0.2324011083116829, n_datos: 2</a:t>
             </a:r>
           </a:p>
         </p:txBody>
@@ -9436,15 +9632,15 @@
           <a:p>
             <a:br/>
             <a:r>
-              <a:t>    pH1: 3.0  |  pH2: 3.0  |  Columna: Waters CORTECS UPLC C18</a:t>
-            </a:r>
-            <a:br/>
-            <a:r>
-              <a:t>    USP Code: column.usp.code_L1  |  Longitud: 100.0 mm</a:t>
-            </a:r>
-            <a:br/>
-            <a:r>
-              <a:t>    Tamaño Partícula: 1.6 µm  |  Temp: 40.0°C</a:t>
+              <a:t>    pH1: 3.0  |  pH2: 3.0  |  Columna: Restek Raptor Biphenyl</a:t>
+            </a:r>
+            <a:br/>
+            <a:r>
+              <a:t>    USP Code: column.usp.code_L11  |  Longitud: 100.0 mm</a:t>
+            </a:r>
+            <a:br/>
+            <a:r>
+              <a:t>    Tamaño Partícula: 2.7 µm  |  Temp: 40.0°C</a:t>
             </a:r>
             <a:br/>
             <a:r>
@@ -9494,18 +9690,20 @@
         </p:nvSpPr>
         <p:spPr/>
         <p:txBody>
-          <a:bodyPr/>
-          <a:lstStyle/>
-          <a:p>
-            <a:r>
-              <a:t>Phenylpropanoic acids (CHEMONTID:0002551): 0.2036234389205811, n_datos: 2</a:t>
+          <a:bodyPr>
+            <a:normAutofit fontScale="90000"/>
+          </a:bodyPr>
+          <a:lstStyle/>
+          <a:p>
+            <a:r>
+              <a:t>Phenylpropanoic acids (CHEMONTID:0002551): 0.2223677685138008, n_datos: 2</a:t>
             </a:r>
           </a:p>
         </p:txBody>
       </p:sp>
       <p:pic>
         <p:nvPicPr>
-          <p:cNvPr id="3" name="Picture 2" descr="alpha_grafica_Phenylpropanoic acids _CHEMONTID_0002551__142.png"/>
+          <p:cNvPr id="3" name="Picture 2" descr="alpha_grafica_Phenylpropanoic acids _CHEMONTID_0002551__139.png"/>
           <p:cNvPicPr>
             <a:picLocks noChangeAspect="1"/>
           </p:cNvPicPr>
@@ -9562,19 +9760,19 @@
           <a:p>
             <a:br/>
             <a:r>
-              <a:t>    pH1: 6.2  |  pH2: 6.2  |  Columna: Thermo Scientific Acclaim RSLC 120 C18</a:t>
-            </a:r>
-            <a:br/>
-            <a:r>
-              <a:t>    USP Code: column.usp.code_L1  |  Longitud: 100.0 mm</a:t>
-            </a:r>
-            <a:br/>
-            <a:r>
-              <a:t>    Tamaño Partícula: 2.2 µm  |  Temp: 30.0°C</a:t>
-            </a:r>
-            <a:br/>
-            <a:r>
-              <a:t>    Flujo: 0.2 mL/min  |  T0: 1.1025 min</a:t>
+              <a:t>    pH1: 3.0  |  pH2: 3.0  |  Columna: Restek Raptor Biphenyl</a:t>
+            </a:r>
+            <a:br/>
+            <a:r>
+              <a:t>    USP Code: column.usp.code_L11  |  Longitud: 100.0 mm</a:t>
+            </a:r>
+            <a:br/>
+            <a:r>
+              <a:t>    Tamaño Partícula: 2.7 µm  |  Temp: 30.0°C</a:t>
+            </a:r>
+            <a:br/>
+            <a:r>
+              <a:t>    Flujo: 0.4 mL/min  |  T0: 0.55125 min</a:t>
             </a:r>
             <a:br/>
             <a:r>
@@ -9620,11 +9818,13 @@
         </p:nvSpPr>
         <p:spPr/>
         <p:txBody>
-          <a:bodyPr/>
-          <a:lstStyle/>
-          <a:p>
-            <a:r>
-              <a:t>Phenylpropanoic acids (CHEMONTID:0002551): 0.2008208731367535, n_datos: 2</a:t>
+          <a:bodyPr>
+            <a:normAutofit fontScale="90000"/>
+          </a:bodyPr>
+          <a:lstStyle/>
+          <a:p>
+            <a:r>
+              <a:t>Phenylpropanoic acids (CHEMONTID:0002551): 0.2060994276089537, n_datos: 2</a:t>
             </a:r>
           </a:p>
         </p:txBody>
@@ -9688,7 +9888,7 @@
           <a:p>
             <a:br/>
             <a:r>
-              <a:t>    pH1: 3.0  |  pH2: 3.0  |  Columna: Waters ACQUITY UPLC HSS C18</a:t>
+              <a:t>    pH1: 3.0  |  pH2: 3.0  |  Columna: Waters CORTECS UPLC C18</a:t>
             </a:r>
             <a:br/>
             <a:r>
@@ -9696,7 +9896,7 @@
             </a:r>
             <a:br/>
             <a:r>
-              <a:t>    Tamaño Partícula: 1.8 µm  |  Temp: 30.0°C</a:t>
+              <a:t>    Tamaño Partícula: 1.6 µm  |  Temp: 40.0°C</a:t>
             </a:r>
             <a:br/>
             <a:r>
@@ -9746,18 +9946,20 @@
         </p:nvSpPr>
         <p:spPr/>
         <p:txBody>
-          <a:bodyPr/>
-          <a:lstStyle/>
-          <a:p>
-            <a:r>
-              <a:t>Phenylpropanoic acids (CHEMONTID:0002551): 0.1996962287984402, n_datos: 2</a:t>
+          <a:bodyPr>
+            <a:normAutofit fontScale="90000"/>
+          </a:bodyPr>
+          <a:lstStyle/>
+          <a:p>
+            <a:r>
+              <a:t>Phenylpropanoic acids (CHEMONTID:0002551): 0.2036234389205811, n_datos: 2</a:t>
             </a:r>
           </a:p>
         </p:txBody>
       </p:sp>
       <p:pic>
         <p:nvPicPr>
-          <p:cNvPr id="3" name="Picture 2" descr="alpha_grafica_Phenylpropanoic acids _CHEMONTID_0002551__139.png"/>
+          <p:cNvPr id="3" name="Picture 2" descr="alpha_grafica_Phenylpropanoic acids _CHEMONTID_0002551__142.png"/>
           <p:cNvPicPr>
             <a:picLocks noChangeAspect="1"/>
           </p:cNvPicPr>
@@ -9814,7 +10016,7 @@
           <a:p>
             <a:br/>
             <a:r>
-              <a:t>    pH1: 3.0  |  pH2: 3.0  |  Columna: Waters ACQUITY UPLC HSS T3</a:t>
+              <a:t>    pH1: 6.2  |  pH2: 6.2  |  Columna: Thermo Scientific Acclaim RSLC 120 C18</a:t>
             </a:r>
             <a:br/>
             <a:r>
@@ -9822,11 +10024,11 @@
             </a:r>
             <a:br/>
             <a:r>
-              <a:t>    Tamaño Partícula: 1.8 µm  |  Temp: 40.0°C</a:t>
-            </a:r>
-            <a:br/>
-            <a:r>
-              <a:t>    Flujo: 0.4 mL/min  |  T0: 0.55125 min</a:t>
+              <a:t>    Tamaño Partícula: 2.2 µm  |  Temp: 30.0°C</a:t>
+            </a:r>
+            <a:br/>
+            <a:r>
+              <a:t>    Flujo: 0.2 mL/min  |  T0: 1.1025 min</a:t>
             </a:r>
             <a:br/>
             <a:r>
@@ -9872,18 +10074,20 @@
         </p:nvSpPr>
         <p:spPr/>
         <p:txBody>
-          <a:bodyPr/>
-          <a:lstStyle/>
-          <a:p>
-            <a:r>
-              <a:t>Organic carbonic acids and derivatives (CHEMONTID:0000364): 1.0, n_datos: 1</a:t>
+          <a:bodyPr>
+            <a:normAutofit fontScale="90000"/>
+          </a:bodyPr>
+          <a:lstStyle/>
+          <a:p>
+            <a:r>
+              <a:t>Phenylpropanoic acids (CHEMONTID:0002551): 0.2008208731367535, n_datos: 2</a:t>
             </a:r>
           </a:p>
         </p:txBody>
       </p:sp>
       <p:pic>
         <p:nvPicPr>
-          <p:cNvPr id="3" name="Picture 2" descr="alpha_grafica_Organic carbonic acids and derivatives _CHEMONTID_0000364__145.png"/>
+          <p:cNvPr id="3" name="Picture 2" descr="alpha_grafica_Phenylpropanoic acids _CHEMONTID_0002551__139.png"/>
           <p:cNvPicPr>
             <a:picLocks noChangeAspect="1"/>
           </p:cNvPicPr>
@@ -9940,7 +10144,7 @@
           <a:p>
             <a:br/>
             <a:r>
-              <a:t>    pH1: 3.61  |  pH2: 3.61  |  Columna: Thermo Scientific Acclaim RSLC 120 C18</a:t>
+              <a:t>    pH1: 3.0  |  pH2: 3.0  |  Columna: Waters ACQUITY UPLC HSS C18</a:t>
             </a:r>
             <a:br/>
             <a:r>
@@ -9948,11 +10152,11 @@
             </a:r>
             <a:br/>
             <a:r>
-              <a:t>    Tamaño Partícula: 2.2 µm  |  Temp: 30.0°C</a:t>
-            </a:r>
-            <a:br/>
-            <a:r>
-              <a:t>    Flujo: 0.2 mL/min  |  T0: 1.1025 min</a:t>
+              <a:t>    Tamaño Partícula: 1.8 µm  |  Temp: 30.0°C</a:t>
+            </a:r>
+            <a:br/>
+            <a:r>
+              <a:t>    Flujo: 0.4 mL/min  |  T0: 0.55125 min</a:t>
             </a:r>
             <a:br/>
             <a:r>
@@ -9998,18 +10202,20 @@
         </p:nvSpPr>
         <p:spPr/>
         <p:txBody>
-          <a:bodyPr/>
-          <a:lstStyle/>
-          <a:p>
-            <a:r>
-              <a:t>Organic carbonic acids and derivatives (CHEMONTID:0000364): 0.2121046916204926, n_datos: 4</a:t>
+          <a:bodyPr>
+            <a:normAutofit fontScale="90000"/>
+          </a:bodyPr>
+          <a:lstStyle/>
+          <a:p>
+            <a:r>
+              <a:t>Phenylpropanoic acids (CHEMONTID:0002551): 0.1996962287984402, n_datos: 2</a:t>
             </a:r>
           </a:p>
         </p:txBody>
       </p:sp>
       <p:pic>
         <p:nvPicPr>
-          <p:cNvPr id="3" name="Picture 2" descr="alpha_grafica_Organic carbonic acids and derivatives _CHEMONTID_0000364__146.png"/>
+          <p:cNvPr id="3" name="Picture 2" descr="alpha_grafica_Phenylpropanoic acids _CHEMONTID_0002551__139.png"/>
           <p:cNvPicPr>
             <a:picLocks noChangeAspect="1"/>
           </p:cNvPicPr>
@@ -10066,7 +10272,7 @@
           <a:p>
             <a:br/>
             <a:r>
-              <a:t>    pH1: 0.0  |  pH2: 0.0  |  Columna: Waters ACQUITY UPLC BEH C18</a:t>
+              <a:t>    pH1: 3.0  |  pH2: 3.0  |  Columna: Waters ACQUITY UPLC HSS T3</a:t>
             </a:r>
             <a:br/>
             <a:r>
@@ -10074,11 +10280,11 @@
             </a:r>
             <a:br/>
             <a:r>
-              <a:t>    Tamaño Partícula: 1.7 µm  |  Temp: 50.0°C</a:t>
-            </a:r>
-            <a:br/>
-            <a:r>
-              <a:t>    Flujo: 0.3 mL/min  |  T0: 0.1666666666666666 min</a:t>
+              <a:t>    Tamaño Partícula: 1.8 µm  |  Temp: 40.0°C</a:t>
+            </a:r>
+            <a:br/>
+            <a:r>
+              <a:t>    Flujo: 0.4 mL/min  |  T0: 0.55125 min</a:t>
             </a:r>
             <a:br/>
             <a:r>
@@ -10124,18 +10330,20 @@
         </p:nvSpPr>
         <p:spPr/>
         <p:txBody>
-          <a:bodyPr/>
-          <a:lstStyle/>
-          <a:p>
-            <a:r>
-              <a:t>Organic carbonic acids and derivatives (CHEMONTID:0000364): 0.2067866048839506, n_datos: 1</a:t>
+          <a:bodyPr>
+            <a:normAutofit fontScale="90000"/>
+          </a:bodyPr>
+          <a:lstStyle/>
+          <a:p>
+            <a:r>
+              <a:t>Organic carbonic acids and derivatives (CHEMONTID:0000364): 1.0, n_datos: 1</a:t>
             </a:r>
           </a:p>
         </p:txBody>
       </p:sp>
       <p:pic>
         <p:nvPicPr>
-          <p:cNvPr id="3" name="Picture 2" descr="alpha_grafica_Organic carbonic acids and derivatives _CHEMONTID_0000364__147.png"/>
+          <p:cNvPr id="3" name="Picture 2" descr="alpha_grafica_Organic carbonic acids and derivatives _CHEMONTID_0000364__145.png"/>
           <p:cNvPicPr>
             <a:picLocks noChangeAspect="1"/>
           </p:cNvPicPr>
@@ -10192,19 +10400,19 @@
           <a:p>
             <a:br/>
             <a:r>
-              <a:t>    pH1: 3.0  |  pH2: 3.0  |  Columna: Phenomenex Synergi Polar-RP</a:t>
-            </a:r>
-            <a:br/>
-            <a:r>
-              <a:t>    USP Code: column.usp.code_L11  |  Longitud: 100.0 mm</a:t>
-            </a:r>
-            <a:br/>
-            <a:r>
-              <a:t>    Tamaño Partícula: 100.0 µm  |  Temp: 40.0°C</a:t>
-            </a:r>
-            <a:br/>
-            <a:r>
-              <a:t>    Flujo: 0.4 mL/min  |  T0: 0.125 min</a:t>
+              <a:t>    pH1: 3.61  |  pH2: 3.61  |  Columna: Thermo Scientific Acclaim RSLC 120 C18</a:t>
+            </a:r>
+            <a:br/>
+            <a:r>
+              <a:t>    USP Code: column.usp.code_L1  |  Longitud: 100.0 mm</a:t>
+            </a:r>
+            <a:br/>
+            <a:r>
+              <a:t>    Tamaño Partícula: 2.2 µm  |  Temp: 30.0°C</a:t>
+            </a:r>
+            <a:br/>
+            <a:r>
+              <a:t>    Flujo: 0.2 mL/min  |  T0: 1.1025 min</a:t>
             </a:r>
             <a:br/>
             <a:r>
@@ -10250,18 +10458,20 @@
         </p:nvSpPr>
         <p:spPr/>
         <p:txBody>
-          <a:bodyPr/>
-          <a:lstStyle/>
-          <a:p>
-            <a:r>
-              <a:t>Organic carbonic acids and derivatives (CHEMONTID:0000364): 0.1816660959976511, n_datos: 1</a:t>
+          <a:bodyPr>
+            <a:normAutofit fontScale="90000"/>
+          </a:bodyPr>
+          <a:lstStyle/>
+          <a:p>
+            <a:r>
+              <a:t>Organic carbonic acids and derivatives (CHEMONTID:0000364): 0.2121046916204926, n_datos: 4</a:t>
             </a:r>
           </a:p>
         </p:txBody>
       </p:sp>
       <p:pic>
         <p:nvPicPr>
-          <p:cNvPr id="3" name="Picture 2" descr="alpha_grafica_Organic carbonic acids and derivatives _CHEMONTID_0000364__148.png"/>
+          <p:cNvPr id="3" name="Picture 2" descr="alpha_grafica_Organic carbonic acids and derivatives _CHEMONTID_0000364__146.png"/>
           <p:cNvPicPr>
             <a:picLocks noChangeAspect="1"/>
           </p:cNvPicPr>
@@ -10376,7 +10586,9 @@
         </p:nvSpPr>
         <p:spPr/>
         <p:txBody>
-          <a:bodyPr/>
+          <a:bodyPr>
+            <a:normAutofit fontScale="90000"/>
+          </a:bodyPr>
           <a:lstStyle/>
           <a:p>
             <a:r>
@@ -10387,7 +10599,7 @@
       </p:sp>
       <p:pic>
         <p:nvPicPr>
-          <p:cNvPr id="3" name="Picture 2" descr="alpha_grafica_Flavin nucleotides _CHEMONTID_0001329__14.png"/>
+          <p:cNvPr id="3" name="Picture 2" descr="alpha_grafica_Flavin nucleotides _CHEMONTID_0001329__12.png"/>
           <p:cNvPicPr>
             <a:picLocks noChangeAspect="1"/>
           </p:cNvPicPr>
@@ -10502,18 +10714,20 @@
         </p:nvSpPr>
         <p:spPr/>
         <p:txBody>
-          <a:bodyPr/>
-          <a:lstStyle/>
-          <a:p>
-            <a:r>
-              <a:t>Organic carbonic acids and derivatives (CHEMONTID:0000364): 0.1030832424327982, n_datos: 2</a:t>
+          <a:bodyPr>
+            <a:normAutofit fontScale="90000"/>
+          </a:bodyPr>
+          <a:lstStyle/>
+          <a:p>
+            <a:r>
+              <a:t>Organic carbonic acids and derivatives (CHEMONTID:0000364): 0.2067866048839506, n_datos: 1</a:t>
             </a:r>
           </a:p>
         </p:txBody>
       </p:sp>
       <p:pic>
         <p:nvPicPr>
-          <p:cNvPr id="3" name="Picture 2" descr="alpha_grafica_Organic carbonic acids and derivatives _CHEMONTID_0000364__145.png"/>
+          <p:cNvPr id="3" name="Picture 2" descr="alpha_grafica_Organic carbonic acids and derivatives _CHEMONTID_0000364__147.png"/>
           <p:cNvPicPr>
             <a:picLocks noChangeAspect="1"/>
           </p:cNvPicPr>
@@ -10570,19 +10784,19 @@
           <a:p>
             <a:br/>
             <a:r>
-              <a:t>    pH1: 6.2  |  pH2: 6.2  |  Columna: Thermo Scientific Acclaim RSLC 120 C18</a:t>
-            </a:r>
-            <a:br/>
-            <a:r>
-              <a:t>    USP Code: column.usp.code_L1  |  Longitud: 100.0 mm</a:t>
-            </a:r>
-            <a:br/>
-            <a:r>
-              <a:t>    Tamaño Partícula: 2.2 µm  |  Temp: 30.0°C</a:t>
-            </a:r>
-            <a:br/>
-            <a:r>
-              <a:t>    Flujo: 0.2 mL/min  |  T0: 1.1025 min</a:t>
+              <a:t>    pH1: 3.0  |  pH2: 3.0  |  Columna: Phenomenex Synergi Polar-RP</a:t>
+            </a:r>
+            <a:br/>
+            <a:r>
+              <a:t>    USP Code: column.usp.code_L11  |  Longitud: 100.0 mm</a:t>
+            </a:r>
+            <a:br/>
+            <a:r>
+              <a:t>    Tamaño Partícula: 100.0 µm  |  Temp: 40.0°C</a:t>
+            </a:r>
+            <a:br/>
+            <a:r>
+              <a:t>    Flujo: 0.4 mL/min  |  T0: 0.125 min</a:t>
             </a:r>
             <a:br/>
             <a:r>
@@ -10628,18 +10842,20 @@
         </p:nvSpPr>
         <p:spPr/>
         <p:txBody>
-          <a:bodyPr/>
-          <a:lstStyle/>
-          <a:p>
-            <a:r>
-              <a:t>Organic carbonic acids and derivatives (CHEMONTID:0000364): 0.095637196109026, n_datos: 1</a:t>
+          <a:bodyPr>
+            <a:normAutofit fontScale="90000"/>
+          </a:bodyPr>
+          <a:lstStyle/>
+          <a:p>
+            <a:r>
+              <a:t>Organic carbonic acids and derivatives (CHEMONTID:0000364): 0.1816660959976511, n_datos: 1</a:t>
             </a:r>
           </a:p>
         </p:txBody>
       </p:sp>
       <p:pic>
         <p:nvPicPr>
-          <p:cNvPr id="3" name="Picture 2" descr="alpha_grafica_Organic carbonic acids and derivatives _CHEMONTID_0000364__150.png"/>
+          <p:cNvPr id="3" name="Picture 2" descr="alpha_grafica_Organic carbonic acids and derivatives _CHEMONTID_0000364__148.png"/>
           <p:cNvPicPr>
             <a:picLocks noChangeAspect="1"/>
           </p:cNvPicPr>
@@ -10696,19 +10912,19 @@
           <a:p>
             <a:br/>
             <a:r>
-              <a:t>    pH1: 3.0  |  pH2: 3.0  |  Columna: Thermo Scientific Hypersil GOLD</a:t>
-            </a:r>
-            <a:br/>
-            <a:r>
-              <a:t>    USP Code: column.usp.code_L1  |  Longitud: 150.0 mm</a:t>
-            </a:r>
-            <a:br/>
-            <a:r>
-              <a:t>    Tamaño Partícula: 1.9 µm  |  Temp: 41.66666666666666°C</a:t>
-            </a:r>
-            <a:br/>
-            <a:r>
-              <a:t>    Flujo: 0.5 mL/min  |  T0: 0.6615 min</a:t>
+              <a:t>    pH1: 0.0  |  pH2: 0.0  |  Columna: Waters ACQUITY UPLC BEH C18</a:t>
+            </a:r>
+            <a:br/>
+            <a:r>
+              <a:t>    USP Code: column.usp.code_L1  |  Longitud: 100.0 mm</a:t>
+            </a:r>
+            <a:br/>
+            <a:r>
+              <a:t>    Tamaño Partícula: 1.7 µm  |  Temp: 50.0°C</a:t>
+            </a:r>
+            <a:br/>
+            <a:r>
+              <a:t>    Flujo: 0.3 mL/min  |  T0: 0.1666666666666666 min</a:t>
             </a:r>
             <a:br/>
             <a:r>
@@ -10754,18 +10970,20 @@
         </p:nvSpPr>
         <p:spPr/>
         <p:txBody>
-          <a:bodyPr/>
-          <a:lstStyle/>
-          <a:p>
-            <a:r>
-              <a:t>Organic carbonic acids and derivatives (CHEMONTID:0000364): 0.089986663308033, n_datos: 1</a:t>
+          <a:bodyPr>
+            <a:normAutofit fontScale="90000"/>
+          </a:bodyPr>
+          <a:lstStyle/>
+          <a:p>
+            <a:r>
+              <a:t>Organic carbonic acids and derivatives (CHEMONTID:0000364): 0.1030832424327982, n_datos: 2</a:t>
             </a:r>
           </a:p>
         </p:txBody>
       </p:sp>
       <p:pic>
         <p:nvPicPr>
-          <p:cNvPr id="3" name="Picture 2" descr="alpha_grafica_Organic carbonic acids and derivatives _CHEMONTID_0000364__151.png"/>
+          <p:cNvPr id="3" name="Picture 2" descr="alpha_grafica_Organic carbonic acids and derivatives _CHEMONTID_0000364__145.png"/>
           <p:cNvPicPr>
             <a:picLocks noChangeAspect="1"/>
           </p:cNvPicPr>
@@ -10822,19 +11040,19 @@
           <a:p>
             <a:br/>
             <a:r>
-              <a:t>    pH1: 3.0  |  pH2: 3.0  |  Columna: Agilent ZORBAX Extend-C18</a:t>
-            </a:r>
-            <a:br/>
-            <a:r>
-              <a:t>    USP Code: column.usp.code_L1  |  Longitud: 50.0 mm</a:t>
-            </a:r>
-            <a:br/>
-            <a:r>
-              <a:t>    Tamaño Partícula: 1.8 µm  |  Temp: 35.0°C</a:t>
-            </a:r>
-            <a:br/>
-            <a:r>
-              <a:t>    Flujo: 0.1 mL/min  |  T0: 1.1025 min</a:t>
+              <a:t>    pH1: 6.2  |  pH2: 6.2  |  Columna: Thermo Scientific Acclaim RSLC 120 C18</a:t>
+            </a:r>
+            <a:br/>
+            <a:r>
+              <a:t>    USP Code: column.usp.code_L1  |  Longitud: 100.0 mm</a:t>
+            </a:r>
+            <a:br/>
+            <a:r>
+              <a:t>    Tamaño Partícula: 2.2 µm  |  Temp: 30.0°C</a:t>
+            </a:r>
+            <a:br/>
+            <a:r>
+              <a:t>    Flujo: 0.2 mL/min  |  T0: 1.1025 min</a:t>
             </a:r>
             <a:br/>
             <a:r>
@@ -10880,18 +11098,20 @@
         </p:nvSpPr>
         <p:spPr/>
         <p:txBody>
-          <a:bodyPr/>
-          <a:lstStyle/>
-          <a:p>
-            <a:r>
-              <a:t>Organic carbonic acids and derivatives (CHEMONTID:0000364): 0.0700807739124623, n_datos: 1</a:t>
+          <a:bodyPr>
+            <a:normAutofit fontScale="90000"/>
+          </a:bodyPr>
+          <a:lstStyle/>
+          <a:p>
+            <a:r>
+              <a:t>Organic carbonic acids and derivatives (CHEMONTID:0000364): 0.095637196109026, n_datos: 1</a:t>
             </a:r>
           </a:p>
         </p:txBody>
       </p:sp>
       <p:pic>
         <p:nvPicPr>
-          <p:cNvPr id="3" name="Picture 2" descr="alpha_grafica_Organic carbonic acids and derivatives _CHEMONTID_0000364__152.png"/>
+          <p:cNvPr id="3" name="Picture 2" descr="alpha_grafica_Organic carbonic acids and derivatives _CHEMONTID_0000364__150.png"/>
           <p:cNvPicPr>
             <a:picLocks noChangeAspect="1"/>
           </p:cNvPicPr>
@@ -10948,19 +11168,19 @@
           <a:p>
             <a:br/>
             <a:r>
-              <a:t>    pH1: 3.0  |  pH2: 3.0  |  Columna: Restek Raptor Biphenyl</a:t>
-            </a:r>
-            <a:br/>
-            <a:r>
-              <a:t>    USP Code: column.usp.code_L11  |  Longitud: 100.0 mm</a:t>
-            </a:r>
-            <a:br/>
-            <a:r>
-              <a:t>    Tamaño Partícula: 2.7 µm  |  Temp: 40.0°C</a:t>
-            </a:r>
-            <a:br/>
-            <a:r>
-              <a:t>    Flujo: 0.4 mL/min  |  T0: 0.55125 min</a:t>
+              <a:t>    pH1: 3.0  |  pH2: 3.0  |  Columna: Thermo Scientific Hypersil GOLD</a:t>
+            </a:r>
+            <a:br/>
+            <a:r>
+              <a:t>    USP Code: column.usp.code_L1  |  Longitud: 150.0 mm</a:t>
+            </a:r>
+            <a:br/>
+            <a:r>
+              <a:t>    Tamaño Partícula: 1.9 µm  |  Temp: 41.66666666666666°C</a:t>
+            </a:r>
+            <a:br/>
+            <a:r>
+              <a:t>    Flujo: 0.5 mL/min  |  T0: 0.6615 min</a:t>
             </a:r>
             <a:br/>
             <a:r>
@@ -11006,18 +11226,20 @@
         </p:nvSpPr>
         <p:spPr/>
         <p:txBody>
-          <a:bodyPr/>
-          <a:lstStyle/>
-          <a:p>
-            <a:r>
-              <a:t>Organic carbonic acids and derivatives (CHEMONTID:0000364): 0.0696329302341354, n_datos: 1</a:t>
+          <a:bodyPr>
+            <a:normAutofit fontScale="90000"/>
+          </a:bodyPr>
+          <a:lstStyle/>
+          <a:p>
+            <a:r>
+              <a:t>Organic carbonic acids and derivatives (CHEMONTID:0000364): 0.089986663308033, n_datos: 1</a:t>
             </a:r>
           </a:p>
         </p:txBody>
       </p:sp>
       <p:pic>
         <p:nvPicPr>
-          <p:cNvPr id="3" name="Picture 2" descr="alpha_grafica_Organic carbonic acids and derivatives _CHEMONTID_0000364__152.png"/>
+          <p:cNvPr id="3" name="Picture 2" descr="alpha_grafica_Organic carbonic acids and derivatives _CHEMONTID_0000364__151.png"/>
           <p:cNvPicPr>
             <a:picLocks noChangeAspect="1"/>
           </p:cNvPicPr>
@@ -11074,19 +11296,19 @@
           <a:p>
             <a:br/>
             <a:r>
-              <a:t>    pH1: 3.0  |  pH2: 3.0  |  Columna: Restek Raptor Biphenyl</a:t>
-            </a:r>
-            <a:br/>
-            <a:r>
-              <a:t>    USP Code: column.usp.code_L11  |  Longitud: 100.0 mm</a:t>
-            </a:r>
-            <a:br/>
-            <a:r>
-              <a:t>    Tamaño Partícula: 2.7 µm  |  Temp: 50.0°C</a:t>
-            </a:r>
-            <a:br/>
-            <a:r>
-              <a:t>    Flujo: 0.4 mL/min  |  T0: 0.55125 min</a:t>
+              <a:t>    pH1: 3.0  |  pH2: 3.0  |  Columna: Agilent ZORBAX Extend-C18</a:t>
+            </a:r>
+            <a:br/>
+            <a:r>
+              <a:t>    USP Code: column.usp.code_L1  |  Longitud: 50.0 mm</a:t>
+            </a:r>
+            <a:br/>
+            <a:r>
+              <a:t>    Tamaño Partícula: 1.8 µm  |  Temp: 35.0°C</a:t>
+            </a:r>
+            <a:br/>
+            <a:r>
+              <a:t>    Flujo: 0.1 mL/min  |  T0: 1.1025 min</a:t>
             </a:r>
             <a:br/>
             <a:r>
@@ -11132,18 +11354,20 @@
         </p:nvSpPr>
         <p:spPr/>
         <p:txBody>
-          <a:bodyPr/>
-          <a:lstStyle/>
-          <a:p>
-            <a:r>
-              <a:t>Organic carbonic acids and derivatives (CHEMONTID:0000364): 0.0661142903383451, n_datos: 1</a:t>
+          <a:bodyPr>
+            <a:normAutofit fontScale="90000"/>
+          </a:bodyPr>
+          <a:lstStyle/>
+          <a:p>
+            <a:r>
+              <a:t>Organic carbonic acids and derivatives (CHEMONTID:0000364): 0.0700807739124623, n_datos: 1</a:t>
             </a:r>
           </a:p>
         </p:txBody>
       </p:sp>
       <p:pic>
         <p:nvPicPr>
-          <p:cNvPr id="3" name="Picture 2" descr="alpha_grafica_Organic carbonic acids and derivatives _CHEMONTID_0000364__154.png"/>
+          <p:cNvPr id="3" name="Picture 2" descr="alpha_grafica_Organic carbonic acids and derivatives _CHEMONTID_0000364__152.png"/>
           <p:cNvPicPr>
             <a:picLocks noChangeAspect="1"/>
           </p:cNvPicPr>
@@ -11258,18 +11482,20 @@
         </p:nvSpPr>
         <p:spPr/>
         <p:txBody>
-          <a:bodyPr/>
-          <a:lstStyle/>
-          <a:p>
-            <a:r>
-              <a:t>Carboxylic acids and derivatives (CHEMONTID:0000265): 1.0, n_datos: 9</a:t>
+          <a:bodyPr>
+            <a:normAutofit fontScale="90000"/>
+          </a:bodyPr>
+          <a:lstStyle/>
+          <a:p>
+            <a:r>
+              <a:t>Organic carbonic acids and derivatives (CHEMONTID:0000364): 0.0696329302341354, n_datos: 1</a:t>
             </a:r>
           </a:p>
         </p:txBody>
       </p:sp>
       <p:pic>
         <p:nvPicPr>
-          <p:cNvPr id="3" name="Picture 2" descr="alpha_grafica_Carboxylic acids and derivatives _CHEMONTID_0000265__155.png"/>
+          <p:cNvPr id="3" name="Picture 2" descr="alpha_grafica_Organic carbonic acids and derivatives _CHEMONTID_0000364__152.png"/>
           <p:cNvPicPr>
             <a:picLocks noChangeAspect="1"/>
           </p:cNvPicPr>
@@ -11326,19 +11552,19 @@
           <a:p>
             <a:br/>
             <a:r>
-              <a:t>    pH1: 3.0  |  pH2: 3.0  |  Columna: Agilent ZORBAX Extend-C18</a:t>
-            </a:r>
-            <a:br/>
-            <a:r>
-              <a:t>    USP Code: column.usp.code_L1  |  Longitud: 50.0 mm</a:t>
-            </a:r>
-            <a:br/>
-            <a:r>
-              <a:t>    Tamaño Partícula: 1.8 µm  |  Temp: 35.0°C</a:t>
-            </a:r>
-            <a:br/>
-            <a:r>
-              <a:t>    Flujo: 0.1 mL/min  |  T0: 1.1025 min</a:t>
+              <a:t>    pH1: 3.0  |  pH2: 3.0  |  Columna: Restek Raptor Biphenyl</a:t>
+            </a:r>
+            <a:br/>
+            <a:r>
+              <a:t>    USP Code: column.usp.code_L11  |  Longitud: 100.0 mm</a:t>
+            </a:r>
+            <a:br/>
+            <a:r>
+              <a:t>    Tamaño Partícula: 2.7 µm  |  Temp: 50.0°C</a:t>
+            </a:r>
+            <a:br/>
+            <a:r>
+              <a:t>    Flujo: 0.4 mL/min  |  T0: 0.55125 min</a:t>
             </a:r>
             <a:br/>
             <a:r>
@@ -11384,18 +11610,20 @@
         </p:nvSpPr>
         <p:spPr/>
         <p:txBody>
-          <a:bodyPr/>
-          <a:lstStyle/>
-          <a:p>
-            <a:r>
-              <a:t>Carboxylic acids and derivatives (CHEMONTID:0000265): 0.2335468753869193, n_datos: 2</a:t>
+          <a:bodyPr>
+            <a:normAutofit fontScale="90000"/>
+          </a:bodyPr>
+          <a:lstStyle/>
+          <a:p>
+            <a:r>
+              <a:t>Organic carbonic acids and derivatives (CHEMONTID:0000364): 0.0661142903383451, n_datos: 1</a:t>
             </a:r>
           </a:p>
         </p:txBody>
       </p:sp>
       <p:pic>
         <p:nvPicPr>
-          <p:cNvPr id="3" name="Picture 2" descr="alpha_grafica_Carboxylic acids and derivatives _CHEMONTID_0000265__156.png"/>
+          <p:cNvPr id="3" name="Picture 2" descr="alpha_grafica_Organic carbonic acids and derivatives _CHEMONTID_0000364__154.png"/>
           <p:cNvPicPr>
             <a:picLocks noChangeAspect="1"/>
           </p:cNvPicPr>
@@ -11452,15 +11680,15 @@
           <a:p>
             <a:br/>
             <a:r>
-              <a:t>    pH1: 3.0  |  pH2: 3.0  |  Columna: Waters CORTECS UPLC C18</a:t>
-            </a:r>
-            <a:br/>
-            <a:r>
-              <a:t>    USP Code: column.usp.code_L1  |  Longitud: 100.0 mm</a:t>
-            </a:r>
-            <a:br/>
-            <a:r>
-              <a:t>    Tamaño Partícula: 1.6 µm  |  Temp: 30.0°C</a:t>
+              <a:t>    pH1: 3.0  |  pH2: 3.0  |  Columna: Restek Raptor Biphenyl</a:t>
+            </a:r>
+            <a:br/>
+            <a:r>
+              <a:t>    USP Code: column.usp.code_L11  |  Longitud: 100.0 mm</a:t>
+            </a:r>
+            <a:br/>
+            <a:r>
+              <a:t>    Tamaño Partícula: 2.7 µm  |  Temp: 40.0°C</a:t>
             </a:r>
             <a:br/>
             <a:r>
@@ -11510,18 +11738,20 @@
         </p:nvSpPr>
         <p:spPr/>
         <p:txBody>
-          <a:bodyPr/>
-          <a:lstStyle/>
-          <a:p>
-            <a:r>
-              <a:t>Carboxylic acids and derivatives (CHEMONTID:0000265): 0.2096048858589238, n_datos: 1</a:t>
+          <a:bodyPr>
+            <a:normAutofit fontScale="90000"/>
+          </a:bodyPr>
+          <a:lstStyle/>
+          <a:p>
+            <a:r>
+              <a:t>Carboxylic acids and derivatives (CHEMONTID:0000265): 1.0, n_datos: 9</a:t>
             </a:r>
           </a:p>
         </p:txBody>
       </p:sp>
       <p:pic>
         <p:nvPicPr>
-          <p:cNvPr id="3" name="Picture 2" descr="alpha_grafica_Carboxylic acids and derivatives _CHEMONTID_0000265__157.png"/>
+          <p:cNvPr id="3" name="Picture 2" descr="alpha_grafica_Carboxylic acids and derivatives _CHEMONTID_0000265__155.png"/>
           <p:cNvPicPr>
             <a:picLocks noChangeAspect="1"/>
           </p:cNvPicPr>
@@ -11578,19 +11808,19 @@
           <a:p>
             <a:br/>
             <a:r>
-              <a:t>    pH1: 3.0  |  pH2: 3.0  |  Columna: Merck Supelco Ascentis Express C18</a:t>
-            </a:r>
-            <a:br/>
-            <a:r>
-              <a:t>    USP Code: column.usp.code_L1  |  Longitud: 100.0 mm</a:t>
-            </a:r>
-            <a:br/>
-            <a:r>
-              <a:t>    Tamaño Partícula: 2.0 µm  |  Temp: 40.0°C</a:t>
-            </a:r>
-            <a:br/>
-            <a:r>
-              <a:t>    Flujo: 0.2 mL/min  |  T0: 1.1025 min</a:t>
+              <a:t>    pH1: 3.0  |  pH2: 3.0  |  Columna: Agilent ZORBAX Extend-C18</a:t>
+            </a:r>
+            <a:br/>
+            <a:r>
+              <a:t>    USP Code: column.usp.code_L1  |  Longitud: 50.0 mm</a:t>
+            </a:r>
+            <a:br/>
+            <a:r>
+              <a:t>    Tamaño Partícula: 1.8 µm  |  Temp: 35.0°C</a:t>
+            </a:r>
+            <a:br/>
+            <a:r>
+              <a:t>    Flujo: 0.1 mL/min  |  T0: 1.1025 min</a:t>
             </a:r>
             <a:br/>
             <a:r>
@@ -11636,11 +11866,13 @@
         </p:nvSpPr>
         <p:spPr/>
         <p:txBody>
-          <a:bodyPr/>
-          <a:lstStyle/>
-          <a:p>
-            <a:r>
-              <a:t>Carboxylic acids and derivatives (CHEMONTID:0000265): 0.1936461279178807, n_datos: 2</a:t>
+          <a:bodyPr>
+            <a:normAutofit fontScale="90000"/>
+          </a:bodyPr>
+          <a:lstStyle/>
+          <a:p>
+            <a:r>
+              <a:t>Carboxylic acids and derivatives (CHEMONTID:0000265): 0.2335468753869193, n_datos: 2</a:t>
             </a:r>
           </a:p>
         </p:txBody>
@@ -11712,7 +11944,7 @@
             </a:r>
             <a:br/>
             <a:r>
-              <a:t>    Tamaño Partícula: 1.6 µm  |  Temp: 40.0°C</a:t>
+              <a:t>    Tamaño Partícula: 1.6 µm  |  Temp: 30.0°C</a:t>
             </a:r>
             <a:br/>
             <a:r>
@@ -11762,7 +11994,9 @@
         </p:nvSpPr>
         <p:spPr/>
         <p:txBody>
-          <a:bodyPr/>
+          <a:bodyPr>
+            <a:normAutofit fontScale="90000"/>
+          </a:bodyPr>
           <a:lstStyle/>
           <a:p>
             <a:r>
@@ -11773,7 +12007,7 @@
       </p:sp>
       <p:pic>
         <p:nvPicPr>
-          <p:cNvPr id="3" name="Picture 2" descr="alpha_grafica_Flavin nucleotides _CHEMONTID_0001329__15.png"/>
+          <p:cNvPr id="3" name="Picture 2" descr="alpha_grafica_Flavin nucleotides _CHEMONTID_0001329__13.png"/>
           <p:cNvPicPr>
             <a:picLocks noChangeAspect="1"/>
           </p:cNvPicPr>
@@ -11830,19 +12064,275 @@
           <a:p>
             <a:br/>
             <a:r>
-              <a:t>    pH1: 3.0  |  pH2: 3.0  |  Columna: Phenomenex Kinetex C18</a:t>
-            </a:r>
-            <a:br/>
-            <a:r>
-              <a:t>    USP Code: column.usp.code_L1  |  Longitud: 150.0 mm</a:t>
-            </a:r>
-            <a:br/>
-            <a:r>
-              <a:t>    Tamaño Partícula: 1.7 µm  |  Temp: 30.0°C</a:t>
-            </a:r>
-            <a:br/>
-            <a:r>
-              <a:t>    Flujo: 0.3 mL/min  |  T0: 1.1025 min</a:t>
+              <a:t>    pH1: 3.0  |  pH2: 3.0  |  Columna: Waters CORTECS T3</a:t>
+            </a:r>
+            <a:br/>
+            <a:r>
+              <a:t>    USP Code: column.usp.code_L1  |  Longitud: 100.0 mm</a:t>
+            </a:r>
+            <a:br/>
+            <a:r>
+              <a:t>    Tamaño Partícula: 2.7 µm  |  Temp: 40.0°C</a:t>
+            </a:r>
+            <a:br/>
+            <a:r>
+              <a:t>    Flujo: 0.3 mL/min  |  T0: 0.735 min</a:t>
+            </a:r>
+            <a:br/>
+            <a:r>
+              <a:t>    </a:t>
+            </a:r>
+          </a:p>
+        </p:txBody>
+      </p:sp>
+    </p:spTree>
+  </p:cSld>
+  <p:clrMapOvr>
+    <a:masterClrMapping/>
+  </p:clrMapOvr>
+</p:sld>
+</file>
+
+<file path=ppt/slides/slide160.xml><?xml version="1.0" encoding="utf-8"?>
+<p:sld xmlns:a="http://schemas.openxmlformats.org/drawingml/2006/main" xmlns:r="http://schemas.openxmlformats.org/officeDocument/2006/relationships" xmlns:p="http://schemas.openxmlformats.org/presentationml/2006/main">
+  <p:cSld>
+    <p:spTree>
+      <p:nvGrpSpPr>
+        <p:cNvPr id="1" name=""/>
+        <p:cNvGrpSpPr/>
+        <p:nvPr/>
+      </p:nvGrpSpPr>
+      <p:grpSpPr>
+        <a:xfrm>
+          <a:off x="0" y="0"/>
+          <a:ext cx="0" cy="0"/>
+          <a:chOff x="0" y="0"/>
+          <a:chExt cx="0" cy="0"/>
+        </a:xfrm>
+      </p:grpSpPr>
+      <p:sp>
+        <p:nvSpPr>
+          <p:cNvPr id="2" name="Title 1"/>
+          <p:cNvSpPr>
+            <a:spLocks noGrp="1"/>
+          </p:cNvSpPr>
+          <p:nvPr>
+            <p:ph type="title"/>
+          </p:nvPr>
+        </p:nvSpPr>
+        <p:spPr/>
+        <p:txBody>
+          <a:bodyPr>
+            <a:normAutofit fontScale="90000"/>
+          </a:bodyPr>
+          <a:lstStyle/>
+          <a:p>
+            <a:r>
+              <a:t>Carboxylic acids and derivatives (CHEMONTID:0000265): 0.2096048858589238, n_datos: 1</a:t>
+            </a:r>
+          </a:p>
+        </p:txBody>
+      </p:sp>
+      <p:pic>
+        <p:nvPicPr>
+          <p:cNvPr id="3" name="Picture 2" descr="alpha_grafica_Carboxylic acids and derivatives _CHEMONTID_0000265__157.png"/>
+          <p:cNvPicPr>
+            <a:picLocks noChangeAspect="1"/>
+          </p:cNvPicPr>
+          <p:nvPr/>
+        </p:nvPicPr>
+        <p:blipFill>
+          <a:blip r:embed="rId2"/>
+          <a:stretch>
+            <a:fillRect/>
+          </a:stretch>
+        </p:blipFill>
+        <p:spPr>
+          <a:xfrm>
+            <a:off x="914400" y="1371600"/>
+            <a:ext cx="5486400" cy="3657600"/>
+          </a:xfrm>
+          <a:prstGeom prst="rect">
+            <a:avLst/>
+          </a:prstGeom>
+        </p:spPr>
+      </p:pic>
+      <p:sp>
+        <p:nvSpPr>
+          <p:cNvPr id="4" name="TextBox 3"/>
+          <p:cNvSpPr txBox="1"/>
+          <p:nvPr/>
+        </p:nvSpPr>
+        <p:spPr>
+          <a:xfrm>
+            <a:off x="914400" y="5303520"/>
+            <a:ext cx="5486400" cy="1371600"/>
+          </a:xfrm>
+          <a:prstGeom prst="rect">
+            <a:avLst/>
+          </a:prstGeom>
+          <a:noFill/>
+        </p:spPr>
+        <p:txBody>
+          <a:bodyPr wrap="none">
+            <a:spAutoFit/>
+          </a:bodyPr>
+          <a:lstStyle/>
+          <a:p>
+            <a:endParaRPr/>
+          </a:p>
+          <a:p>
+            <a:pPr>
+              <a:defRPr sz="1400" b="1"/>
+            </a:pPr>
+            <a:r>
+              <a:t>Configuración Columna:</a:t>
+            </a:r>
+          </a:p>
+          <a:p>
+            <a:br/>
+            <a:r>
+              <a:t>    pH1: 3.0  |  pH2: 3.0  |  Columna: Merck Supelco Ascentis Express C18</a:t>
+            </a:r>
+            <a:br/>
+            <a:r>
+              <a:t>    USP Code: column.usp.code_L1  |  Longitud: 100.0 mm</a:t>
+            </a:r>
+            <a:br/>
+            <a:r>
+              <a:t>    Tamaño Partícula: 2.0 µm  |  Temp: 40.0°C</a:t>
+            </a:r>
+            <a:br/>
+            <a:r>
+              <a:t>    Flujo: 0.2 mL/min  |  T0: 1.1025 min</a:t>
+            </a:r>
+            <a:br/>
+            <a:r>
+              <a:t>    </a:t>
+            </a:r>
+          </a:p>
+        </p:txBody>
+      </p:sp>
+    </p:spTree>
+  </p:cSld>
+  <p:clrMapOvr>
+    <a:masterClrMapping/>
+  </p:clrMapOvr>
+</p:sld>
+</file>
+
+<file path=ppt/slides/slide161.xml><?xml version="1.0" encoding="utf-8"?>
+<p:sld xmlns:a="http://schemas.openxmlformats.org/drawingml/2006/main" xmlns:r="http://schemas.openxmlformats.org/officeDocument/2006/relationships" xmlns:p="http://schemas.openxmlformats.org/presentationml/2006/main">
+  <p:cSld>
+    <p:spTree>
+      <p:nvGrpSpPr>
+        <p:cNvPr id="1" name=""/>
+        <p:cNvGrpSpPr/>
+        <p:nvPr/>
+      </p:nvGrpSpPr>
+      <p:grpSpPr>
+        <a:xfrm>
+          <a:off x="0" y="0"/>
+          <a:ext cx="0" cy="0"/>
+          <a:chOff x="0" y="0"/>
+          <a:chExt cx="0" cy="0"/>
+        </a:xfrm>
+      </p:grpSpPr>
+      <p:sp>
+        <p:nvSpPr>
+          <p:cNvPr id="2" name="Title 1"/>
+          <p:cNvSpPr>
+            <a:spLocks noGrp="1"/>
+          </p:cNvSpPr>
+          <p:nvPr>
+            <p:ph type="title"/>
+          </p:nvPr>
+        </p:nvSpPr>
+        <p:spPr/>
+        <p:txBody>
+          <a:bodyPr>
+            <a:normAutofit fontScale="90000"/>
+          </a:bodyPr>
+          <a:lstStyle/>
+          <a:p>
+            <a:r>
+              <a:t>Carboxylic acids and derivatives (CHEMONTID:0000265): 0.1936461279178807, n_datos: 2</a:t>
+            </a:r>
+          </a:p>
+        </p:txBody>
+      </p:sp>
+      <p:pic>
+        <p:nvPicPr>
+          <p:cNvPr id="3" name="Picture 2" descr="alpha_grafica_Carboxylic acids and derivatives _CHEMONTID_0000265__156.png"/>
+          <p:cNvPicPr>
+            <a:picLocks noChangeAspect="1"/>
+          </p:cNvPicPr>
+          <p:nvPr/>
+        </p:nvPicPr>
+        <p:blipFill>
+          <a:blip r:embed="rId2"/>
+          <a:stretch>
+            <a:fillRect/>
+          </a:stretch>
+        </p:blipFill>
+        <p:spPr>
+          <a:xfrm>
+            <a:off x="914400" y="1371600"/>
+            <a:ext cx="5486400" cy="3657600"/>
+          </a:xfrm>
+          <a:prstGeom prst="rect">
+            <a:avLst/>
+          </a:prstGeom>
+        </p:spPr>
+      </p:pic>
+      <p:sp>
+        <p:nvSpPr>
+          <p:cNvPr id="4" name="TextBox 3"/>
+          <p:cNvSpPr txBox="1"/>
+          <p:nvPr/>
+        </p:nvSpPr>
+        <p:spPr>
+          <a:xfrm>
+            <a:off x="914400" y="5303520"/>
+            <a:ext cx="5486400" cy="1371600"/>
+          </a:xfrm>
+          <a:prstGeom prst="rect">
+            <a:avLst/>
+          </a:prstGeom>
+          <a:noFill/>
+        </p:spPr>
+        <p:txBody>
+          <a:bodyPr wrap="none">
+            <a:spAutoFit/>
+          </a:bodyPr>
+          <a:lstStyle/>
+          <a:p>
+            <a:endParaRPr/>
+          </a:p>
+          <a:p>
+            <a:pPr>
+              <a:defRPr sz="1400" b="1"/>
+            </a:pPr>
+            <a:r>
+              <a:t>Configuración Columna:</a:t>
+            </a:r>
+          </a:p>
+          <a:p>
+            <a:br/>
+            <a:r>
+              <a:t>    pH1: 3.0  |  pH2: 3.0  |  Columna: Waters CORTECS UPLC C18</a:t>
+            </a:r>
+            <a:br/>
+            <a:r>
+              <a:t>    USP Code: column.usp.code_L1  |  Longitud: 100.0 mm</a:t>
+            </a:r>
+            <a:br/>
+            <a:r>
+              <a:t>    Tamaño Partícula: 1.6 µm  |  Temp: 40.0°C</a:t>
+            </a:r>
+            <a:br/>
+            <a:r>
+              <a:t>    Flujo: 0.4 mL/min  |  T0: 0.55125 min</a:t>
             </a:r>
             <a:br/>
             <a:r>
@@ -11888,7 +12378,9 @@
         </p:nvSpPr>
         <p:spPr/>
         <p:txBody>
-          <a:bodyPr/>
+          <a:bodyPr>
+            <a:normAutofit fontScale="90000"/>
+          </a:bodyPr>
           <a:lstStyle/>
           <a:p>
             <a:r>
@@ -11899,7 +12391,7 @@
       </p:sp>
       <p:pic>
         <p:nvPicPr>
-          <p:cNvPr id="3" name="Picture 2" descr="alpha_grafica_Flavin nucleotides _CHEMONTID_0001329__15.png"/>
+          <p:cNvPr id="3" name="Picture 2" descr="alpha_grafica_Flavin nucleotides _CHEMONTID_0001329__14.png"/>
           <p:cNvPicPr>
             <a:picLocks noChangeAspect="1"/>
           </p:cNvPicPr>
@@ -11956,19 +12448,19 @@
           <a:p>
             <a:br/>
             <a:r>
-              <a:t>    pH1: 3.0  |  pH2: 3.0  |  Columna: Phenomenex Kinetex C18</a:t>
-            </a:r>
-            <a:br/>
-            <a:r>
-              <a:t>    USP Code: column.usp.code_L1  |  Longitud: 150.0 mm</a:t>
-            </a:r>
-            <a:br/>
-            <a:r>
-              <a:t>    Tamaño Partícula: 1.7 µm  |  Temp: 30.0°C</a:t>
-            </a:r>
-            <a:br/>
-            <a:r>
-              <a:t>    Flujo: 0.3 mL/min  |  T0: 1.1025 min</a:t>
+              <a:t>    pH1: 3.0  |  pH2: 3.0  |  Columna: Waters CORTECS T3</a:t>
+            </a:r>
+            <a:br/>
+            <a:r>
+              <a:t>    USP Code: column.usp.code_L1  |  Longitud: 100.0 mm</a:t>
+            </a:r>
+            <a:br/>
+            <a:r>
+              <a:t>    Tamaño Partícula: 2.7 µm  |  Temp: 40.0°C</a:t>
+            </a:r>
+            <a:br/>
+            <a:r>
+              <a:t>    Flujo: 0.3 mL/min  |  T0: 0.735 min</a:t>
             </a:r>
             <a:br/>
             <a:r>
@@ -12014,18 +12506,20 @@
         </p:nvSpPr>
         <p:spPr/>
         <p:txBody>
-          <a:bodyPr/>
-          <a:lstStyle/>
-          <a:p>
-            <a:r>
-              <a:t>(5'-&gt;5')-dinucleotides (CHEMONTID:0003468): 1.0, n_datos: 1</a:t>
+          <a:bodyPr>
+            <a:normAutofit fontScale="90000"/>
+          </a:bodyPr>
+          <a:lstStyle/>
+          <a:p>
+            <a:r>
+              <a:t>Flavin nucleotides (CHEMONTID:0001329): 0.0, n_datos: 1</a:t>
             </a:r>
           </a:p>
         </p:txBody>
       </p:sp>
       <p:pic>
         <p:nvPicPr>
-          <p:cNvPr id="3" name="Picture 2" descr="alpha_grafica__5_-_5__-dinucleotides _CHEMONTID_0003468__17.png"/>
+          <p:cNvPr id="3" name="Picture 2" descr="alpha_grafica_Flavin nucleotides _CHEMONTID_0001329__15.png"/>
           <p:cNvPicPr>
             <a:picLocks noChangeAspect="1"/>
           </p:cNvPicPr>
@@ -12082,19 +12576,19 @@
           <a:p>
             <a:br/>
             <a:r>
-              <a:t>    pH1: 3.0  |  pH2: 3.0  |  Columna: Thermo Scientific Hypersil GOLD</a:t>
-            </a:r>
-            <a:br/>
-            <a:r>
-              <a:t>    USP Code: column.usp.code_L1  |  Longitud: 113.75 mm</a:t>
-            </a:r>
-            <a:br/>
-            <a:r>
-              <a:t>    Tamaño Partícula: 1.9 µm  |  Temp: 40.0°C</a:t>
-            </a:r>
-            <a:br/>
-            <a:r>
-              <a:t>    Flujo: 0.4 mL/min  |  T0: 0.6500755324656243 min</a:t>
+              <a:t>    pH1: 3.0  |  pH2: 3.0  |  Columna: Phenomenex Kinetex C18</a:t>
+            </a:r>
+            <a:br/>
+            <a:r>
+              <a:t>    USP Code: column.usp.code_L1  |  Longitud: 150.0 mm</a:t>
+            </a:r>
+            <a:br/>
+            <a:r>
+              <a:t>    Tamaño Partícula: 1.7 µm  |  Temp: 30.0°C</a:t>
+            </a:r>
+            <a:br/>
+            <a:r>
+              <a:t>    Flujo: 0.3 mL/min  |  T0: 1.1025 min</a:t>
             </a:r>
             <a:br/>
             <a:r>
@@ -12140,18 +12634,20 @@
         </p:nvSpPr>
         <p:spPr/>
         <p:txBody>
-          <a:bodyPr/>
-          <a:lstStyle/>
-          <a:p>
-            <a:r>
-              <a:t>(5'-&gt;5')-dinucleotides (CHEMONTID:0003468): 0.696274017371446, n_datos: 4</a:t>
+          <a:bodyPr>
+            <a:normAutofit fontScale="90000"/>
+          </a:bodyPr>
+          <a:lstStyle/>
+          <a:p>
+            <a:r>
+              <a:t>Flavin nucleotides (CHEMONTID:0001329): 0.0, n_datos: 1</a:t>
             </a:r>
           </a:p>
         </p:txBody>
       </p:sp>
       <p:pic>
         <p:nvPicPr>
-          <p:cNvPr id="3" name="Picture 2" descr="alpha_grafica__5_-_5__-dinucleotides _CHEMONTID_0003468__18.png"/>
+          <p:cNvPr id="3" name="Picture 2" descr="alpha_grafica_Flavin nucleotides _CHEMONTID_0001329__15.png"/>
           <p:cNvPicPr>
             <a:picLocks noChangeAspect="1"/>
           </p:cNvPicPr>
@@ -12208,19 +12704,19 @@
           <a:p>
             <a:br/>
             <a:r>
-              <a:t>    pH1: 3.0  |  pH2: 3.0  |  Columna: Merck Supelco Ascentis Express C18</a:t>
-            </a:r>
-            <a:br/>
-            <a:r>
-              <a:t>    USP Code: column.usp.code_L1  |  Longitud: 100.0 mm</a:t>
-            </a:r>
-            <a:br/>
-            <a:r>
-              <a:t>    Tamaño Partícula: 2.0 µm  |  Temp: 41.0°C</a:t>
-            </a:r>
-            <a:br/>
-            <a:r>
-              <a:t>    Flujo: 0.3 mL/min  |  T0: 0.735 min</a:t>
+              <a:t>    pH1: 3.0  |  pH2: 3.0  |  Columna: Phenomenex Kinetex C18</a:t>
+            </a:r>
+            <a:br/>
+            <a:r>
+              <a:t>    USP Code: column.usp.code_L1  |  Longitud: 150.0 mm</a:t>
+            </a:r>
+            <a:br/>
+            <a:r>
+              <a:t>    Tamaño Partícula: 1.7 µm  |  Temp: 30.0°C</a:t>
+            </a:r>
+            <a:br/>
+            <a:r>
+              <a:t>    Flujo: 0.3 mL/min  |  T0: 1.1025 min</a:t>
             </a:r>
             <a:br/>
             <a:r>
@@ -12242,7 +12738,13 @@
   <p:cSld>
     <p:spTree>
       <p:nvGrpSpPr>
-        <p:cNvPr id="1" name=""/>
+        <p:cNvPr id="1" name="">
+          <a:extLst>
+            <a:ext uri="{FF2B5EF4-FFF2-40B4-BE49-F238E27FC236}">
+              <a16:creationId xmlns:a16="http://schemas.microsoft.com/office/drawing/2014/main" id="{7757E4B1-643B-FB45-150D-87AA5B0A7DF9}"/>
+            </a:ext>
+          </a:extLst>
+        </p:cNvPr>
         <p:cNvGrpSpPr/>
         <p:nvPr/>
       </p:nvGrpSpPr>
@@ -12256,7 +12758,13 @@
       </p:grpSpPr>
       <p:sp>
         <p:nvSpPr>
-          <p:cNvPr id="2" name="Title 1"/>
+          <p:cNvPr id="2" name="Title 1">
+            <a:extLst>
+              <a:ext uri="{FF2B5EF4-FFF2-40B4-BE49-F238E27FC236}">
+                <a16:creationId xmlns:a16="http://schemas.microsoft.com/office/drawing/2014/main" id="{E6D5C778-F2C9-9D12-5A5A-554B1AAAD640}"/>
+              </a:ext>
+            </a:extLst>
+          </p:cNvPr>
           <p:cNvSpPr>
             <a:spLocks noGrp="1"/>
           </p:cNvSpPr>
@@ -12264,51 +12772,42 @@
             <p:ph type="title"/>
           </p:nvPr>
         </p:nvSpPr>
-        <p:spPr/>
-        <p:txBody>
-          <a:bodyPr/>
-          <a:lstStyle/>
-          <a:p>
-            <a:r>
-              <a:t>Purine nucleotides (CHEMONTID:0001506): 0.6982446428827067, n_datos: 1</a:t>
-            </a:r>
-          </a:p>
-        </p:txBody>
-      </p:sp>
-      <p:pic>
-        <p:nvPicPr>
-          <p:cNvPr id="3" name="Picture 2" descr="alpha_grafica_Purine nucleotides _CHEMONTID_0001506__1.png"/>
-          <p:cNvPicPr>
-            <a:picLocks noChangeAspect="1"/>
-          </p:cNvPicPr>
-          <p:nvPr/>
-        </p:nvPicPr>
-        <p:blipFill>
-          <a:blip r:embed="rId2"/>
-          <a:stretch>
-            <a:fillRect/>
-          </a:stretch>
-        </p:blipFill>
-        <p:spPr>
-          <a:xfrm>
-            <a:off x="914400" y="1371600"/>
-            <a:ext cx="5486400" cy="3657600"/>
-          </a:xfrm>
-          <a:prstGeom prst="rect">
-            <a:avLst/>
-          </a:prstGeom>
-        </p:spPr>
-      </p:pic>
-      <p:sp>
-        <p:nvSpPr>
-          <p:cNvPr id="4" name="TextBox 3"/>
+        <p:spPr>
+          <a:xfrm>
+            <a:off x="457200" y="-27215"/>
+            <a:ext cx="8229600" cy="1143000"/>
+          </a:xfrm>
+        </p:spPr>
+        <p:txBody>
+          <a:bodyPr>
+            <a:normAutofit/>
+          </a:bodyPr>
+          <a:lstStyle/>
+          <a:p>
+            <a:r>
+              <a:rPr lang="es-ES" dirty="0"/>
+              <a:t>Estructura de las diapositivas</a:t>
+            </a:r>
+            <a:endParaRPr dirty="0"/>
+          </a:p>
+        </p:txBody>
+      </p:sp>
+      <p:sp>
+        <p:nvSpPr>
+          <p:cNvPr id="4" name="TextBox 3">
+            <a:extLst>
+              <a:ext uri="{FF2B5EF4-FFF2-40B4-BE49-F238E27FC236}">
+                <a16:creationId xmlns:a16="http://schemas.microsoft.com/office/drawing/2014/main" id="{AE926E5F-E57A-D516-4594-601AFEDB5102}"/>
+              </a:ext>
+            </a:extLst>
+          </p:cNvPr>
           <p:cNvSpPr txBox="1"/>
           <p:nvPr/>
         </p:nvSpPr>
         <p:spPr>
           <a:xfrm>
-            <a:off x="914400" y="5303520"/>
-            <a:ext cx="5486400" cy="1371600"/>
+            <a:off x="457200" y="4773385"/>
+            <a:ext cx="5057475" cy="2246769"/>
           </a:xfrm>
           <a:prstGeom prst="rect">
             <a:avLst/>
@@ -12321,41 +12820,346 @@
           </a:bodyPr>
           <a:lstStyle/>
           <a:p>
-            <a:endParaRPr/>
+            <a:endParaRPr dirty="0"/>
           </a:p>
           <a:p>
             <a:pPr>
               <a:defRPr sz="1400" b="1"/>
             </a:pPr>
             <a:r>
-              <a:t>Configuración Columna:</a:t>
-            </a:r>
-          </a:p>
-          <a:p>
-            <a:br/>
-            <a:r>
-              <a:t>    pH1: 3.0  |  pH2: 3.0  |  Columna: Merck Supelco Ascentis Express C18</a:t>
-            </a:r>
-            <a:br/>
-            <a:r>
-              <a:t>    USP Code: column.usp.code_L1  |  Longitud: 100.0 mm</a:t>
-            </a:r>
-            <a:br/>
-            <a:r>
-              <a:t>    Tamaño Partícula: 2.0 µm  |  Temp: 40.0°C</a:t>
-            </a:r>
-            <a:br/>
-            <a:r>
-              <a:t>    Flujo: 0.4 mL/min  |  T0: 0.55125 min</a:t>
-            </a:r>
-            <a:br/>
-            <a:r>
+              <a:rPr dirty="0" err="1"/>
+              <a:t>Configuración</a:t>
+            </a:r>
+            <a:r>
+              <a:rPr dirty="0"/>
+              <a:t> Columna:</a:t>
+            </a:r>
+          </a:p>
+          <a:p>
+            <a:br>
+              <a:rPr dirty="0"/>
+            </a:br>
+            <a:r>
+              <a:rPr dirty="0"/>
+              <a:t>    pH1: </a:t>
+            </a:r>
+            <a:r>
+              <a:rPr lang="es-ES" dirty="0"/>
+              <a:t>*</a:t>
+            </a:r>
+            <a:r>
+              <a:rPr dirty="0"/>
+              <a:t>  |  pH2: </a:t>
+            </a:r>
+            <a:r>
+              <a:rPr lang="es-ES" dirty="0"/>
+              <a:t>*</a:t>
+            </a:r>
+            <a:r>
+              <a:rPr dirty="0"/>
+              <a:t>  |  Columna: </a:t>
+            </a:r>
+            <a:r>
+              <a:rPr lang="es-ES" dirty="0"/>
+              <a:t>nombre columna</a:t>
+            </a:r>
+            <a:br>
+              <a:rPr dirty="0"/>
+            </a:br>
+            <a:r>
+              <a:rPr dirty="0"/>
+              <a:t>    USP Code: </a:t>
+            </a:r>
+            <a:r>
+              <a:rPr lang="es-ES" dirty="0" err="1"/>
+              <a:t>código_usp</a:t>
+            </a:r>
+            <a:r>
+              <a:rPr dirty="0"/>
+              <a:t>  |  </a:t>
+            </a:r>
+            <a:r>
+              <a:rPr dirty="0" err="1"/>
+              <a:t>Longitud</a:t>
+            </a:r>
+            <a:r>
+              <a:rPr dirty="0"/>
+              <a:t>: </a:t>
+            </a:r>
+            <a:r>
+              <a:rPr lang="es-ES" dirty="0"/>
+              <a:t>longitud</a:t>
+            </a:r>
+            <a:r>
+              <a:rPr dirty="0"/>
+              <a:t> mm</a:t>
+            </a:r>
+            <a:br>
+              <a:rPr dirty="0"/>
+            </a:br>
+            <a:r>
+              <a:rPr dirty="0"/>
               <a:t>    </a:t>
             </a:r>
+            <a:r>
+              <a:rPr dirty="0" err="1"/>
+              <a:t>Tamaño</a:t>
+            </a:r>
+            <a:r>
+              <a:rPr dirty="0"/>
+              <a:t> </a:t>
+            </a:r>
+            <a:r>
+              <a:rPr dirty="0" err="1"/>
+              <a:t>Partícula</a:t>
+            </a:r>
+            <a:r>
+              <a:rPr dirty="0"/>
+              <a:t>: </a:t>
+            </a:r>
+            <a:r>
+              <a:rPr lang="es-ES" dirty="0"/>
+              <a:t>*</a:t>
+            </a:r>
+            <a:r>
+              <a:rPr dirty="0"/>
+              <a:t> µm  |  Temp: </a:t>
+            </a:r>
+            <a:r>
+              <a:rPr lang="es-ES" dirty="0"/>
+              <a:t>*</a:t>
+            </a:r>
+            <a:r>
+              <a:rPr dirty="0"/>
+              <a:t>°C</a:t>
+            </a:r>
+            <a:br>
+              <a:rPr dirty="0"/>
+            </a:br>
+            <a:r>
+              <a:rPr dirty="0"/>
+              <a:t>    </a:t>
+            </a:r>
+            <a:r>
+              <a:rPr dirty="0" err="1"/>
+              <a:t>Flujo</a:t>
+            </a:r>
+            <a:r>
+              <a:rPr dirty="0"/>
+              <a:t>: </a:t>
+            </a:r>
+            <a:r>
+              <a:rPr lang="es-ES" dirty="0"/>
+              <a:t>*</a:t>
+            </a:r>
+            <a:r>
+              <a:rPr dirty="0"/>
+              <a:t> mL/min  |  T0: </a:t>
+            </a:r>
+            <a:r>
+              <a:rPr lang="es-ES" dirty="0"/>
+              <a:t>*</a:t>
+            </a:r>
+            <a:r>
+              <a:rPr dirty="0"/>
+              <a:t> min</a:t>
+            </a:r>
+            <a:br>
+              <a:rPr dirty="0"/>
+            </a:br>
+            <a:r>
+              <a:rPr dirty="0"/>
+              <a:t>    </a:t>
+            </a:r>
+          </a:p>
+        </p:txBody>
+      </p:sp>
+      <p:sp>
+        <p:nvSpPr>
+          <p:cNvPr id="5" name="Title 1">
+            <a:extLst>
+              <a:ext uri="{FF2B5EF4-FFF2-40B4-BE49-F238E27FC236}">
+                <a16:creationId xmlns:a16="http://schemas.microsoft.com/office/drawing/2014/main" id="{258BC34D-2CFE-F676-1B25-33D0D622CFE1}"/>
+              </a:ext>
+            </a:extLst>
+          </p:cNvPr>
+          <p:cNvSpPr txBox="1">
+            <a:spLocks/>
+          </p:cNvSpPr>
+          <p:nvPr/>
+        </p:nvSpPr>
+        <p:spPr>
+          <a:xfrm>
+            <a:off x="609600" y="887185"/>
+            <a:ext cx="8229600" cy="1143000"/>
+          </a:xfrm>
+          <a:prstGeom prst="rect">
+            <a:avLst/>
+          </a:prstGeom>
+        </p:spPr>
+        <p:txBody>
+          <a:bodyPr vert="horz" lIns="91440" tIns="45720" rIns="91440" bIns="45720" rtlCol="0" anchor="ctr">
+            <a:normAutofit fontScale="90000" lnSpcReduction="20000"/>
+          </a:bodyPr>
+          <a:lstStyle>
+            <a:lvl1pPr algn="ctr" defTabSz="457200" rtl="0" eaLnBrk="1" latinLnBrk="0" hangingPunct="1">
+              <a:spcBef>
+                <a:spcPct val="0"/>
+              </a:spcBef>
+              <a:buNone/>
+              <a:defRPr sz="4400" kern="1200">
+                <a:solidFill>
+                  <a:schemeClr val="tx1"/>
+                </a:solidFill>
+                <a:latin typeface="+mj-lt"/>
+                <a:ea typeface="+mj-ea"/>
+                <a:cs typeface="+mj-cs"/>
+              </a:defRPr>
+            </a:lvl1pPr>
+          </a:lstStyle>
+          <a:p>
+            <a:r>
+              <a:rPr lang="en-US" dirty="0"/>
+              <a:t>Familia: Score, </a:t>
+            </a:r>
+          </a:p>
+          <a:p>
+            <a:r>
+              <a:rPr lang="en-US" dirty="0" err="1"/>
+              <a:t>n_datos</a:t>
+            </a:r>
+            <a:r>
+              <a:rPr lang="en-US" dirty="0"/>
+              <a:t>: </a:t>
+            </a:r>
+            <a:r>
+              <a:rPr lang="en-US" dirty="0" err="1"/>
+              <a:t>número</a:t>
+            </a:r>
+            <a:r>
+              <a:rPr lang="en-US" dirty="0"/>
+              <a:t> de </a:t>
+            </a:r>
+            <a:r>
+              <a:rPr lang="en-US" dirty="0" err="1"/>
+              <a:t>datos</a:t>
+            </a:r>
+            <a:endParaRPr lang="en-US" dirty="0"/>
+          </a:p>
+        </p:txBody>
+      </p:sp>
+      <p:sp>
+        <p:nvSpPr>
+          <p:cNvPr id="6" name="Rectángulo 5">
+            <a:extLst>
+              <a:ext uri="{FF2B5EF4-FFF2-40B4-BE49-F238E27FC236}">
+                <a16:creationId xmlns:a16="http://schemas.microsoft.com/office/drawing/2014/main" id="{7D09B592-E801-BDBF-E610-296B890E94F4}"/>
+              </a:ext>
+            </a:extLst>
+          </p:cNvPr>
+          <p:cNvSpPr/>
+          <p:nvPr/>
+        </p:nvSpPr>
+        <p:spPr>
+          <a:xfrm>
+            <a:off x="2427514" y="2231571"/>
+            <a:ext cx="4517572" cy="2394858"/>
+          </a:xfrm>
+          <a:prstGeom prst="rect">
+            <a:avLst/>
+          </a:prstGeom>
+        </p:spPr>
+        <p:style>
+          <a:lnRef idx="1">
+            <a:schemeClr val="accent1"/>
+          </a:lnRef>
+          <a:fillRef idx="3">
+            <a:schemeClr val="accent1"/>
+          </a:fillRef>
+          <a:effectRef idx="2">
+            <a:schemeClr val="accent1"/>
+          </a:effectRef>
+          <a:fontRef idx="minor">
+            <a:schemeClr val="lt1"/>
+          </a:fontRef>
+        </p:style>
+        <p:txBody>
+          <a:bodyPr rtlCol="0" anchor="ctr"/>
+          <a:lstStyle/>
+          <a:p>
+            <a:pPr algn="ctr"/>
+            <a:endParaRPr lang="es-ES"/>
+          </a:p>
+        </p:txBody>
+      </p:sp>
+      <p:sp>
+        <p:nvSpPr>
+          <p:cNvPr id="7" name="Title 1">
+            <a:extLst>
+              <a:ext uri="{FF2B5EF4-FFF2-40B4-BE49-F238E27FC236}">
+                <a16:creationId xmlns:a16="http://schemas.microsoft.com/office/drawing/2014/main" id="{6CBBBD38-AD64-FBDE-3036-F649C3E4F9C3}"/>
+              </a:ext>
+            </a:extLst>
+          </p:cNvPr>
+          <p:cNvSpPr txBox="1">
+            <a:spLocks/>
+          </p:cNvSpPr>
+          <p:nvPr/>
+        </p:nvSpPr>
+        <p:spPr>
+          <a:xfrm>
+            <a:off x="674913" y="2830285"/>
+            <a:ext cx="8229600" cy="1143000"/>
+          </a:xfrm>
+          <a:prstGeom prst="rect">
+            <a:avLst/>
+          </a:prstGeom>
+        </p:spPr>
+        <p:txBody>
+          <a:bodyPr vert="horz" lIns="91440" tIns="45720" rIns="91440" bIns="45720" rtlCol="0" anchor="ctr">
+            <a:normAutofit fontScale="90000" lnSpcReduction="20000"/>
+          </a:bodyPr>
+          <a:lstStyle>
+            <a:lvl1pPr algn="ctr" defTabSz="457200" rtl="0" eaLnBrk="1" latinLnBrk="0" hangingPunct="1">
+              <a:spcBef>
+                <a:spcPct val="0"/>
+              </a:spcBef>
+              <a:buNone/>
+              <a:defRPr sz="4400" kern="1200">
+                <a:solidFill>
+                  <a:schemeClr val="tx1"/>
+                </a:solidFill>
+                <a:latin typeface="+mj-lt"/>
+                <a:ea typeface="+mj-ea"/>
+                <a:cs typeface="+mj-cs"/>
+              </a:defRPr>
+            </a:lvl1pPr>
+          </a:lstStyle>
+          <a:p>
+            <a:r>
+              <a:rPr lang="en-US" dirty="0" err="1"/>
+              <a:t>Gráfico</a:t>
+            </a:r>
+            <a:r>
+              <a:rPr lang="en-US" dirty="0"/>
+              <a:t> del </a:t>
+            </a:r>
+          </a:p>
+          <a:p>
+            <a:r>
+              <a:rPr lang="en-US" dirty="0" err="1"/>
+              <a:t>gradiente</a:t>
+            </a:r>
+            <a:endParaRPr lang="en-US" dirty="0"/>
           </a:p>
         </p:txBody>
       </p:sp>
     </p:spTree>
+    <p:extLst>
+      <p:ext uri="{BB962C8B-B14F-4D97-AF65-F5344CB8AC3E}">
+        <p14:creationId xmlns:p14="http://schemas.microsoft.com/office/powerpoint/2010/main" val="692043845"/>
+      </p:ext>
+    </p:extLst>
   </p:cSld>
   <p:clrMapOvr>
     <a:masterClrMapping/>
@@ -12392,18 +13196,20 @@
         </p:nvSpPr>
         <p:spPr/>
         <p:txBody>
-          <a:bodyPr/>
-          <a:lstStyle/>
-          <a:p>
-            <a:r>
-              <a:t>(5'-&gt;5')-dinucleotides (CHEMONTID:0003468): 0.5343498481167965, n_datos: 1</a:t>
+          <a:bodyPr>
+            <a:normAutofit fontScale="90000"/>
+          </a:bodyPr>
+          <a:lstStyle/>
+          <a:p>
+            <a:r>
+              <a:t>(5'-&gt;5')-dinucleotides (CHEMONTID:0003468): 1.0, n_datos: 1</a:t>
             </a:r>
           </a:p>
         </p:txBody>
       </p:sp>
       <p:pic>
         <p:nvPicPr>
-          <p:cNvPr id="3" name="Picture 2" descr="alpha_grafica__5_-_5__-dinucleotides _CHEMONTID_0003468__18.png"/>
+          <p:cNvPr id="3" name="Picture 2" descr="alpha_grafica__5_-_5__-dinucleotides _CHEMONTID_0003468__17.png"/>
           <p:cNvPicPr>
             <a:picLocks noChangeAspect="1"/>
           </p:cNvPicPr>
@@ -12460,19 +13266,19 @@
           <a:p>
             <a:br/>
             <a:r>
-              <a:t>    pH1: 3.0  |  pH2: 3.0  |  Columna: Merck Supelco Ascentis Express C18</a:t>
-            </a:r>
-            <a:br/>
-            <a:r>
-              <a:t>    USP Code: column.usp.code_L1  |  Longitud: 100.0 mm</a:t>
-            </a:r>
-            <a:br/>
-            <a:r>
-              <a:t>    Tamaño Partícula: 2.0 µm  |  Temp: 39.0°C</a:t>
-            </a:r>
-            <a:br/>
-            <a:r>
-              <a:t>    Flujo: 0.3 mL/min  |  T0: 0.735 min</a:t>
+              <a:t>    pH1: 3.0  |  pH2: 3.0  |  Columna: Thermo Scientific Hypersil GOLD</a:t>
+            </a:r>
+            <a:br/>
+            <a:r>
+              <a:t>    USP Code: column.usp.code_L1  |  Longitud: 113.75 mm</a:t>
+            </a:r>
+            <a:br/>
+            <a:r>
+              <a:t>    Tamaño Partícula: 1.9 µm  |  Temp: 40.0°C</a:t>
+            </a:r>
+            <a:br/>
+            <a:r>
+              <a:t>    Flujo: 0.4 mL/min  |  T0: 0.6500755324656243 min</a:t>
             </a:r>
             <a:br/>
             <a:r>
@@ -12518,11 +13324,13 @@
         </p:nvSpPr>
         <p:spPr/>
         <p:txBody>
-          <a:bodyPr/>
-          <a:lstStyle/>
-          <a:p>
-            <a:r>
-              <a:t>(5'-&gt;5')-dinucleotides (CHEMONTID:0003468): 0.2646964747940784, n_datos: 1</a:t>
+          <a:bodyPr>
+            <a:normAutofit fontScale="90000"/>
+          </a:bodyPr>
+          <a:lstStyle/>
+          <a:p>
+            <a:r>
+              <a:t>(5'-&gt;5')-dinucleotides (CHEMONTID:0003468): 0.696274017371446, n_datos: 4</a:t>
             </a:r>
           </a:p>
         </p:txBody>
@@ -12594,7 +13402,7 @@
             </a:r>
             <a:br/>
             <a:r>
-              <a:t>    Tamaño Partícula: 2.0 µm  |  Temp: 42.5°C</a:t>
+              <a:t>    Tamaño Partícula: 2.0 µm  |  Temp: 41.0°C</a:t>
             </a:r>
             <a:br/>
             <a:r>
@@ -12644,11 +13452,13 @@
         </p:nvSpPr>
         <p:spPr/>
         <p:txBody>
-          <a:bodyPr/>
-          <a:lstStyle/>
-          <a:p>
-            <a:r>
-              <a:t>(5'-&gt;5')-dinucleotides (CHEMONTID:0003468): 0.1868016370572975, n_datos: 4</a:t>
+          <a:bodyPr>
+            <a:normAutofit fontScale="90000"/>
+          </a:bodyPr>
+          <a:lstStyle/>
+          <a:p>
+            <a:r>
+              <a:t>(5'-&gt;5')-dinucleotides (CHEMONTID:0003468): 0.5343498481167965, n_datos: 1</a:t>
             </a:r>
           </a:p>
         </p:txBody>
@@ -12770,11 +13580,13 @@
         </p:nvSpPr>
         <p:spPr/>
         <p:txBody>
-          <a:bodyPr/>
-          <a:lstStyle/>
-          <a:p>
-            <a:r>
-              <a:t>(5'-&gt;5')-dinucleotides (CHEMONTID:0003468): 0.1586085988668641, n_datos: 3</a:t>
+          <a:bodyPr>
+            <a:normAutofit fontScale="90000"/>
+          </a:bodyPr>
+          <a:lstStyle/>
+          <a:p>
+            <a:r>
+              <a:t>(5'-&gt;5')-dinucleotides (CHEMONTID:0003468): 0.2646964747940784, n_datos: 1</a:t>
             </a:r>
           </a:p>
         </p:txBody>
@@ -12846,11 +13658,11 @@
             </a:r>
             <a:br/>
             <a:r>
-              <a:t>    Tamaño Partícula: 2.0 µm  |  Temp: 40.0°C</a:t>
-            </a:r>
-            <a:br/>
-            <a:r>
-              <a:t>    Flujo: 0.2 mL/min  |  T0: 1.1025 min</a:t>
+              <a:t>    Tamaño Partícula: 2.0 µm  |  Temp: 42.5°C</a:t>
+            </a:r>
+            <a:br/>
+            <a:r>
+              <a:t>    Flujo: 0.3 mL/min  |  T0: 0.735 min</a:t>
             </a:r>
             <a:br/>
             <a:r>
@@ -12896,11 +13708,13 @@
         </p:nvSpPr>
         <p:spPr/>
         <p:txBody>
-          <a:bodyPr/>
-          <a:lstStyle/>
-          <a:p>
-            <a:r>
-              <a:t>(5'-&gt;5')-dinucleotides (CHEMONTID:0003468): 0.1565267152759774, n_datos: 1</a:t>
+          <a:bodyPr>
+            <a:normAutofit fontScale="90000"/>
+          </a:bodyPr>
+          <a:lstStyle/>
+          <a:p>
+            <a:r>
+              <a:t>(5'-&gt;5')-dinucleotides (CHEMONTID:0003468): 0.1868016370572975, n_datos: 4</a:t>
             </a:r>
           </a:p>
         </p:txBody>
@@ -12972,7 +13786,7 @@
             </a:r>
             <a:br/>
             <a:r>
-              <a:t>    Tamaño Partícula: 2.0 µm  |  Temp: 42.5°C</a:t>
+              <a:t>    Tamaño Partícula: 2.0 µm  |  Temp: 39.0°C</a:t>
             </a:r>
             <a:br/>
             <a:r>
@@ -13022,11 +13836,13 @@
         </p:nvSpPr>
         <p:spPr/>
         <p:txBody>
-          <a:bodyPr/>
-          <a:lstStyle/>
-          <a:p>
-            <a:r>
-              <a:t>(5'-&gt;5')-dinucleotides (CHEMONTID:0003468): 0.1449615211537079, n_datos: 1</a:t>
+          <a:bodyPr>
+            <a:normAutofit fontScale="90000"/>
+          </a:bodyPr>
+          <a:lstStyle/>
+          <a:p>
+            <a:r>
+              <a:t>(5'-&gt;5')-dinucleotides (CHEMONTID:0003468): 0.1586085988668641, n_datos: 3</a:t>
             </a:r>
           </a:p>
         </p:txBody>
@@ -13098,11 +13914,11 @@
             </a:r>
             <a:br/>
             <a:r>
-              <a:t>    Tamaño Partícula: 2.0 µm  |  Temp: 37.5°C</a:t>
-            </a:r>
-            <a:br/>
-            <a:r>
-              <a:t>    Flujo: 0.3 mL/min  |  T0: 0.735 min</a:t>
+              <a:t>    Tamaño Partícula: 2.0 µm  |  Temp: 40.0°C</a:t>
+            </a:r>
+            <a:br/>
+            <a:r>
+              <a:t>    Flujo: 0.2 mL/min  |  T0: 1.1025 min</a:t>
             </a:r>
             <a:br/>
             <a:r>
@@ -13148,11 +13964,13 @@
         </p:nvSpPr>
         <p:spPr/>
         <p:txBody>
-          <a:bodyPr/>
-          <a:lstStyle/>
-          <a:p>
-            <a:r>
-              <a:t>(5'-&gt;5')-dinucleotides (CHEMONTID:0003468): 0.1128510149861641, n_datos: 1</a:t>
+          <a:bodyPr>
+            <a:normAutofit fontScale="90000"/>
+          </a:bodyPr>
+          <a:lstStyle/>
+          <a:p>
+            <a:r>
+              <a:t>(5'-&gt;5')-dinucleotides (CHEMONTID:0003468): 0.1565267152759774, n_datos: 1</a:t>
             </a:r>
           </a:p>
         </p:txBody>
@@ -13224,11 +14042,11 @@
             </a:r>
             <a:br/>
             <a:r>
-              <a:t>    Tamaño Partícula: 2.0 µm  |  Temp: 40.0°C</a:t>
-            </a:r>
-            <a:br/>
-            <a:r>
-              <a:t>    Flujo: 0.25 mL/min  |  T0: 0.882 min</a:t>
+              <a:t>    Tamaño Partícula: 2.0 µm  |  Temp: 42.5°C</a:t>
+            </a:r>
+            <a:br/>
+            <a:r>
+              <a:t>    Flujo: 0.3 mL/min  |  T0: 0.735 min</a:t>
             </a:r>
             <a:br/>
             <a:r>
@@ -13274,11 +14092,13 @@
         </p:nvSpPr>
         <p:spPr/>
         <p:txBody>
-          <a:bodyPr/>
-          <a:lstStyle/>
-          <a:p>
-            <a:r>
-              <a:t>(5'-&gt;5')-dinucleotides (CHEMONTID:0003468): 0.1088946308054855, n_datos: 1</a:t>
+          <a:bodyPr>
+            <a:normAutofit fontScale="90000"/>
+          </a:bodyPr>
+          <a:lstStyle/>
+          <a:p>
+            <a:r>
+              <a:t>(5'-&gt;5')-dinucleotides (CHEMONTID:0003468): 0.1449615211537079, n_datos: 1</a:t>
             </a:r>
           </a:p>
         </p:txBody>
@@ -13350,11 +14170,11 @@
             </a:r>
             <a:br/>
             <a:r>
-              <a:t>    Tamaño Partícula: 2.0 µm  |  Temp: 40.0°C</a:t>
-            </a:r>
-            <a:br/>
-            <a:r>
-              <a:t>    Flujo: 0.25 mL/min  |  T0: 0.882 min</a:t>
+              <a:t>    Tamaño Partícula: 2.0 µm  |  Temp: 37.5°C</a:t>
+            </a:r>
+            <a:br/>
+            <a:r>
+              <a:t>    Flujo: 0.3 mL/min  |  T0: 0.735 min</a:t>
             </a:r>
             <a:br/>
             <a:r>
@@ -13400,18 +14220,20 @@
         </p:nvSpPr>
         <p:spPr/>
         <p:txBody>
-          <a:bodyPr/>
-          <a:lstStyle/>
-          <a:p>
-            <a:r>
-              <a:t>Pyridine nucleotides (CHEMONTID:0001297): 0.0, n_datos: 1</a:t>
+          <a:bodyPr>
+            <a:normAutofit fontScale="90000"/>
+          </a:bodyPr>
+          <a:lstStyle/>
+          <a:p>
+            <a:r>
+              <a:t>(5'-&gt;5')-dinucleotides (CHEMONTID:0003468): 0.1128510149861641, n_datos: 1</a:t>
             </a:r>
           </a:p>
         </p:txBody>
       </p:sp>
       <p:pic>
         <p:nvPicPr>
-          <p:cNvPr id="3" name="Picture 2" descr="alpha_grafica_Pyridine nucleotides _CHEMONTID_0001297__27.png"/>
+          <p:cNvPr id="3" name="Picture 2" descr="alpha_grafica__5_-_5__-dinucleotides _CHEMONTID_0003468__18.png"/>
           <p:cNvPicPr>
             <a:picLocks noChangeAspect="1"/>
           </p:cNvPicPr>
@@ -13468,7 +14290,7 @@
           <a:p>
             <a:br/>
             <a:r>
-              <a:t>    pH1: 3.0  |  pH2: 3.0  |  Columna: Waters ACQUITY UPLC HSS T3</a:t>
+              <a:t>    pH1: 3.0  |  pH2: 3.0  |  Columna: Merck Supelco Ascentis Express C18</a:t>
             </a:r>
             <a:br/>
             <a:r>
@@ -13476,11 +14298,11 @@
             </a:r>
             <a:br/>
             <a:r>
-              <a:t>    Tamaño Partícula: 1.8 µm  |  Temp: 30.0°C</a:t>
-            </a:r>
-            <a:br/>
-            <a:r>
-              <a:t>    Flujo: 0.3 mL/min  |  T0: 0.735 min</a:t>
+              <a:t>    Tamaño Partícula: 2.0 µm  |  Temp: 40.0°C</a:t>
+            </a:r>
+            <a:br/>
+            <a:r>
+              <a:t>    Flujo: 0.25 mL/min  |  T0: 0.882 min</a:t>
             </a:r>
             <a:br/>
             <a:r>
@@ -13526,18 +14348,20 @@
         </p:nvSpPr>
         <p:spPr/>
         <p:txBody>
-          <a:bodyPr/>
-          <a:lstStyle/>
-          <a:p>
-            <a:r>
-              <a:t>Pyridine nucleotides (CHEMONTID:0001297): 0.0, n_datos: 1</a:t>
+          <a:bodyPr>
+            <a:normAutofit fontScale="90000"/>
+          </a:bodyPr>
+          <a:lstStyle/>
+          <a:p>
+            <a:r>
+              <a:t>(5'-&gt;5')-dinucleotides (CHEMONTID:0003468): 0.1088946308054855, n_datos: 1</a:t>
             </a:r>
           </a:p>
         </p:txBody>
       </p:sp>
       <p:pic>
         <p:nvPicPr>
-          <p:cNvPr id="3" name="Picture 2" descr="alpha_grafica_Pyridine nucleotides _CHEMONTID_0001297__28.png"/>
+          <p:cNvPr id="3" name="Picture 2" descr="alpha_grafica__5_-_5__-dinucleotides _CHEMONTID_0003468__18.png"/>
           <p:cNvPicPr>
             <a:picLocks noChangeAspect="1"/>
           </p:cNvPicPr>
@@ -13594,19 +14418,19 @@
           <a:p>
             <a:br/>
             <a:r>
-              <a:t>    pH1: 0.0  |  pH2: 3.0  |  Columna: Merck SeQuant ZIC-HILIC</a:t>
-            </a:r>
-            <a:br/>
-            <a:r>
-              <a:t>    USP Code: column.usp.code_L114  |  Longitud: 145.45454545454547 mm</a:t>
-            </a:r>
-            <a:br/>
-            <a:r>
-              <a:t>    Tamaño Partícula: 4.863636363636363 µm  |  Temp: 25.0°C</a:t>
-            </a:r>
-            <a:br/>
-            <a:r>
-              <a:t>    Flujo: 0.25 mL/min  |  T0: 1.3300246658237755 min</a:t>
+              <a:t>    pH1: 3.0  |  pH2: 3.0  |  Columna: Merck Supelco Ascentis Express C18</a:t>
+            </a:r>
+            <a:br/>
+            <a:r>
+              <a:t>    USP Code: column.usp.code_L1  |  Longitud: 100.0 mm</a:t>
+            </a:r>
+            <a:br/>
+            <a:r>
+              <a:t>    Tamaño Partícula: 2.0 µm  |  Temp: 40.0°C</a:t>
+            </a:r>
+            <a:br/>
+            <a:r>
+              <a:t>    Flujo: 0.25 mL/min  |  T0: 0.882 min</a:t>
             </a:r>
             <a:br/>
             <a:r>
@@ -13652,18 +14476,20 @@
         </p:nvSpPr>
         <p:spPr/>
         <p:txBody>
-          <a:bodyPr/>
-          <a:lstStyle/>
-          <a:p>
-            <a:r>
-              <a:t>Purine nucleotides (CHEMONTID:0001506): 0.5738737317826021, n_datos: 1</a:t>
+          <a:bodyPr>
+            <a:normAutofit fontScale="90000"/>
+          </a:bodyPr>
+          <a:lstStyle/>
+          <a:p>
+            <a:r>
+              <a:t>Purine nucleotides (CHEMONTID:0001506): 1.0, n_datos: 3</a:t>
             </a:r>
           </a:p>
         </p:txBody>
       </p:sp>
       <p:pic>
         <p:nvPicPr>
-          <p:cNvPr id="3" name="Picture 2" descr="alpha_grafica_Purine nucleotides _CHEMONTID_0001506__2.png"/>
+          <p:cNvPr id="3" name="Picture 2" descr="alpha_grafica_Purine nucleotides _CHEMONTID_0001506__0.png"/>
           <p:cNvPicPr>
             <a:picLocks noChangeAspect="1"/>
           </p:cNvPicPr>
@@ -13677,7 +14503,7 @@
         </p:blipFill>
         <p:spPr>
           <a:xfrm>
-            <a:off x="914400" y="1371600"/>
+            <a:off x="1643743" y="1801585"/>
             <a:ext cx="5486400" cy="3657600"/>
           </a:xfrm>
           <a:prstGeom prst="rect">
@@ -13693,7 +14519,7 @@
         </p:nvSpPr>
         <p:spPr>
           <a:xfrm>
-            <a:off x="914400" y="5303520"/>
+            <a:off x="457200" y="4773385"/>
             <a:ext cx="5486400" cy="1371600"/>
           </a:xfrm>
           <a:prstGeom prst="rect">
@@ -13707,35 +14533,95 @@
           </a:bodyPr>
           <a:lstStyle/>
           <a:p>
-            <a:endParaRPr/>
+            <a:endParaRPr dirty="0"/>
           </a:p>
           <a:p>
             <a:pPr>
               <a:defRPr sz="1400" b="1"/>
             </a:pPr>
             <a:r>
-              <a:t>Configuración Columna:</a:t>
-            </a:r>
-          </a:p>
-          <a:p>
-            <a:br/>
-            <a:r>
-              <a:t>    pH1: 3.0  |  pH2: 3.0  |  Columna: Thermo Scientific Hypersil GOLD</a:t>
-            </a:r>
-            <a:br/>
-            <a:r>
-              <a:t>    USP Code: column.usp.code_L1  |  Longitud: 113.75 mm</a:t>
-            </a:r>
-            <a:br/>
-            <a:r>
-              <a:t>    Tamaño Partícula: 1.9 µm  |  Temp: 40.0°C</a:t>
-            </a:r>
-            <a:br/>
-            <a:r>
-              <a:t>    Flujo: 0.4 mL/min  |  T0: 0.6500755324656243 min</a:t>
-            </a:r>
-            <a:br/>
-            <a:r>
+              <a:rPr dirty="0" err="1"/>
+              <a:t>Configuración</a:t>
+            </a:r>
+            <a:r>
+              <a:rPr dirty="0"/>
+              <a:t> Columna:</a:t>
+            </a:r>
+          </a:p>
+          <a:p>
+            <a:br>
+              <a:rPr dirty="0"/>
+            </a:br>
+            <a:r>
+              <a:rPr dirty="0"/>
+              <a:t>    pH1: 3.0  |  pH2: 3.0  |  Columna: Phenomenex </a:t>
+            </a:r>
+            <a:r>
+              <a:rPr dirty="0" err="1"/>
+              <a:t>Kinetex</a:t>
+            </a:r>
+            <a:r>
+              <a:rPr dirty="0"/>
+              <a:t> C18</a:t>
+            </a:r>
+            <a:br>
+              <a:rPr dirty="0"/>
+            </a:br>
+            <a:r>
+              <a:rPr dirty="0"/>
+              <a:t>    USP Code: column.usp.code_L1  |  </a:t>
+            </a:r>
+            <a:r>
+              <a:rPr dirty="0" err="1"/>
+              <a:t>Longitud</a:t>
+            </a:r>
+            <a:r>
+              <a:rPr dirty="0"/>
+              <a:t>: 150.0 mm</a:t>
+            </a:r>
+            <a:br>
+              <a:rPr dirty="0"/>
+            </a:br>
+            <a:r>
+              <a:rPr dirty="0"/>
+              <a:t>    </a:t>
+            </a:r>
+            <a:r>
+              <a:rPr dirty="0" err="1"/>
+              <a:t>Tamaño</a:t>
+            </a:r>
+            <a:r>
+              <a:rPr dirty="0"/>
+              <a:t> </a:t>
+            </a:r>
+            <a:r>
+              <a:rPr dirty="0" err="1"/>
+              <a:t>Partícula</a:t>
+            </a:r>
+            <a:r>
+              <a:rPr dirty="0"/>
+              <a:t>: 1.7 µm  |  Temp: 30.0°C</a:t>
+            </a:r>
+            <a:br>
+              <a:rPr dirty="0"/>
+            </a:br>
+            <a:r>
+              <a:rPr dirty="0"/>
+              <a:t>    </a:t>
+            </a:r>
+            <a:r>
+              <a:rPr dirty="0" err="1"/>
+              <a:t>Flujo</a:t>
+            </a:r>
+            <a:r>
+              <a:rPr dirty="0"/>
+              <a:t>: 0.3 mL/min  |  T0: 1.1025 min</a:t>
+            </a:r>
+            <a:br>
+              <a:rPr dirty="0"/>
+            </a:br>
+            <a:r>
+              <a:rPr dirty="0"/>
               <a:t>    </a:t>
             </a:r>
           </a:p>
@@ -13778,7 +14664,9 @@
         </p:nvSpPr>
         <p:spPr/>
         <p:txBody>
-          <a:bodyPr/>
+          <a:bodyPr>
+            <a:normAutofit fontScale="90000"/>
+          </a:bodyPr>
           <a:lstStyle/>
           <a:p>
             <a:r>
@@ -13789,7 +14677,7 @@
       </p:sp>
       <p:pic>
         <p:nvPicPr>
-          <p:cNvPr id="3" name="Picture 2" descr="alpha_grafica_Pyridine nucleotides _CHEMONTID_0001297__29.png"/>
+          <p:cNvPr id="3" name="Picture 2" descr="alpha_grafica_Pyridine nucleotides _CHEMONTID_0001297__27.png"/>
           <p:cNvPicPr>
             <a:picLocks noChangeAspect="1"/>
           </p:cNvPicPr>
@@ -13846,19 +14734,19 @@
           <a:p>
             <a:br/>
             <a:r>
-              <a:t>    pH1: 3.0  |  pH2: 3.0  |  Columna: Thermo Scientific Hypersil GOLD</a:t>
-            </a:r>
-            <a:br/>
-            <a:r>
-              <a:t>    USP Code: column.usp.code_L1  |  Longitud: 113.75 mm</a:t>
-            </a:r>
-            <a:br/>
-            <a:r>
-              <a:t>    Tamaño Partícula: 1.9 µm  |  Temp: 40.0°C</a:t>
-            </a:r>
-            <a:br/>
-            <a:r>
-              <a:t>    Flujo: 0.4 mL/min  |  T0: 0.6500755324656243 min</a:t>
+              <a:t>    pH1: 3.0  |  pH2: 3.0  |  Columna: Waters ACQUITY UPLC HSS T3</a:t>
+            </a:r>
+            <a:br/>
+            <a:r>
+              <a:t>    USP Code: column.usp.code_L1  |  Longitud: 100.0 mm</a:t>
+            </a:r>
+            <a:br/>
+            <a:r>
+              <a:t>    Tamaño Partícula: 1.8 µm  |  Temp: 30.0°C</a:t>
+            </a:r>
+            <a:br/>
+            <a:r>
+              <a:t>    Flujo: 0.3 mL/min  |  T0: 0.735 min</a:t>
             </a:r>
             <a:br/>
             <a:r>
@@ -13904,7 +14792,9 @@
         </p:nvSpPr>
         <p:spPr/>
         <p:txBody>
-          <a:bodyPr/>
+          <a:bodyPr>
+            <a:normAutofit fontScale="90000"/>
+          </a:bodyPr>
           <a:lstStyle/>
           <a:p>
             <a:r>
@@ -13915,7 +14805,7 @@
       </p:sp>
       <p:pic>
         <p:nvPicPr>
-          <p:cNvPr id="3" name="Picture 2" descr="alpha_grafica_Pyridine nucleotides _CHEMONTID_0001297__30.png"/>
+          <p:cNvPr id="3" name="Picture 2" descr="alpha_grafica_Pyridine nucleotides _CHEMONTID_0001297__28.png"/>
           <p:cNvPicPr>
             <a:picLocks noChangeAspect="1"/>
           </p:cNvPicPr>
@@ -13972,19 +14862,19 @@
           <a:p>
             <a:br/>
             <a:r>
-              <a:t>    pH1: 3.0  |  pH2: 3.0  |  Columna: Merck Supelco Ascentis Express C18</a:t>
-            </a:r>
-            <a:br/>
-            <a:r>
-              <a:t>    USP Code: column.usp.code_L1  |  Longitud: 100.0 mm</a:t>
-            </a:r>
-            <a:br/>
-            <a:r>
-              <a:t>    Tamaño Partícula: 5.0 µm  |  Temp: 40.78947368421053°C</a:t>
-            </a:r>
-            <a:br/>
-            <a:r>
-              <a:t>    Flujo: 0.1 mL/min  |  T0: 2.205 min</a:t>
+              <a:t>    pH1: 0.0  |  pH2: 3.0  |  Columna: Merck SeQuant ZIC-HILIC</a:t>
+            </a:r>
+            <a:br/>
+            <a:r>
+              <a:t>    USP Code: column.usp.code_L114  |  Longitud: 145.45454545454547 mm</a:t>
+            </a:r>
+            <a:br/>
+            <a:r>
+              <a:t>    Tamaño Partícula: 4.863636363636363 µm  |  Temp: 25.0°C</a:t>
+            </a:r>
+            <a:br/>
+            <a:r>
+              <a:t>    Flujo: 0.25 mL/min  |  T0: 1.3300246658237755 min</a:t>
             </a:r>
             <a:br/>
             <a:r>
@@ -14030,7 +14920,9 @@
         </p:nvSpPr>
         <p:spPr/>
         <p:txBody>
-          <a:bodyPr/>
+          <a:bodyPr>
+            <a:normAutofit fontScale="90000"/>
+          </a:bodyPr>
           <a:lstStyle/>
           <a:p>
             <a:r>
@@ -14041,7 +14933,7 @@
       </p:sp>
       <p:pic>
         <p:nvPicPr>
-          <p:cNvPr id="3" name="Picture 2" descr="alpha_grafica_Pyridine nucleotides _CHEMONTID_0001297__30.png"/>
+          <p:cNvPr id="3" name="Picture 2" descr="alpha_grafica_Pyridine nucleotides _CHEMONTID_0001297__29.png"/>
           <p:cNvPicPr>
             <a:picLocks noChangeAspect="1"/>
           </p:cNvPicPr>
@@ -14098,19 +14990,19 @@
           <a:p>
             <a:br/>
             <a:r>
-              <a:t>    pH1: 3.0  |  pH2: 3.0  |  Columna: Merck Supelco Ascentis Express ES-Cyano</a:t>
-            </a:r>
-            <a:br/>
-            <a:r>
-              <a:t>    USP Code: column.usp.code_L10  |  Longitud: 100.0 mm</a:t>
-            </a:r>
-            <a:br/>
-            <a:r>
-              <a:t>    Tamaño Partícula: 2.7 µm  |  Temp: 40.78947368421053°C</a:t>
-            </a:r>
-            <a:br/>
-            <a:r>
-              <a:t>    Flujo: 0.1 mL/min  |  T0: 2.205 min</a:t>
+              <a:t>    pH1: 3.0  |  pH2: 3.0  |  Columna: Thermo Scientific Hypersil GOLD</a:t>
+            </a:r>
+            <a:br/>
+            <a:r>
+              <a:t>    USP Code: column.usp.code_L1  |  Longitud: 113.75 mm</a:t>
+            </a:r>
+            <a:br/>
+            <a:r>
+              <a:t>    Tamaño Partícula: 1.9 µm  |  Temp: 40.0°C</a:t>
+            </a:r>
+            <a:br/>
+            <a:r>
+              <a:t>    Flujo: 0.4 mL/min  |  T0: 0.6500755324656243 min</a:t>
             </a:r>
             <a:br/>
             <a:r>
@@ -14156,7 +15048,9 @@
         </p:nvSpPr>
         <p:spPr/>
         <p:txBody>
-          <a:bodyPr/>
+          <a:bodyPr>
+            <a:normAutofit fontScale="90000"/>
+          </a:bodyPr>
           <a:lstStyle/>
           <a:p>
             <a:r>
@@ -14224,15 +15118,15 @@
           <a:p>
             <a:br/>
             <a:r>
-              <a:t>    pH1: 3.0  |  pH2: 3.0  |  Columna: Merck Supelco Ascentis Express F5 (PFP)</a:t>
-            </a:r>
-            <a:br/>
-            <a:r>
-              <a:t>    USP Code: column.usp.code_L43  |  Longitud: 100.0 mm</a:t>
-            </a:r>
-            <a:br/>
-            <a:r>
-              <a:t>    Tamaño Partícula: 2.7 µm  |  Temp: 40.78947368421053°C</a:t>
+              <a:t>    pH1: 3.0  |  pH2: 3.0  |  Columna: Merck Supelco Ascentis Express C18</a:t>
+            </a:r>
+            <a:br/>
+            <a:r>
+              <a:t>    USP Code: column.usp.code_L1  |  Longitud: 100.0 mm</a:t>
+            </a:r>
+            <a:br/>
+            <a:r>
+              <a:t>    Tamaño Partícula: 5.0 µm  |  Temp: 40.78947368421053°C</a:t>
             </a:r>
             <a:br/>
             <a:r>
@@ -14282,7 +15176,9 @@
         </p:nvSpPr>
         <p:spPr/>
         <p:txBody>
-          <a:bodyPr/>
+          <a:bodyPr>
+            <a:normAutofit fontScale="90000"/>
+          </a:bodyPr>
           <a:lstStyle/>
           <a:p>
             <a:r>
@@ -14350,11 +15246,11 @@
           <a:p>
             <a:br/>
             <a:r>
-              <a:t>    pH1: 3.0  |  pH2: 3.0  |  Columna: Merck Supelco Ascentis Express Phenyl-Hexyl</a:t>
-            </a:r>
-            <a:br/>
-            <a:r>
-              <a:t>    USP Code: column.usp.code_L11  |  Longitud: 100.0 mm</a:t>
+              <a:t>    pH1: 3.0  |  pH2: 3.0  |  Columna: Merck Supelco Ascentis Express ES-Cyano</a:t>
+            </a:r>
+            <a:br/>
+            <a:r>
+              <a:t>    USP Code: column.usp.code_L10  |  Longitud: 100.0 mm</a:t>
             </a:r>
             <a:br/>
             <a:r>
@@ -14408,7 +15304,9 @@
         </p:nvSpPr>
         <p:spPr/>
         <p:txBody>
-          <a:bodyPr/>
+          <a:bodyPr>
+            <a:normAutofit fontScale="90000"/>
+          </a:bodyPr>
           <a:lstStyle/>
           <a:p>
             <a:r>
@@ -14476,15 +15374,15 @@
           <a:p>
             <a:br/>
             <a:r>
-              <a:t>    pH1: 3.0  |  pH2: 3.0  |  Columna: Waters ACQUITY UPLC BEH C18</a:t>
-            </a:r>
-            <a:br/>
-            <a:r>
-              <a:t>    USP Code: column.usp.code_L1  |  Longitud: 100.0 mm</a:t>
-            </a:r>
-            <a:br/>
-            <a:r>
-              <a:t>    Tamaño Partícula: 1.7 µm  |  Temp: 40.54166666666666°C</a:t>
+              <a:t>    pH1: 3.0  |  pH2: 3.0  |  Columna: Merck Supelco Ascentis Express F5 (PFP)</a:t>
+            </a:r>
+            <a:br/>
+            <a:r>
+              <a:t>    USP Code: column.usp.code_L43  |  Longitud: 100.0 mm</a:t>
+            </a:r>
+            <a:br/>
+            <a:r>
+              <a:t>    Tamaño Partícula: 2.7 µm  |  Temp: 40.78947368421053°C</a:t>
             </a:r>
             <a:br/>
             <a:r>
@@ -14534,7 +15432,9 @@
         </p:nvSpPr>
         <p:spPr/>
         <p:txBody>
-          <a:bodyPr/>
+          <a:bodyPr>
+            <a:normAutofit fontScale="90000"/>
+          </a:bodyPr>
           <a:lstStyle/>
           <a:p>
             <a:r>
@@ -14602,15 +15502,15 @@
           <a:p>
             <a:br/>
             <a:r>
-              <a:t>    pH1: 3.0  |  pH2: 3.0  |  Columna: Waters CORTECS T3</a:t>
-            </a:r>
-            <a:br/>
-            <a:r>
-              <a:t>    USP Code: column.usp.code_L1  |  Longitud: 100.0 mm</a:t>
-            </a:r>
-            <a:br/>
-            <a:r>
-              <a:t>    Tamaño Partícula: 2.7 µm  |  Temp: 40.0°C</a:t>
+              <a:t>    pH1: 3.0  |  pH2: 3.0  |  Columna: Merck Supelco Ascentis Express Phenyl-Hexyl</a:t>
+            </a:r>
+            <a:br/>
+            <a:r>
+              <a:t>    USP Code: column.usp.code_L11  |  Longitud: 100.0 mm</a:t>
+            </a:r>
+            <a:br/>
+            <a:r>
+              <a:t>    Tamaño Partícula: 2.7 µm  |  Temp: 40.78947368421053°C</a:t>
             </a:r>
             <a:br/>
             <a:r>
@@ -14660,7 +15560,9 @@
         </p:nvSpPr>
         <p:spPr/>
         <p:txBody>
-          <a:bodyPr/>
+          <a:bodyPr>
+            <a:normAutofit fontScale="90000"/>
+          </a:bodyPr>
           <a:lstStyle/>
           <a:p>
             <a:r>
@@ -14671,7 +15573,7 @@
       </p:sp>
       <p:pic>
         <p:nvPicPr>
-          <p:cNvPr id="3" name="Picture 2" descr="alpha_grafica_Pyridine nucleotides _CHEMONTID_0001297__36.png"/>
+          <p:cNvPr id="3" name="Picture 2" descr="alpha_grafica_Pyridine nucleotides _CHEMONTID_0001297__30.png"/>
           <p:cNvPicPr>
             <a:picLocks noChangeAspect="1"/>
           </p:cNvPicPr>
@@ -14728,7 +15630,7 @@
           <a:p>
             <a:br/>
             <a:r>
-              <a:t>    pH1: 3.0  |  pH2: 3.0  |  Columna: Waters CORTECS T3</a:t>
+              <a:t>    pH1: 3.0  |  pH2: 3.0  |  Columna: Waters ACQUITY UPLC BEH C18</a:t>
             </a:r>
             <a:br/>
             <a:r>
@@ -14736,7 +15638,7 @@
             </a:r>
             <a:br/>
             <a:r>
-              <a:t>    Tamaño Partícula: 2.7 µm  |  Temp: 40.0°C</a:t>
+              <a:t>    Tamaño Partícula: 1.7 µm  |  Temp: 40.54166666666666°C</a:t>
             </a:r>
             <a:br/>
             <a:r>
@@ -14786,18 +15688,20 @@
         </p:nvSpPr>
         <p:spPr/>
         <p:txBody>
-          <a:bodyPr/>
-          <a:lstStyle/>
-          <a:p>
-            <a:r>
-              <a:t>Pyrimidine nucleosides (CHEMONTID:0000480): 1.0, n_datos: 1</a:t>
+          <a:bodyPr>
+            <a:normAutofit fontScale="90000"/>
+          </a:bodyPr>
+          <a:lstStyle/>
+          <a:p>
+            <a:r>
+              <a:t>Pyridine nucleotides (CHEMONTID:0001297): 0.0, n_datos: 1</a:t>
             </a:r>
           </a:p>
         </p:txBody>
       </p:sp>
       <p:pic>
         <p:nvPicPr>
-          <p:cNvPr id="3" name="Picture 2" descr="alpha_grafica_Pyrimidine nucleosides _CHEMONTID_0000480__37.png"/>
+          <p:cNvPr id="3" name="Picture 2" descr="alpha_grafica_Pyridine nucleotides _CHEMONTID_0001297__30.png"/>
           <p:cNvPicPr>
             <a:picLocks noChangeAspect="1"/>
           </p:cNvPicPr>
@@ -14854,7 +15758,7 @@
           <a:p>
             <a:br/>
             <a:r>
-              <a:t>    pH1: 3.0  |  pH2: 3.0  |  Columna: Waters CORTECS UPLC C18</a:t>
+              <a:t>    pH1: 3.0  |  pH2: 3.0  |  Columna: Waters CORTECS T3</a:t>
             </a:r>
             <a:br/>
             <a:r>
@@ -14862,11 +15766,11 @@
             </a:r>
             <a:br/>
             <a:r>
-              <a:t>    Tamaño Partícula: 1.6 µm  |  Temp: 40.0°C</a:t>
-            </a:r>
-            <a:br/>
-            <a:r>
-              <a:t>    Flujo: 0.4 mL/min  |  T0: 0.55125 min</a:t>
+              <a:t>    Tamaño Partícula: 2.7 µm  |  Temp: 40.0°C</a:t>
+            </a:r>
+            <a:br/>
+            <a:r>
+              <a:t>    Flujo: 0.1 mL/min  |  T0: 2.205 min</a:t>
             </a:r>
             <a:br/>
             <a:r>
@@ -14912,18 +15816,20 @@
         </p:nvSpPr>
         <p:spPr/>
         <p:txBody>
-          <a:bodyPr/>
-          <a:lstStyle/>
-          <a:p>
-            <a:r>
-              <a:t>Pyrimidine nucleosides (CHEMONTID:0000480): 0.9843209736424146, n_datos: 3</a:t>
+          <a:bodyPr>
+            <a:normAutofit fontScale="90000"/>
+          </a:bodyPr>
+          <a:lstStyle/>
+          <a:p>
+            <a:r>
+              <a:t>Pyridine nucleotides (CHEMONTID:0001297): 0.0, n_datos: 1</a:t>
             </a:r>
           </a:p>
         </p:txBody>
       </p:sp>
       <p:pic>
         <p:nvPicPr>
-          <p:cNvPr id="3" name="Picture 2" descr="alpha_grafica_Pyrimidine nucleosides _CHEMONTID_0000480__37.png"/>
+          <p:cNvPr id="3" name="Picture 2" descr="alpha_grafica_Pyridine nucleotides _CHEMONTID_0001297__36.png"/>
           <p:cNvPicPr>
             <a:picLocks noChangeAspect="1"/>
           </p:cNvPicPr>
@@ -14980,7 +15886,7 @@
           <a:p>
             <a:br/>
             <a:r>
-              <a:t>    pH1: 3.0  |  pH2: 3.0  |  Columna: Waters CORTECS UPLC C18</a:t>
+              <a:t>    pH1: 3.0  |  pH2: 3.0  |  Columna: Waters CORTECS T3</a:t>
             </a:r>
             <a:br/>
             <a:r>
@@ -14988,11 +15894,11 @@
             </a:r>
             <a:br/>
             <a:r>
-              <a:t>    Tamaño Partícula: 1.6 µm  |  Temp: 40.0°C</a:t>
-            </a:r>
-            <a:br/>
-            <a:r>
-              <a:t>    Flujo: 0.4 mL/min  |  T0: 0.55125 min</a:t>
+              <a:t>    Tamaño Partícula: 2.7 µm  |  Temp: 40.0°C</a:t>
+            </a:r>
+            <a:br/>
+            <a:r>
+              <a:t>    Flujo: 0.1 mL/min  |  T0: 2.205 min</a:t>
             </a:r>
             <a:br/>
             <a:r>
@@ -15038,18 +15944,20 @@
         </p:nvSpPr>
         <p:spPr/>
         <p:txBody>
-          <a:bodyPr/>
-          <a:lstStyle/>
-          <a:p>
-            <a:r>
-              <a:t>Purine nucleotides (CHEMONTID:0001506): 0.4827516396349261, n_datos: 1</a:t>
+          <a:bodyPr>
+            <a:normAutofit fontScale="90000"/>
+          </a:bodyPr>
+          <a:lstStyle/>
+          <a:p>
+            <a:r>
+              <a:t>Purine nucleotides (CHEMONTID:0001506): 0.6982446428827067, n_datos: 1</a:t>
             </a:r>
           </a:p>
         </p:txBody>
       </p:sp>
       <p:pic>
         <p:nvPicPr>
-          <p:cNvPr id="3" name="Picture 2" descr="alpha_grafica_Purine nucleotides _CHEMONTID_0001506__3.png"/>
+          <p:cNvPr id="3" name="Picture 2" descr="alpha_grafica_Purine nucleotides _CHEMONTID_0001506__1.png"/>
           <p:cNvPicPr>
             <a:picLocks noChangeAspect="1"/>
           </p:cNvPicPr>
@@ -15106,7 +16014,7 @@
           <a:p>
             <a:br/>
             <a:r>
-              <a:t>    pH1: 3.0  |  pH2: 3.0  |  Columna: Waters CORTECS T3</a:t>
+              <a:t>    pH1: 3.0  |  pH2: 3.0  |  Columna: Merck Supelco Ascentis Express C18</a:t>
             </a:r>
             <a:br/>
             <a:r>
@@ -15114,11 +16022,11 @@
             </a:r>
             <a:br/>
             <a:r>
-              <a:t>    Tamaño Partícula: 2.7 µm  |  Temp: 40.0°C</a:t>
-            </a:r>
-            <a:br/>
-            <a:r>
-              <a:t>    Flujo: 0.3 mL/min  |  T0: 0.735 min</a:t>
+              <a:t>    Tamaño Partícula: 2.0 µm  |  Temp: 40.0°C</a:t>
+            </a:r>
+            <a:br/>
+            <a:r>
+              <a:t>    Flujo: 0.4 mL/min  |  T0: 0.55125 min</a:t>
             </a:r>
             <a:br/>
             <a:r>
@@ -15164,11 +16072,13 @@
         </p:nvSpPr>
         <p:spPr/>
         <p:txBody>
-          <a:bodyPr/>
-          <a:lstStyle/>
-          <a:p>
-            <a:r>
-              <a:t>Pyrimidine nucleosides (CHEMONTID:0000480): 0.5486971420778289, n_datos: 3</a:t>
+          <a:bodyPr>
+            <a:normAutofit fontScale="90000"/>
+          </a:bodyPr>
+          <a:lstStyle/>
+          <a:p>
+            <a:r>
+              <a:t>Pyrimidine nucleosides (CHEMONTID:0000480): 1.0, n_datos: 1</a:t>
             </a:r>
           </a:p>
         </p:txBody>
@@ -15290,11 +16200,13 @@
         </p:nvSpPr>
         <p:spPr/>
         <p:txBody>
-          <a:bodyPr/>
-          <a:lstStyle/>
-          <a:p>
-            <a:r>
-              <a:t>Pyrimidine nucleosides (CHEMONTID:0000480): 0.5440826892789111, n_datos: 4</a:t>
+          <a:bodyPr>
+            <a:normAutofit fontScale="90000"/>
+          </a:bodyPr>
+          <a:lstStyle/>
+          <a:p>
+            <a:r>
+              <a:t>Pyrimidine nucleosides (CHEMONTID:0000480): 0.9843209736424146, n_datos: 3</a:t>
             </a:r>
           </a:p>
         </p:txBody>
@@ -15366,7 +16278,7 @@
             </a:r>
             <a:br/>
             <a:r>
-              <a:t>    Tamaño Partícula: 1.6 µm  |  Temp: 30.0°C</a:t>
+              <a:t>    Tamaño Partícula: 1.6 µm  |  Temp: 40.0°C</a:t>
             </a:r>
             <a:br/>
             <a:r>
@@ -15416,18 +16328,20 @@
         </p:nvSpPr>
         <p:spPr/>
         <p:txBody>
-          <a:bodyPr/>
-          <a:lstStyle/>
-          <a:p>
-            <a:r>
-              <a:t>Pyrimidine nucleosides (CHEMONTID:0000480): 0.5037109443982856, n_datos: 2</a:t>
+          <a:bodyPr>
+            <a:normAutofit fontScale="90000"/>
+          </a:bodyPr>
+          <a:lstStyle/>
+          <a:p>
+            <a:r>
+              <a:t>Pyrimidine nucleosides (CHEMONTID:0000480): 0.5486971420778289, n_datos: 3</a:t>
             </a:r>
           </a:p>
         </p:txBody>
       </p:sp>
       <p:pic>
         <p:nvPicPr>
-          <p:cNvPr id="3" name="Picture 2" descr="alpha_grafica_Pyrimidine nucleosides _CHEMONTID_0000480__41.png"/>
+          <p:cNvPr id="3" name="Picture 2" descr="alpha_grafica_Pyrimidine nucleosides _CHEMONTID_0000480__37.png"/>
           <p:cNvPicPr>
             <a:picLocks noChangeAspect="1"/>
           </p:cNvPicPr>
@@ -15542,18 +16456,20 @@
         </p:nvSpPr>
         <p:spPr/>
         <p:txBody>
-          <a:bodyPr/>
-          <a:lstStyle/>
-          <a:p>
-            <a:r>
-              <a:t>Pyrimidine nucleosides (CHEMONTID:0000480): 0.4238002361564837, n_datos: 1</a:t>
+          <a:bodyPr>
+            <a:normAutofit fontScale="90000"/>
+          </a:bodyPr>
+          <a:lstStyle/>
+          <a:p>
+            <a:r>
+              <a:t>Pyrimidine nucleosides (CHEMONTID:0000480): 0.5440826892789111, n_datos: 4</a:t>
             </a:r>
           </a:p>
         </p:txBody>
       </p:sp>
       <p:pic>
         <p:nvPicPr>
-          <p:cNvPr id="3" name="Picture 2" descr="alpha_grafica_Pyrimidine nucleosides _CHEMONTID_0000480__42.png"/>
+          <p:cNvPr id="3" name="Picture 2" descr="alpha_grafica_Pyrimidine nucleosides _CHEMONTID_0000480__37.png"/>
           <p:cNvPicPr>
             <a:picLocks noChangeAspect="1"/>
           </p:cNvPicPr>
@@ -15610,7 +16526,7 @@
           <a:p>
             <a:br/>
             <a:r>
-              <a:t>    pH1: 3.0  |  pH2: 3.0  |  Columna: Merck Supelco Ascentis Express C18</a:t>
+              <a:t>    pH1: 3.0  |  pH2: 3.0  |  Columna: Waters CORTECS UPLC C18</a:t>
             </a:r>
             <a:br/>
             <a:r>
@@ -15618,11 +16534,11 @@
             </a:r>
             <a:br/>
             <a:r>
-              <a:t>    Tamaño Partícula: 2.0 µm  |  Temp: 41.0°C</a:t>
-            </a:r>
-            <a:br/>
-            <a:r>
-              <a:t>    Flujo: 0.3 mL/min  |  T0: 0.735 min</a:t>
+              <a:t>    Tamaño Partícula: 1.6 µm  |  Temp: 30.0°C</a:t>
+            </a:r>
+            <a:br/>
+            <a:r>
+              <a:t>    Flujo: 0.4 mL/min  |  T0: 0.55125 min</a:t>
             </a:r>
             <a:br/>
             <a:r>
@@ -15668,11 +16584,13 @@
         </p:nvSpPr>
         <p:spPr/>
         <p:txBody>
-          <a:bodyPr/>
-          <a:lstStyle/>
-          <a:p>
-            <a:r>
-              <a:t>Pyrimidine nucleosides (CHEMONTID:0000480): 0.3988122547461282, n_datos: 1</a:t>
+          <a:bodyPr>
+            <a:normAutofit fontScale="90000"/>
+          </a:bodyPr>
+          <a:lstStyle/>
+          <a:p>
+            <a:r>
+              <a:t>Pyrimidine nucleosides (CHEMONTID:0000480): 0.5037109443982856, n_datos: 2</a:t>
             </a:r>
           </a:p>
         </p:txBody>
@@ -15736,7 +16654,7 @@
           <a:p>
             <a:br/>
             <a:r>
-              <a:t>    pH1: 3.0  |  pH2: 3.0  |  Columna: Waters ACQUITY UPLC BEH C18</a:t>
+              <a:t>    pH1: 3.0  |  pH2: 3.0  |  Columna: Waters CORTECS UPLC C18</a:t>
             </a:r>
             <a:br/>
             <a:r>
@@ -15744,7 +16662,7 @@
             </a:r>
             <a:br/>
             <a:r>
-              <a:t>    Tamaño Partícula: 1.7 µm  |  Temp: 40.0°C</a:t>
+              <a:t>    Tamaño Partícula: 1.6 µm  |  Temp: 40.0°C</a:t>
             </a:r>
             <a:br/>
             <a:r>
@@ -15794,18 +16712,20 @@
         </p:nvSpPr>
         <p:spPr/>
         <p:txBody>
-          <a:bodyPr/>
-          <a:lstStyle/>
-          <a:p>
-            <a:r>
-              <a:t>Pyrimidine nucleosides (CHEMONTID:0000480): 0.3875566253998554, n_datos: 1</a:t>
+          <a:bodyPr>
+            <a:normAutofit fontScale="90000"/>
+          </a:bodyPr>
+          <a:lstStyle/>
+          <a:p>
+            <a:r>
+              <a:t>Pyrimidine nucleosides (CHEMONTID:0000480): 0.4238002361564837, n_datos: 1</a:t>
             </a:r>
           </a:p>
         </p:txBody>
       </p:sp>
       <p:pic>
         <p:nvPicPr>
-          <p:cNvPr id="3" name="Picture 2" descr="alpha_grafica_Pyrimidine nucleosides _CHEMONTID_0000480__44.png"/>
+          <p:cNvPr id="3" name="Picture 2" descr="alpha_grafica_Pyrimidine nucleosides _CHEMONTID_0000480__42.png"/>
           <p:cNvPicPr>
             <a:picLocks noChangeAspect="1"/>
           </p:cNvPicPr>
@@ -15862,19 +16782,19 @@
           <a:p>
             <a:br/>
             <a:r>
-              <a:t>    pH1: 3.0  |  pH2: 3.0  |  Columna: Agilent ZORBAX Extend-C18</a:t>
-            </a:r>
-            <a:br/>
-            <a:r>
-              <a:t>    USP Code: column.usp.code_L1  |  Longitud: 50.0 mm</a:t>
-            </a:r>
-            <a:br/>
-            <a:r>
-              <a:t>    Tamaño Partícula: 1.8 µm  |  Temp: 35.0°C</a:t>
-            </a:r>
-            <a:br/>
-            <a:r>
-              <a:t>    Flujo: 0.1 mL/min  |  T0: 1.1025 min</a:t>
+              <a:t>    pH1: 3.0  |  pH2: 3.0  |  Columna: Merck Supelco Ascentis Express C18</a:t>
+            </a:r>
+            <a:br/>
+            <a:r>
+              <a:t>    USP Code: column.usp.code_L1  |  Longitud: 100.0 mm</a:t>
+            </a:r>
+            <a:br/>
+            <a:r>
+              <a:t>    Tamaño Partícula: 2.0 µm  |  Temp: 41.0°C</a:t>
+            </a:r>
+            <a:br/>
+            <a:r>
+              <a:t>    Flujo: 0.3 mL/min  |  T0: 0.735 min</a:t>
             </a:r>
             <a:br/>
             <a:r>
@@ -15920,18 +16840,20 @@
         </p:nvSpPr>
         <p:spPr/>
         <p:txBody>
-          <a:bodyPr/>
-          <a:lstStyle/>
-          <a:p>
-            <a:r>
-              <a:t>Pyrimidine nucleosides (CHEMONTID:0000480): 0.3516784095173763, n_datos: 3</a:t>
+          <a:bodyPr>
+            <a:normAutofit fontScale="90000"/>
+          </a:bodyPr>
+          <a:lstStyle/>
+          <a:p>
+            <a:r>
+              <a:t>Pyrimidine nucleosides (CHEMONTID:0000480): 0.3988122547461282, n_datos: 1</a:t>
             </a:r>
           </a:p>
         </p:txBody>
       </p:sp>
       <p:pic>
         <p:nvPicPr>
-          <p:cNvPr id="3" name="Picture 2" descr="alpha_grafica_Pyrimidine nucleosides _CHEMONTID_0000480__37.png"/>
+          <p:cNvPr id="3" name="Picture 2" descr="alpha_grafica_Pyrimidine nucleosides _CHEMONTID_0000480__41.png"/>
           <p:cNvPicPr>
             <a:picLocks noChangeAspect="1"/>
           </p:cNvPicPr>
@@ -15988,7 +16910,7 @@
           <a:p>
             <a:br/>
             <a:r>
-              <a:t>    pH1: 3.0  |  pH2: 3.0  |  Columna: Waters CORTECS UPLC C18</a:t>
+              <a:t>    pH1: 3.0  |  pH2: 3.0  |  Columna: Waters ACQUITY UPLC BEH C18</a:t>
             </a:r>
             <a:br/>
             <a:r>
@@ -15996,7 +16918,7 @@
             </a:r>
             <a:br/>
             <a:r>
-              <a:t>    Tamaño Partícula: 1.6 µm  |  Temp: 50.0°C</a:t>
+              <a:t>    Tamaño Partícula: 1.7 µm  |  Temp: 40.0°C</a:t>
             </a:r>
             <a:br/>
             <a:r>
@@ -16046,18 +16968,20 @@
         </p:nvSpPr>
         <p:spPr/>
         <p:txBody>
-          <a:bodyPr/>
-          <a:lstStyle/>
-          <a:p>
-            <a:r>
-              <a:t>Pyrimidine nucleosides (CHEMONTID:0000480): 0.3153609090036707, n_datos: 4</a:t>
+          <a:bodyPr>
+            <a:normAutofit fontScale="90000"/>
+          </a:bodyPr>
+          <a:lstStyle/>
+          <a:p>
+            <a:r>
+              <a:t>Pyrimidine nucleosides (CHEMONTID:0000480): 0.3875566253998554, n_datos: 1</a:t>
             </a:r>
           </a:p>
         </p:txBody>
       </p:sp>
       <p:pic>
         <p:nvPicPr>
-          <p:cNvPr id="3" name="Picture 2" descr="alpha_grafica_Pyrimidine nucleosides _CHEMONTID_0000480__41.png"/>
+          <p:cNvPr id="3" name="Picture 2" descr="alpha_grafica_Pyrimidine nucleosides _CHEMONTID_0000480__44.png"/>
           <p:cNvPicPr>
             <a:picLocks noChangeAspect="1"/>
           </p:cNvPicPr>
@@ -16114,19 +17038,19 @@
           <a:p>
             <a:br/>
             <a:r>
-              <a:t>    pH1: 3.0  |  pH2: 3.0  |  Columna: Waters ACQUITY UPLC HSS C18</a:t>
-            </a:r>
-            <a:br/>
-            <a:r>
-              <a:t>    USP Code: column.usp.code_L1  |  Longitud: 100.0 mm</a:t>
-            </a:r>
-            <a:br/>
-            <a:r>
-              <a:t>    Tamaño Partícula: 1.8 µm  |  Temp: 40.0°C</a:t>
-            </a:r>
-            <a:br/>
-            <a:r>
-              <a:t>    Flujo: 0.4 mL/min  |  T0: 0.55125 min</a:t>
+              <a:t>    pH1: 3.0  |  pH2: 3.0  |  Columna: Agilent ZORBAX Extend-C18</a:t>
+            </a:r>
+            <a:br/>
+            <a:r>
+              <a:t>    USP Code: column.usp.code_L1  |  Longitud: 50.0 mm</a:t>
+            </a:r>
+            <a:br/>
+            <a:r>
+              <a:t>    Tamaño Partícula: 1.8 µm  |  Temp: 35.0°C</a:t>
+            </a:r>
+            <a:br/>
+            <a:r>
+              <a:t>    Flujo: 0.1 mL/min  |  T0: 1.1025 min</a:t>
             </a:r>
             <a:br/>
             <a:r>
@@ -16172,18 +17096,20 @@
         </p:nvSpPr>
         <p:spPr/>
         <p:txBody>
-          <a:bodyPr/>
-          <a:lstStyle/>
-          <a:p>
-            <a:r>
-              <a:t>Pyrrolopyrimidine nucleosides and nucleotides (CHEMONTID:0002306): 1.0, n_datos: 2</a:t>
+          <a:bodyPr>
+            <a:normAutofit fontScale="90000"/>
+          </a:bodyPr>
+          <a:lstStyle/>
+          <a:p>
+            <a:r>
+              <a:t>Pyrimidine nucleosides (CHEMONTID:0000480): 0.3516784095173763, n_datos: 3</a:t>
             </a:r>
           </a:p>
         </p:txBody>
       </p:sp>
       <p:pic>
         <p:nvPicPr>
-          <p:cNvPr id="3" name="Picture 2" descr="alpha_grafica_Pyrrolopyrimidine nucleosides and nucleotides _CHEMONTID_0002306__47.png"/>
+          <p:cNvPr id="3" name="Picture 2" descr="alpha_grafica_Pyrimidine nucleosides _CHEMONTID_0000480__37.png"/>
           <p:cNvPicPr>
             <a:picLocks noChangeAspect="1"/>
           </p:cNvPicPr>
@@ -16240,19 +17166,19 @@
           <a:p>
             <a:br/>
             <a:r>
-              <a:t>    pH1: 2.6  |  pH2: 0.0  |  Columna: Waters ACQUITY UPLC BEH C18</a:t>
-            </a:r>
-            <a:br/>
-            <a:r>
-              <a:t>    USP Code: column.usp.code_L1  |  Longitud: 50.0 mm</a:t>
-            </a:r>
-            <a:br/>
-            <a:r>
-              <a:t>    Tamaño Partícula: 1.7 µm  |  Temp: 40.0°C</a:t>
-            </a:r>
-            <a:br/>
-            <a:r>
-              <a:t>    Flujo: 0.6 mL/min  |  T0: 0.18375 min</a:t>
+              <a:t>    pH1: 3.0  |  pH2: 3.0  |  Columna: Waters CORTECS UPLC C18</a:t>
+            </a:r>
+            <a:br/>
+            <a:r>
+              <a:t>    USP Code: column.usp.code_L1  |  Longitud: 100.0 mm</a:t>
+            </a:r>
+            <a:br/>
+            <a:r>
+              <a:t>    Tamaño Partícula: 1.6 µm  |  Temp: 50.0°C</a:t>
+            </a:r>
+            <a:br/>
+            <a:r>
+              <a:t>    Flujo: 0.4 mL/min  |  T0: 0.55125 min</a:t>
             </a:r>
             <a:br/>
             <a:r>
@@ -16298,18 +17224,20 @@
         </p:nvSpPr>
         <p:spPr/>
         <p:txBody>
-          <a:bodyPr/>
-          <a:lstStyle/>
-          <a:p>
-            <a:r>
-              <a:t>Pyrrolopyrimidine nucleosides and nucleotides (CHEMONTID:0002306): 0.3766398669809825, n_datos: 4</a:t>
+          <a:bodyPr>
+            <a:normAutofit fontScale="90000"/>
+          </a:bodyPr>
+          <a:lstStyle/>
+          <a:p>
+            <a:r>
+              <a:t>Pyrimidine nucleosides (CHEMONTID:0000480): 0.3153609090036707, n_datos: 4</a:t>
             </a:r>
           </a:p>
         </p:txBody>
       </p:sp>
       <p:pic>
         <p:nvPicPr>
-          <p:cNvPr id="3" name="Picture 2" descr="alpha_grafica_Pyrrolopyrimidine nucleosides and nucleotides _CHEMONTID_0002306__48.png"/>
+          <p:cNvPr id="3" name="Picture 2" descr="alpha_grafica_Pyrimidine nucleosides _CHEMONTID_0000480__41.png"/>
           <p:cNvPicPr>
             <a:picLocks noChangeAspect="1"/>
           </p:cNvPicPr>
@@ -16366,19 +17294,19 @@
           <a:p>
             <a:br/>
             <a:r>
-              <a:t>    pH1: 3.0  |  pH2: 3.0  |  Columna: Agilent ZORBAX Extend-C18</a:t>
-            </a:r>
-            <a:br/>
-            <a:r>
-              <a:t>    USP Code: column.usp.code_L1  |  Longitud: 50.0 mm</a:t>
-            </a:r>
-            <a:br/>
-            <a:r>
-              <a:t>    Tamaño Partícula: 1.8 µm  |  Temp: 35.0°C</a:t>
-            </a:r>
-            <a:br/>
-            <a:r>
-              <a:t>    Flujo: 0.1 mL/min  |  T0: 1.1025 min</a:t>
+              <a:t>    pH1: 3.0  |  pH2: 3.0  |  Columna: Waters ACQUITY UPLC HSS C18</a:t>
+            </a:r>
+            <a:br/>
+            <a:r>
+              <a:t>    USP Code: column.usp.code_L1  |  Longitud: 100.0 mm</a:t>
+            </a:r>
+            <a:br/>
+            <a:r>
+              <a:t>    Tamaño Partícula: 1.8 µm  |  Temp: 40.0°C</a:t>
+            </a:r>
+            <a:br/>
+            <a:r>
+              <a:t>    Flujo: 0.4 mL/min  |  T0: 0.55125 min</a:t>
             </a:r>
             <a:br/>
             <a:r>
@@ -16424,18 +17352,20 @@
         </p:nvSpPr>
         <p:spPr/>
         <p:txBody>
-          <a:bodyPr/>
-          <a:lstStyle/>
-          <a:p>
-            <a:r>
-              <a:t>Purine nucleotides (CHEMONTID:0001506): 0.4521458869990167, n_datos: 3</a:t>
+          <a:bodyPr>
+            <a:normAutofit fontScale="90000"/>
+          </a:bodyPr>
+          <a:lstStyle/>
+          <a:p>
+            <a:r>
+              <a:t>Purine nucleotides (CHEMONTID:0001506): 0.5738737317826021, n_datos: 1</a:t>
             </a:r>
           </a:p>
         </p:txBody>
       </p:sp>
       <p:pic>
         <p:nvPicPr>
-          <p:cNvPr id="3" name="Picture 2" descr="alpha_grafica_Purine nucleotides _CHEMONTID_0001506__4.png"/>
+          <p:cNvPr id="3" name="Picture 2" descr="alpha_grafica_Purine nucleotides _CHEMONTID_0001506__2.png"/>
           <p:cNvPicPr>
             <a:picLocks noChangeAspect="1"/>
           </p:cNvPicPr>
@@ -16492,19 +17422,19 @@
           <a:p>
             <a:br/>
             <a:r>
-              <a:t>    pH1: 3.0  |  pH2: 3.0  |  Columna: Waters CORTECS T3</a:t>
-            </a:r>
-            <a:br/>
-            <a:r>
-              <a:t>    USP Code: column.usp.code_L1  |  Longitud: 100.0 mm</a:t>
-            </a:r>
-            <a:br/>
-            <a:r>
-              <a:t>    Tamaño Partícula: 2.7 µm  |  Temp: 40.0°C</a:t>
-            </a:r>
-            <a:br/>
-            <a:r>
-              <a:t>    Flujo: 0.3 mL/min  |  T0: 0.735 min</a:t>
+              <a:t>    pH1: 3.0  |  pH2: 3.0  |  Columna: Thermo Scientific Hypersil GOLD</a:t>
+            </a:r>
+            <a:br/>
+            <a:r>
+              <a:t>    USP Code: column.usp.code_L1  |  Longitud: 113.75 mm</a:t>
+            </a:r>
+            <a:br/>
+            <a:r>
+              <a:t>    Tamaño Partícula: 1.9 µm  |  Temp: 40.0°C</a:t>
+            </a:r>
+            <a:br/>
+            <a:r>
+              <a:t>    Flujo: 0.4 mL/min  |  T0: 0.6500755324656243 min</a:t>
             </a:r>
             <a:br/>
             <a:r>
@@ -16550,18 +17480,20 @@
         </p:nvSpPr>
         <p:spPr/>
         <p:txBody>
-          <a:bodyPr/>
-          <a:lstStyle/>
-          <a:p>
-            <a:r>
-              <a:t>Purine nucleosides (CHEMONTID:0000479): 1.0, n_datos: 6</a:t>
+          <a:bodyPr>
+            <a:normAutofit fontScale="90000"/>
+          </a:bodyPr>
+          <a:lstStyle/>
+          <a:p>
+            <a:r>
+              <a:t>Pyrrolopyrimidine nucleosides and nucleotides (CHEMONTID:0002306): 1.0, n_datos: 2</a:t>
             </a:r>
           </a:p>
         </p:txBody>
       </p:sp>
       <p:pic>
         <p:nvPicPr>
-          <p:cNvPr id="3" name="Picture 2" descr="alpha_grafica_Purine nucleosides _CHEMONTID_0000479__49.png"/>
+          <p:cNvPr id="3" name="Picture 2" descr="alpha_grafica_Pyrrolopyrimidine nucleosides and nucleotides _CHEMONTID_0002306__47.png"/>
           <p:cNvPicPr>
             <a:picLocks noChangeAspect="1"/>
           </p:cNvPicPr>
@@ -16618,7 +17550,7 @@
           <a:p>
             <a:br/>
             <a:r>
-              <a:t>    pH1: 3.0  |  pH2: 3.0  |  Columna: Agilent ZORBAX Extend-C18</a:t>
+              <a:t>    pH1: 2.6  |  pH2: 0.0  |  Columna: Waters ACQUITY UPLC BEH C18</a:t>
             </a:r>
             <a:br/>
             <a:r>
@@ -16626,11 +17558,11 @@
             </a:r>
             <a:br/>
             <a:r>
-              <a:t>    Tamaño Partícula: 1.8 µm  |  Temp: 35.0°C</a:t>
-            </a:r>
-            <a:br/>
-            <a:r>
-              <a:t>    Flujo: 0.1 mL/min  |  T0: 1.1025 min</a:t>
+              <a:t>    Tamaño Partícula: 1.7 µm  |  Temp: 40.0°C</a:t>
+            </a:r>
+            <a:br/>
+            <a:r>
+              <a:t>    Flujo: 0.6 mL/min  |  T0: 0.18375 min</a:t>
             </a:r>
             <a:br/>
             <a:r>
@@ -16676,18 +17608,20 @@
         </p:nvSpPr>
         <p:spPr/>
         <p:txBody>
-          <a:bodyPr/>
-          <a:lstStyle/>
-          <a:p>
-            <a:r>
-              <a:t>Purine nucleosides (CHEMONTID:0000479): 0.5494866372437485, n_datos: 5</a:t>
+          <a:bodyPr>
+            <a:normAutofit fontScale="90000"/>
+          </a:bodyPr>
+          <a:lstStyle/>
+          <a:p>
+            <a:r>
+              <a:t>Pyrrolopyrimidine nucleosides and nucleotides (CHEMONTID:0002306): 0.3766398669809825, n_datos: 4</a:t>
             </a:r>
           </a:p>
         </p:txBody>
       </p:sp>
       <p:pic>
         <p:nvPicPr>
-          <p:cNvPr id="3" name="Picture 2" descr="alpha_grafica_Purine nucleosides _CHEMONTID_0000479__50.png"/>
+          <p:cNvPr id="3" name="Picture 2" descr="alpha_grafica_Pyrrolopyrimidine nucleosides and nucleotides _CHEMONTID_0002306__48.png"/>
           <p:cNvPicPr>
             <a:picLocks noChangeAspect="1"/>
           </p:cNvPicPr>
@@ -16744,7 +17678,7 @@
           <a:p>
             <a:br/>
             <a:r>
-              <a:t>    pH1: 2.6  |  pH2: 0.0  |  Columna: Waters ACQUITY UPLC BEH C18</a:t>
+              <a:t>    pH1: 3.0  |  pH2: 3.0  |  Columna: Agilent ZORBAX Extend-C18</a:t>
             </a:r>
             <a:br/>
             <a:r>
@@ -16752,11 +17686,11 @@
             </a:r>
             <a:br/>
             <a:r>
-              <a:t>    Tamaño Partícula: 1.7 µm  |  Temp: 40.0°C</a:t>
-            </a:r>
-            <a:br/>
-            <a:r>
-              <a:t>    Flujo: 0.6 mL/min  |  T0: 0.18375 min</a:t>
+              <a:t>    Tamaño Partícula: 1.8 µm  |  Temp: 35.0°C</a:t>
+            </a:r>
+            <a:br/>
+            <a:r>
+              <a:t>    Flujo: 0.1 mL/min  |  T0: 1.1025 min</a:t>
             </a:r>
             <a:br/>
             <a:r>
@@ -16802,18 +17736,20 @@
         </p:nvSpPr>
         <p:spPr/>
         <p:txBody>
-          <a:bodyPr/>
-          <a:lstStyle/>
-          <a:p>
-            <a:r>
-              <a:t>Purine nucleosides (CHEMONTID:0000479): 0.2565729633042244, n_datos: 2</a:t>
+          <a:bodyPr>
+            <a:normAutofit fontScale="90000"/>
+          </a:bodyPr>
+          <a:lstStyle/>
+          <a:p>
+            <a:r>
+              <a:t>Purine nucleosides (CHEMONTID:0000479): 1.0, n_datos: 6</a:t>
             </a:r>
           </a:p>
         </p:txBody>
       </p:sp>
       <p:pic>
         <p:nvPicPr>
-          <p:cNvPr id="3" name="Picture 2" descr="alpha_grafica_Purine nucleosides _CHEMONTID_0000479__51.png"/>
+          <p:cNvPr id="3" name="Picture 2" descr="alpha_grafica_Purine nucleosides _CHEMONTID_0000479__49.png"/>
           <p:cNvPicPr>
             <a:picLocks noChangeAspect="1"/>
           </p:cNvPicPr>
@@ -16870,19 +17806,19 @@
           <a:p>
             <a:br/>
             <a:r>
-              <a:t>    pH1: 0.0  |  pH2: 0.0  |  Columna: Waters ACQUITY UPLC BEH Amide</a:t>
-            </a:r>
-            <a:br/>
-            <a:r>
-              <a:t>    USP Code: column.usp.code_L68  |  Longitud: 100.0 mm</a:t>
-            </a:r>
-            <a:br/>
-            <a:r>
-              <a:t>    Tamaño Partícula: 1.7 µm  |  Temp: 40.0°C</a:t>
-            </a:r>
-            <a:br/>
-            <a:r>
-              <a:t>    Flujo: 0.5 mL/min  |  T0: 0.4571959788769226 min</a:t>
+              <a:t>    pH1: 3.0  |  pH2: 3.0  |  Columna: Agilent ZORBAX Extend-C18</a:t>
+            </a:r>
+            <a:br/>
+            <a:r>
+              <a:t>    USP Code: column.usp.code_L1  |  Longitud: 50.0 mm</a:t>
+            </a:r>
+            <a:br/>
+            <a:r>
+              <a:t>    Tamaño Partícula: 1.8 µm  |  Temp: 35.0°C</a:t>
+            </a:r>
+            <a:br/>
+            <a:r>
+              <a:t>    Flujo: 0.1 mL/min  |  T0: 1.1025 min</a:t>
             </a:r>
             <a:br/>
             <a:r>
@@ -16928,18 +17864,20 @@
         </p:nvSpPr>
         <p:spPr/>
         <p:txBody>
-          <a:bodyPr/>
-          <a:lstStyle/>
-          <a:p>
-            <a:r>
-              <a:t>Purine nucleosides (CHEMONTID:0000479): 0.2502608608746281, n_datos: 6</a:t>
+          <a:bodyPr>
+            <a:normAutofit fontScale="90000"/>
+          </a:bodyPr>
+          <a:lstStyle/>
+          <a:p>
+            <a:r>
+              <a:t>Purine nucleosides (CHEMONTID:0000479): 0.5494866372437485, n_datos: 5</a:t>
             </a:r>
           </a:p>
         </p:txBody>
       </p:sp>
       <p:pic>
         <p:nvPicPr>
-          <p:cNvPr id="3" name="Picture 2" descr="alpha_grafica_Purine nucleosides _CHEMONTID_0000479__51.png"/>
+          <p:cNvPr id="3" name="Picture 2" descr="alpha_grafica_Purine nucleosides _CHEMONTID_0000479__50.png"/>
           <p:cNvPicPr>
             <a:picLocks noChangeAspect="1"/>
           </p:cNvPicPr>
@@ -16996,11 +17934,11 @@
           <a:p>
             <a:br/>
             <a:r>
-              <a:t>    pH1: 0.0  |  pH2: 0.0  |  Columna: Waters ACQUITY UPLC BEH Amide</a:t>
-            </a:r>
-            <a:br/>
-            <a:r>
-              <a:t>    USP Code: column.usp.code_L68  |  Longitud: 100.0 mm</a:t>
+              <a:t>    pH1: 2.6  |  pH2: 0.0  |  Columna: Waters ACQUITY UPLC BEH C18</a:t>
+            </a:r>
+            <a:br/>
+            <a:r>
+              <a:t>    USP Code: column.usp.code_L1  |  Longitud: 50.0 mm</a:t>
             </a:r>
             <a:br/>
             <a:r>
@@ -17008,7 +17946,7 @@
             </a:r>
             <a:br/>
             <a:r>
-              <a:t>    Flujo: 0.5 mL/min  |  T0: 0.4571959788769226 min</a:t>
+              <a:t>    Flujo: 0.6 mL/min  |  T0: 0.18375 min</a:t>
             </a:r>
             <a:br/>
             <a:r>
@@ -17054,18 +17992,20 @@
         </p:nvSpPr>
         <p:spPr/>
         <p:txBody>
-          <a:bodyPr/>
-          <a:lstStyle/>
-          <a:p>
-            <a:r>
-              <a:t>Purine nucleosides (CHEMONTID:0000479): 0.2277821278620701, n_datos: 4</a:t>
+          <a:bodyPr>
+            <a:normAutofit fontScale="90000"/>
+          </a:bodyPr>
+          <a:lstStyle/>
+          <a:p>
+            <a:r>
+              <a:t>Purine nucleosides (CHEMONTID:0000479): 0.2565729633042244, n_datos: 2</a:t>
             </a:r>
           </a:p>
         </p:txBody>
       </p:sp>
       <p:pic>
         <p:nvPicPr>
-          <p:cNvPr id="3" name="Picture 2" descr="alpha_grafica_Purine nucleosides _CHEMONTID_0000479__53.png"/>
+          <p:cNvPr id="3" name="Picture 2" descr="alpha_grafica_Purine nucleosides _CHEMONTID_0000479__51.png"/>
           <p:cNvPicPr>
             <a:picLocks noChangeAspect="1"/>
           </p:cNvPicPr>
@@ -17122,19 +18062,19 @@
           <a:p>
             <a:br/>
             <a:r>
-              <a:t>    pH1: 3.0  |  pH2: 3.0  |  Columna: Waters ACQUITY UPLC BEH C18</a:t>
-            </a:r>
-            <a:br/>
-            <a:r>
-              <a:t>    USP Code: column.usp.code_L1  |  Longitud: 100.0 mm</a:t>
-            </a:r>
-            <a:br/>
-            <a:r>
-              <a:t>    Tamaño Partícula: 1.7 µm  |  Temp: 40.54166666666666°C</a:t>
-            </a:r>
-            <a:br/>
-            <a:r>
-              <a:t>    Flujo: 0.1 mL/min  |  T0: 2.205 min</a:t>
+              <a:t>    pH1: 0.0  |  pH2: 0.0  |  Columna: Waters ACQUITY UPLC BEH Amide</a:t>
+            </a:r>
+            <a:br/>
+            <a:r>
+              <a:t>    USP Code: column.usp.code_L68  |  Longitud: 100.0 mm</a:t>
+            </a:r>
+            <a:br/>
+            <a:r>
+              <a:t>    Tamaño Partícula: 1.7 µm  |  Temp: 40.0°C</a:t>
+            </a:r>
+            <a:br/>
+            <a:r>
+              <a:t>    Flujo: 0.5 mL/min  |  T0: 0.4571959788769226 min</a:t>
             </a:r>
             <a:br/>
             <a:r>
@@ -17180,18 +18120,20 @@
         </p:nvSpPr>
         <p:spPr/>
         <p:txBody>
-          <a:bodyPr/>
-          <a:lstStyle/>
-          <a:p>
-            <a:r>
-              <a:t>Purine nucleosides (CHEMONTID:0000479): 0.1272030078673805, n_datos: 2</a:t>
+          <a:bodyPr>
+            <a:normAutofit fontScale="90000"/>
+          </a:bodyPr>
+          <a:lstStyle/>
+          <a:p>
+            <a:r>
+              <a:t>Purine nucleosides (CHEMONTID:0000479): 0.2502608608746281, n_datos: 6</a:t>
             </a:r>
           </a:p>
         </p:txBody>
       </p:sp>
       <p:pic>
         <p:nvPicPr>
-          <p:cNvPr id="3" name="Picture 2" descr="alpha_grafica_Purine nucleosides _CHEMONTID_0000479__54.png"/>
+          <p:cNvPr id="3" name="Picture 2" descr="alpha_grafica_Purine nucleosides _CHEMONTID_0000479__51.png"/>
           <p:cNvPicPr>
             <a:picLocks noChangeAspect="1"/>
           </p:cNvPicPr>
@@ -17248,19 +18190,19 @@
           <a:p>
             <a:br/>
             <a:r>
-              <a:t>    pH1: 3.0  |  pH2: 3.0  |  Columna: Waters ACQUITY UPLC HSS T3</a:t>
-            </a:r>
-            <a:br/>
-            <a:r>
-              <a:t>    USP Code: column.usp.code_L1  |  Longitud: 100.0 mm</a:t>
-            </a:r>
-            <a:br/>
-            <a:r>
-              <a:t>    Tamaño Partícula: 1.8 µm  |  Temp: 38.75°C</a:t>
-            </a:r>
-            <a:br/>
-            <a:r>
-              <a:t>    Flujo: 0.3877777777777778 mL/min  |  T0: 0.5895077091536252 min</a:t>
+              <a:t>    pH1: 0.0  |  pH2: 0.0  |  Columna: Waters ACQUITY UPLC BEH Amide</a:t>
+            </a:r>
+            <a:br/>
+            <a:r>
+              <a:t>    USP Code: column.usp.code_L68  |  Longitud: 100.0 mm</a:t>
+            </a:r>
+            <a:br/>
+            <a:r>
+              <a:t>    Tamaño Partícula: 1.7 µm  |  Temp: 40.0°C</a:t>
+            </a:r>
+            <a:br/>
+            <a:r>
+              <a:t>    Flujo: 0.5 mL/min  |  T0: 0.4571959788769226 min</a:t>
             </a:r>
             <a:br/>
             <a:r>
@@ -17306,18 +18248,20 @@
         </p:nvSpPr>
         <p:spPr/>
         <p:txBody>
-          <a:bodyPr/>
-          <a:lstStyle/>
-          <a:p>
-            <a:r>
-              <a:t>Purine nucleosides (CHEMONTID:0000479): 0.1043589152644537, n_datos: 5</a:t>
+          <a:bodyPr>
+            <a:normAutofit fontScale="90000"/>
+          </a:bodyPr>
+          <a:lstStyle/>
+          <a:p>
+            <a:r>
+              <a:t>Purine nucleosides (CHEMONTID:0000479): 0.2277821278620701, n_datos: 4</a:t>
             </a:r>
           </a:p>
         </p:txBody>
       </p:sp>
       <p:pic>
         <p:nvPicPr>
-          <p:cNvPr id="3" name="Picture 2" descr="alpha_grafica_Purine nucleosides _CHEMONTID_0000479__55.png"/>
+          <p:cNvPr id="3" name="Picture 2" descr="alpha_grafica_Purine nucleosides _CHEMONTID_0000479__53.png"/>
           <p:cNvPicPr>
             <a:picLocks noChangeAspect="1"/>
           </p:cNvPicPr>
@@ -17374,19 +18318,19 @@
           <a:p>
             <a:br/>
             <a:r>
-              <a:t>    pH1: 3.0  |  pH2: 3.0  |  Columna: Thermo Scientific Hypersil GOLD</a:t>
-            </a:r>
-            <a:br/>
-            <a:r>
-              <a:t>    USP Code: column.usp.code_L1  |  Longitud: 150.0 mm</a:t>
-            </a:r>
-            <a:br/>
-            <a:r>
-              <a:t>    Tamaño Partícula: 1.9 µm  |  Temp: 41.66666666666666°C</a:t>
-            </a:r>
-            <a:br/>
-            <a:r>
-              <a:t>    Flujo: 0.5 mL/min  |  T0: 0.6615 min</a:t>
+              <a:t>    pH1: 3.0  |  pH2: 3.0  |  Columna: Waters ACQUITY UPLC BEH C18</a:t>
+            </a:r>
+            <a:br/>
+            <a:r>
+              <a:t>    USP Code: column.usp.code_L1  |  Longitud: 100.0 mm</a:t>
+            </a:r>
+            <a:br/>
+            <a:r>
+              <a:t>    Tamaño Partícula: 1.7 µm  |  Temp: 40.54166666666666°C</a:t>
+            </a:r>
+            <a:br/>
+            <a:r>
+              <a:t>    Flujo: 0.1 mL/min  |  T0: 2.205 min</a:t>
             </a:r>
             <a:br/>
             <a:r>
@@ -17432,18 +18376,20 @@
         </p:nvSpPr>
         <p:spPr/>
         <p:txBody>
-          <a:bodyPr/>
-          <a:lstStyle/>
-          <a:p>
-            <a:r>
-              <a:t>Purine nucleosides (CHEMONTID:0000479): 0.0949928391986888, n_datos: 1</a:t>
+          <a:bodyPr>
+            <a:normAutofit fontScale="90000"/>
+          </a:bodyPr>
+          <a:lstStyle/>
+          <a:p>
+            <a:r>
+              <a:t>Purine nucleosides (CHEMONTID:0000479): 0.1272030078673805, n_datos: 2</a:t>
             </a:r>
           </a:p>
         </p:txBody>
       </p:sp>
       <p:pic>
         <p:nvPicPr>
-          <p:cNvPr id="3" name="Picture 2" descr="alpha_grafica_Purine nucleosides _CHEMONTID_0000479__56.png"/>
+          <p:cNvPr id="3" name="Picture 2" descr="alpha_grafica_Purine nucleosides _CHEMONTID_0000479__54.png"/>
           <p:cNvPicPr>
             <a:picLocks noChangeAspect="1"/>
           </p:cNvPicPr>
@@ -17500,19 +18446,19 @@
           <a:p>
             <a:br/>
             <a:r>
-              <a:t>    pH1: 3.0  |  pH2: 3.0  |  Columna: Thermo Scientific Hypersil GOLD</a:t>
-            </a:r>
-            <a:br/>
-            <a:r>
-              <a:t>    USP Code: column.usp.code_L1  |  Longitud: 113.75 mm</a:t>
-            </a:r>
-            <a:br/>
-            <a:r>
-              <a:t>    Tamaño Partícula: 1.9 µm  |  Temp: 40.0°C</a:t>
-            </a:r>
-            <a:br/>
-            <a:r>
-              <a:t>    Flujo: 0.4 mL/min  |  T0: 0.6500755324656243 min</a:t>
+              <a:t>    pH1: 3.0  |  pH2: 3.0  |  Columna: Waters ACQUITY UPLC HSS T3</a:t>
+            </a:r>
+            <a:br/>
+            <a:r>
+              <a:t>    USP Code: column.usp.code_L1  |  Longitud: 100.0 mm</a:t>
+            </a:r>
+            <a:br/>
+            <a:r>
+              <a:t>    Tamaño Partícula: 1.8 µm  |  Temp: 38.75°C</a:t>
+            </a:r>
+            <a:br/>
+            <a:r>
+              <a:t>    Flujo: 0.3877777777777778 mL/min  |  T0: 0.5895077091536252 min</a:t>
             </a:r>
             <a:br/>
             <a:r>
@@ -17558,18 +18504,20 @@
         </p:nvSpPr>
         <p:spPr/>
         <p:txBody>
-          <a:bodyPr/>
-          <a:lstStyle/>
-          <a:p>
-            <a:r>
-              <a:t>Purine nucleosides (CHEMONTID:0000479): 0.079119402956408, n_datos: 9</a:t>
+          <a:bodyPr>
+            <a:normAutofit fontScale="90000"/>
+          </a:bodyPr>
+          <a:lstStyle/>
+          <a:p>
+            <a:r>
+              <a:t>Purine nucleosides (CHEMONTID:0000479): 0.1043589152644537, n_datos: 5</a:t>
             </a:r>
           </a:p>
         </p:txBody>
       </p:sp>
       <p:pic>
         <p:nvPicPr>
-          <p:cNvPr id="3" name="Picture 2" descr="alpha_grafica_Purine nucleosides _CHEMONTID_0000479__57.png"/>
+          <p:cNvPr id="3" name="Picture 2" descr="alpha_grafica_Purine nucleosides _CHEMONTID_0000479__55.png"/>
           <p:cNvPicPr>
             <a:picLocks noChangeAspect="1"/>
           </p:cNvPicPr>
@@ -17626,19 +18574,19 @@
           <a:p>
             <a:br/>
             <a:r>
-              <a:t>    pH1: 3.5  |  pH2: 3.0  |  Columna: Waters ACQUITY UPLC BEH HILIC</a:t>
-            </a:r>
-            <a:br/>
-            <a:r>
-              <a:t>    USP Code: column.usp.code_L3  |  Longitud: 150.0 mm</a:t>
-            </a:r>
-            <a:br/>
-            <a:r>
-              <a:t>    Tamaño Partícula: 1.7 µm  |  Temp: 40.0°C</a:t>
-            </a:r>
-            <a:br/>
-            <a:r>
-              <a:t>    Flujo: 0.6 mL/min  |  T0: 0.55125 min</a:t>
+              <a:t>    pH1: 3.0  |  pH2: 3.0  |  Columna: Thermo Scientific Hypersil GOLD</a:t>
+            </a:r>
+            <a:br/>
+            <a:r>
+              <a:t>    USP Code: column.usp.code_L1  |  Longitud: 150.0 mm</a:t>
+            </a:r>
+            <a:br/>
+            <a:r>
+              <a:t>    Tamaño Partícula: 1.9 µm  |  Temp: 41.66666666666666°C</a:t>
+            </a:r>
+            <a:br/>
+            <a:r>
+              <a:t>    Flujo: 0.5 mL/min  |  T0: 0.6615 min</a:t>
             </a:r>
             <a:br/>
             <a:r>
@@ -17684,18 +18632,20 @@
         </p:nvSpPr>
         <p:spPr/>
         <p:txBody>
-          <a:bodyPr/>
-          <a:lstStyle/>
-          <a:p>
-            <a:r>
-              <a:t>Purine nucleosides (CHEMONTID:0000479): 0.0769262951561736, n_datos: 9</a:t>
+          <a:bodyPr>
+            <a:normAutofit fontScale="90000"/>
+          </a:bodyPr>
+          <a:lstStyle/>
+          <a:p>
+            <a:r>
+              <a:t>Purine nucleosides (CHEMONTID:0000479): 0.0949928391986888, n_datos: 1</a:t>
             </a:r>
           </a:p>
         </p:txBody>
       </p:sp>
       <p:pic>
         <p:nvPicPr>
-          <p:cNvPr id="3" name="Picture 2" descr="alpha_grafica_Purine nucleosides _CHEMONTID_0000479__58.png"/>
+          <p:cNvPr id="3" name="Picture 2" descr="alpha_grafica_Purine nucleosides _CHEMONTID_0000479__56.png"/>
           <p:cNvPicPr>
             <a:picLocks noChangeAspect="1"/>
           </p:cNvPicPr>
@@ -17752,19 +18702,19 @@
           <a:p>
             <a:br/>
             <a:r>
-              <a:t>    pH1: 0.0  |  pH2: 3.0  |  Columna: Merck SeQuant ZIC-HILIC</a:t>
-            </a:r>
-            <a:br/>
-            <a:r>
-              <a:t>    USP Code: column.usp.code_L114  |  Longitud: 145.45454545454547 mm</a:t>
-            </a:r>
-            <a:br/>
-            <a:r>
-              <a:t>    Tamaño Partícula: 4.863636363636363 µm  |  Temp: 25.0°C</a:t>
-            </a:r>
-            <a:br/>
-            <a:r>
-              <a:t>    Flujo: 0.25 mL/min  |  T0: 1.3300246658237755 min</a:t>
+              <a:t>    pH1: 3.0  |  pH2: 3.0  |  Columna: Thermo Scientific Hypersil GOLD</a:t>
+            </a:r>
+            <a:br/>
+            <a:r>
+              <a:t>    USP Code: column.usp.code_L1  |  Longitud: 113.75 mm</a:t>
+            </a:r>
+            <a:br/>
+            <a:r>
+              <a:t>    Tamaño Partícula: 1.9 µm  |  Temp: 40.0°C</a:t>
+            </a:r>
+            <a:br/>
+            <a:r>
+              <a:t>    Flujo: 0.4 mL/min  |  T0: 0.6500755324656243 min</a:t>
             </a:r>
             <a:br/>
             <a:r>
@@ -17810,18 +18760,20 @@
         </p:nvSpPr>
         <p:spPr/>
         <p:txBody>
-          <a:bodyPr/>
-          <a:lstStyle/>
-          <a:p>
-            <a:r>
-              <a:t>Purine nucleotides (CHEMONTID:0001506): 0.3395016613769094, n_datos: 3</a:t>
+          <a:bodyPr>
+            <a:normAutofit fontScale="90000"/>
+          </a:bodyPr>
+          <a:lstStyle/>
+          <a:p>
+            <a:r>
+              <a:t>Purine nucleotides (CHEMONTID:0001506): 0.4827516396349261, n_datos: 1</a:t>
             </a:r>
           </a:p>
         </p:txBody>
       </p:sp>
       <p:pic>
         <p:nvPicPr>
-          <p:cNvPr id="3" name="Picture 2" descr="alpha_grafica_Purine nucleotides _CHEMONTID_0001506__5.png"/>
+          <p:cNvPr id="3" name="Picture 2" descr="alpha_grafica_Purine nucleotides _CHEMONTID_0001506__3.png"/>
           <p:cNvPicPr>
             <a:picLocks noChangeAspect="1"/>
           </p:cNvPicPr>
@@ -17878,7 +18830,7 @@
           <a:p>
             <a:br/>
             <a:r>
-              <a:t>    pH1: 3.0  |  pH2: 3.0  |  Columna: Waters CORTECS UPLC C18</a:t>
+              <a:t>    pH1: 3.0  |  pH2: 3.0  |  Columna: Waters CORTECS T3</a:t>
             </a:r>
             <a:br/>
             <a:r>
@@ -17886,11 +18838,11 @@
             </a:r>
             <a:br/>
             <a:r>
-              <a:t>    Tamaño Partícula: 1.6 µm  |  Temp: 40.0°C</a:t>
-            </a:r>
-            <a:br/>
-            <a:r>
-              <a:t>    Flujo: 0.4 mL/min  |  T0: 0.55125 min</a:t>
+              <a:t>    Tamaño Partícula: 2.7 µm  |  Temp: 40.0°C</a:t>
+            </a:r>
+            <a:br/>
+            <a:r>
+              <a:t>    Flujo: 0.3 mL/min  |  T0: 0.735 min</a:t>
             </a:r>
             <a:br/>
             <a:r>
@@ -17936,18 +18888,20 @@
         </p:nvSpPr>
         <p:spPr/>
         <p:txBody>
-          <a:bodyPr/>
-          <a:lstStyle/>
-          <a:p>
-            <a:r>
-              <a:t>Ribonucleoside 3'-phosphates (CHEMONTID:0004404): 1.0, n_datos: 2</a:t>
+          <a:bodyPr>
+            <a:normAutofit fontScale="90000"/>
+          </a:bodyPr>
+          <a:lstStyle/>
+          <a:p>
+            <a:r>
+              <a:t>Purine nucleosides (CHEMONTID:0000479): 0.079119402956408, n_datos: 9</a:t>
             </a:r>
           </a:p>
         </p:txBody>
       </p:sp>
       <p:pic>
         <p:nvPicPr>
-          <p:cNvPr id="3" name="Picture 2" descr="alpha_grafica_Ribonucleoside 3_-phosphates _CHEMONTID_0004404__59.png"/>
+          <p:cNvPr id="3" name="Picture 2" descr="alpha_grafica_Purine nucleosides _CHEMONTID_0000479__57.png"/>
           <p:cNvPicPr>
             <a:picLocks noChangeAspect="1"/>
           </p:cNvPicPr>
@@ -18004,11 +18958,11 @@
           <a:p>
             <a:br/>
             <a:r>
-              <a:t>    pH1: 0.0  |  pH2: 0.0  |  Columna: Waters ACQUITY UPLC BEH Amide</a:t>
-            </a:r>
-            <a:br/>
-            <a:r>
-              <a:t>    USP Code: column.usp.code_L68  |  Longitud: 100.0 mm</a:t>
+              <a:t>    pH1: 3.5  |  pH2: 3.0  |  Columna: Waters ACQUITY UPLC BEH HILIC</a:t>
+            </a:r>
+            <a:br/>
+            <a:r>
+              <a:t>    USP Code: column.usp.code_L3  |  Longitud: 150.0 mm</a:t>
             </a:r>
             <a:br/>
             <a:r>
@@ -18016,7 +18970,7 @@
             </a:r>
             <a:br/>
             <a:r>
-              <a:t>    Flujo: 0.5 mL/min  |  T0: 0.4571959788769226 min</a:t>
+              <a:t>    Flujo: 0.6 mL/min  |  T0: 0.55125 min</a:t>
             </a:r>
             <a:br/>
             <a:r>
@@ -18062,18 +19016,20 @@
         </p:nvSpPr>
         <p:spPr/>
         <p:txBody>
-          <a:bodyPr/>
-          <a:lstStyle/>
-          <a:p>
-            <a:r>
-              <a:t>Ribonucleoside 3'-phosphates (CHEMONTID:0004404): 1.0, n_datos: 1</a:t>
+          <a:bodyPr>
+            <a:normAutofit fontScale="90000"/>
+          </a:bodyPr>
+          <a:lstStyle/>
+          <a:p>
+            <a:r>
+              <a:t>Purine nucleosides (CHEMONTID:0000479): 0.0769262951561736, n_datos: 9</a:t>
             </a:r>
           </a:p>
         </p:txBody>
       </p:sp>
       <p:pic>
         <p:nvPicPr>
-          <p:cNvPr id="3" name="Picture 2" descr="alpha_grafica_Ribonucleoside 3_-phosphates _CHEMONTID_0004404__59.png"/>
+          <p:cNvPr id="3" name="Picture 2" descr="alpha_grafica_Purine nucleosides _CHEMONTID_0000479__58.png"/>
           <p:cNvPicPr>
             <a:picLocks noChangeAspect="1"/>
           </p:cNvPicPr>
@@ -18130,19 +19086,19 @@
           <a:p>
             <a:br/>
             <a:r>
-              <a:t>    pH1: 0.0  |  pH2: 0.0  |  Columna: Waters ACQUITY UPLC BEH Amide</a:t>
-            </a:r>
-            <a:br/>
-            <a:r>
-              <a:t>    USP Code: column.usp.code_L68  |  Longitud: 100.0 mm</a:t>
-            </a:r>
-            <a:br/>
-            <a:r>
-              <a:t>    Tamaño Partícula: 1.7 µm  |  Temp: 40.0°C</a:t>
-            </a:r>
-            <a:br/>
-            <a:r>
-              <a:t>    Flujo: 0.5 mL/min  |  T0: 0.4571959788769226 min</a:t>
+              <a:t>    pH1: 0.0  |  pH2: 3.0  |  Columna: Merck SeQuant ZIC-HILIC</a:t>
+            </a:r>
+            <a:br/>
+            <a:r>
+              <a:t>    USP Code: column.usp.code_L114  |  Longitud: 145.45454545454547 mm</a:t>
+            </a:r>
+            <a:br/>
+            <a:r>
+              <a:t>    Tamaño Partícula: 4.863636363636363 µm  |  Temp: 25.0°C</a:t>
+            </a:r>
+            <a:br/>
+            <a:r>
+              <a:t>    Flujo: 0.25 mL/min  |  T0: 1.3300246658237755 min</a:t>
             </a:r>
             <a:br/>
             <a:r>
@@ -18188,18 +19144,20 @@
         </p:nvSpPr>
         <p:spPr/>
         <p:txBody>
-          <a:bodyPr/>
-          <a:lstStyle/>
-          <a:p>
-            <a:r>
-              <a:t>Ribonucleoside 3'-phosphates (CHEMONTID:0004404): 0.9530984520937156, n_datos: 1</a:t>
+          <a:bodyPr>
+            <a:normAutofit fontScale="90000"/>
+          </a:bodyPr>
+          <a:lstStyle/>
+          <a:p>
+            <a:r>
+              <a:t>Ribonucleoside 3'-phosphates (CHEMONTID:0004404): 1.0, n_datos: 2</a:t>
             </a:r>
           </a:p>
         </p:txBody>
       </p:sp>
       <p:pic>
         <p:nvPicPr>
-          <p:cNvPr id="3" name="Picture 2" descr="alpha_grafica_Ribonucleoside 3_-phosphates _CHEMONTID_0004404__61.png"/>
+          <p:cNvPr id="3" name="Picture 2" descr="alpha_grafica_Ribonucleoside 3_-phosphates _CHEMONTID_0004404__59.png"/>
           <p:cNvPicPr>
             <a:picLocks noChangeAspect="1"/>
           </p:cNvPicPr>
@@ -18256,19 +19214,19 @@
           <a:p>
             <a:br/>
             <a:r>
-              <a:t>    pH1: 0.0  |  pH2: 0.0  |  Columna: Waters ACQUITY UPLC HSS T3</a:t>
-            </a:r>
-            <a:br/>
-            <a:r>
-              <a:t>    USP Code: column.usp.code_L1  |  Longitud: 150.0 mm</a:t>
-            </a:r>
-            <a:br/>
-            <a:r>
-              <a:t>    Tamaño Partícula: 1.7 µm  |  Temp: 30.0°C</a:t>
-            </a:r>
-            <a:br/>
-            <a:r>
-              <a:t>    Flujo: 0.4 mL/min  |  T0: 0.8268749999999999 min</a:t>
+              <a:t>    pH1: 0.0  |  pH2: 0.0  |  Columna: Waters ACQUITY UPLC BEH Amide</a:t>
+            </a:r>
+            <a:br/>
+            <a:r>
+              <a:t>    USP Code: column.usp.code_L68  |  Longitud: 100.0 mm</a:t>
+            </a:r>
+            <a:br/>
+            <a:r>
+              <a:t>    Tamaño Partícula: 1.7 µm  |  Temp: 40.0°C</a:t>
+            </a:r>
+            <a:br/>
+            <a:r>
+              <a:t>    Flujo: 0.5 mL/min  |  T0: 0.4571959788769226 min</a:t>
             </a:r>
             <a:br/>
             <a:r>
@@ -18314,18 +19272,20 @@
         </p:nvSpPr>
         <p:spPr/>
         <p:txBody>
-          <a:bodyPr/>
-          <a:lstStyle/>
-          <a:p>
-            <a:r>
-              <a:t>Ribonucleoside 3'-phosphates (CHEMONTID:0004404): 0.0, n_datos: 2</a:t>
+          <a:bodyPr>
+            <a:normAutofit fontScale="90000"/>
+          </a:bodyPr>
+          <a:lstStyle/>
+          <a:p>
+            <a:r>
+              <a:t>Ribonucleoside 3'-phosphates (CHEMONTID:0004404): 1.0, n_datos: 1</a:t>
             </a:r>
           </a:p>
         </p:txBody>
       </p:sp>
       <p:pic>
         <p:nvPicPr>
-          <p:cNvPr id="3" name="Picture 2" descr="alpha_grafica_Ribonucleoside 3_-phosphates _CHEMONTID_0004404__62.png"/>
+          <p:cNvPr id="3" name="Picture 2" descr="alpha_grafica_Ribonucleoside 3_-phosphates _CHEMONTID_0004404__59.png"/>
           <p:cNvPicPr>
             <a:picLocks noChangeAspect="1"/>
           </p:cNvPicPr>
@@ -18382,19 +19342,19 @@
           <a:p>
             <a:br/>
             <a:r>
-              <a:t>    pH1: 0.0  |  pH2: 3.0  |  Columna: Merck SeQuant ZIC-HILIC</a:t>
-            </a:r>
-            <a:br/>
-            <a:r>
-              <a:t>    USP Code: column.usp.code_L114  |  Longitud: 145.45454545454547 mm</a:t>
-            </a:r>
-            <a:br/>
-            <a:r>
-              <a:t>    Tamaño Partícula: 4.863636363636363 µm  |  Temp: 25.0°C</a:t>
-            </a:r>
-            <a:br/>
-            <a:r>
-              <a:t>    Flujo: 0.25 mL/min  |  T0: 1.3300246658237755 min</a:t>
+              <a:t>    pH1: 0.0  |  pH2: 0.0  |  Columna: Waters ACQUITY UPLC BEH Amide</a:t>
+            </a:r>
+            <a:br/>
+            <a:r>
+              <a:t>    USP Code: column.usp.code_L68  |  Longitud: 100.0 mm</a:t>
+            </a:r>
+            <a:br/>
+            <a:r>
+              <a:t>    Tamaño Partícula: 1.7 µm  |  Temp: 40.0°C</a:t>
+            </a:r>
+            <a:br/>
+            <a:r>
+              <a:t>    Flujo: 0.5 mL/min  |  T0: 0.4571959788769226 min</a:t>
             </a:r>
             <a:br/>
             <a:r>
@@ -18440,18 +19400,20 @@
         </p:nvSpPr>
         <p:spPr/>
         <p:txBody>
-          <a:bodyPr/>
-          <a:lstStyle/>
-          <a:p>
-            <a:r>
-              <a:t>Ribonucleoside 3'-phosphates (CHEMONTID:0004404): 0.0, n_datos: 2</a:t>
+          <a:bodyPr>
+            <a:normAutofit fontScale="90000"/>
+          </a:bodyPr>
+          <a:lstStyle/>
+          <a:p>
+            <a:r>
+              <a:t>Ribonucleoside 3'-phosphates (CHEMONTID:0004404): 0.9530984520937156, n_datos: 1</a:t>
             </a:r>
           </a:p>
         </p:txBody>
       </p:sp>
       <p:pic>
         <p:nvPicPr>
-          <p:cNvPr id="3" name="Picture 2" descr="alpha_grafica_Ribonucleoside 3_-phosphates _CHEMONTID_0004404__63.png"/>
+          <p:cNvPr id="3" name="Picture 2" descr="alpha_grafica_Ribonucleoside 3_-phosphates _CHEMONTID_0004404__61.png"/>
           <p:cNvPicPr>
             <a:picLocks noChangeAspect="1"/>
           </p:cNvPicPr>
@@ -18508,19 +19470,19 @@
           <a:p>
             <a:br/>
             <a:r>
-              <a:t>    pH1: 3.0  |  pH2: 3.0  |  Columna: Thermo Scientific Hypersil GOLD</a:t>
-            </a:r>
-            <a:br/>
-            <a:r>
-              <a:t>    USP Code: column.usp.code_L1  |  Longitud: 113.75 mm</a:t>
-            </a:r>
-            <a:br/>
-            <a:r>
-              <a:t>    Tamaño Partícula: 1.9 µm  |  Temp: 40.0°C</a:t>
-            </a:r>
-            <a:br/>
-            <a:r>
-              <a:t>    Flujo: 0.4 mL/min  |  T0: 0.6500755324656243 min</a:t>
+              <a:t>    pH1: 0.0  |  pH2: 0.0  |  Columna: Waters ACQUITY UPLC HSS T3</a:t>
+            </a:r>
+            <a:br/>
+            <a:r>
+              <a:t>    USP Code: column.usp.code_L1  |  Longitud: 150.0 mm</a:t>
+            </a:r>
+            <a:br/>
+            <a:r>
+              <a:t>    Tamaño Partícula: 1.7 µm  |  Temp: 30.0°C</a:t>
+            </a:r>
+            <a:br/>
+            <a:r>
+              <a:t>    Flujo: 0.4 mL/min  |  T0: 0.8268749999999999 min</a:t>
             </a:r>
             <a:br/>
             <a:r>
@@ -18566,18 +19528,20 @@
         </p:nvSpPr>
         <p:spPr/>
         <p:txBody>
-          <a:bodyPr/>
-          <a:lstStyle/>
-          <a:p>
-            <a:r>
-              <a:t>5'-deoxyribonucleosides (CHEMONTID:0004502): 1.0, n_datos: 1</a:t>
+          <a:bodyPr>
+            <a:normAutofit fontScale="90000"/>
+          </a:bodyPr>
+          <a:lstStyle/>
+          <a:p>
+            <a:r>
+              <a:t>Ribonucleoside 3'-phosphates (CHEMONTID:0004404): 0.0, n_datos: 2</a:t>
             </a:r>
           </a:p>
         </p:txBody>
       </p:sp>
       <p:pic>
         <p:nvPicPr>
-          <p:cNvPr id="3" name="Picture 2" descr="alpha_grafica_5_-deoxyribonucleosides _CHEMONTID_0004502__64.png"/>
+          <p:cNvPr id="3" name="Picture 2" descr="alpha_grafica_Ribonucleoside 3_-phosphates _CHEMONTID_0004404__62.png"/>
           <p:cNvPicPr>
             <a:picLocks noChangeAspect="1"/>
           </p:cNvPicPr>
@@ -18634,19 +19598,19 @@
           <a:p>
             <a:br/>
             <a:r>
-              <a:t>    pH1: 3.0  |  pH2: 3.0  |  Columna: Merck Supelco Ascentis Express C18</a:t>
-            </a:r>
-            <a:br/>
-            <a:r>
-              <a:t>    USP Code: column.usp.code_L1  |  Longitud: 100.0 mm</a:t>
-            </a:r>
-            <a:br/>
-            <a:r>
-              <a:t>    Tamaño Partícula: 5.0 µm  |  Temp: 40.78947368421053°C</a:t>
-            </a:r>
-            <a:br/>
-            <a:r>
-              <a:t>    Flujo: 0.1 mL/min  |  T0: 2.205 min</a:t>
+              <a:t>    pH1: 0.0  |  pH2: 3.0  |  Columna: Merck SeQuant ZIC-HILIC</a:t>
+            </a:r>
+            <a:br/>
+            <a:r>
+              <a:t>    USP Code: column.usp.code_L114  |  Longitud: 145.45454545454547 mm</a:t>
+            </a:r>
+            <a:br/>
+            <a:r>
+              <a:t>    Tamaño Partícula: 4.863636363636363 µm  |  Temp: 25.0°C</a:t>
+            </a:r>
+            <a:br/>
+            <a:r>
+              <a:t>    Flujo: 0.25 mL/min  |  T0: 1.3300246658237755 min</a:t>
             </a:r>
             <a:br/>
             <a:r>
@@ -18692,18 +19656,20 @@
         </p:nvSpPr>
         <p:spPr/>
         <p:txBody>
-          <a:bodyPr/>
-          <a:lstStyle/>
-          <a:p>
-            <a:r>
-              <a:t>5'-deoxyribonucleosides (CHEMONTID:0004502): 0.8248927248166839, n_datos: 3</a:t>
+          <a:bodyPr>
+            <a:normAutofit fontScale="90000"/>
+          </a:bodyPr>
+          <a:lstStyle/>
+          <a:p>
+            <a:r>
+              <a:t>Ribonucleoside 3'-phosphates (CHEMONTID:0004404): 0.0, n_datos: 2</a:t>
             </a:r>
           </a:p>
         </p:txBody>
       </p:sp>
       <p:pic>
         <p:nvPicPr>
-          <p:cNvPr id="3" name="Picture 2" descr="alpha_grafica_5_-deoxyribonucleosides _CHEMONTID_0004502__65.png"/>
+          <p:cNvPr id="3" name="Picture 2" descr="alpha_grafica_Ribonucleoside 3_-phosphates _CHEMONTID_0004404__63.png"/>
           <p:cNvPicPr>
             <a:picLocks noChangeAspect="1"/>
           </p:cNvPicPr>
@@ -18760,19 +19726,19 @@
           <a:p>
             <a:br/>
             <a:r>
-              <a:t>    pH1: 3.0  |  pH2: 3.0  |  Columna: Restek Raptor Biphenyl</a:t>
-            </a:r>
-            <a:br/>
-            <a:r>
-              <a:t>    USP Code: column.usp.code_L11  |  Longitud: 100.0 mm</a:t>
-            </a:r>
-            <a:br/>
-            <a:r>
-              <a:t>    Tamaño Partícula: 2.7 µm  |  Temp: 40.0°C</a:t>
-            </a:r>
-            <a:br/>
-            <a:r>
-              <a:t>    Flujo: 0.4 mL/min  |  T0: 0.55125 min</a:t>
+              <a:t>    pH1: 3.0  |  pH2: 3.0  |  Columna: Thermo Scientific Hypersil GOLD</a:t>
+            </a:r>
+            <a:br/>
+            <a:r>
+              <a:t>    USP Code: column.usp.code_L1  |  Longitud: 113.75 mm</a:t>
+            </a:r>
+            <a:br/>
+            <a:r>
+              <a:t>    Tamaño Partícula: 1.9 µm  |  Temp: 40.0°C</a:t>
+            </a:r>
+            <a:br/>
+            <a:r>
+              <a:t>    Flujo: 0.4 mL/min  |  T0: 0.6500755324656243 min</a:t>
             </a:r>
             <a:br/>
             <a:r>
@@ -18818,18 +19784,20 @@
         </p:nvSpPr>
         <p:spPr/>
         <p:txBody>
-          <a:bodyPr/>
-          <a:lstStyle/>
-          <a:p>
-            <a:r>
-              <a:t>5'-deoxyribonucleosides (CHEMONTID:0004502): 0.8244285238474073, n_datos: 1</a:t>
+          <a:bodyPr>
+            <a:normAutofit fontScale="90000"/>
+          </a:bodyPr>
+          <a:lstStyle/>
+          <a:p>
+            <a:r>
+              <a:t>5'-deoxyribonucleosides (CHEMONTID:0004502): 1.0, n_datos: 1</a:t>
             </a:r>
           </a:p>
         </p:txBody>
       </p:sp>
       <p:pic>
         <p:nvPicPr>
-          <p:cNvPr id="3" name="Picture 2" descr="alpha_grafica_5_-deoxyribonucleosides _CHEMONTID_0004502__65.png"/>
+          <p:cNvPr id="3" name="Picture 2" descr="alpha_grafica_5_-deoxyribonucleosides _CHEMONTID_0004502__64.png"/>
           <p:cNvPicPr>
             <a:picLocks noChangeAspect="1"/>
           </p:cNvPicPr>
@@ -18886,19 +19854,19 @@
           <a:p>
             <a:br/>
             <a:r>
-              <a:t>    pH1: 3.0  |  pH2: 3.0  |  Columna: Restek Raptor Biphenyl</a:t>
-            </a:r>
-            <a:br/>
-            <a:r>
-              <a:t>    USP Code: column.usp.code_L11  |  Longitud: 100.0 mm</a:t>
-            </a:r>
-            <a:br/>
-            <a:r>
-              <a:t>    Tamaño Partícula: 2.7 µm  |  Temp: 40.0°C</a:t>
-            </a:r>
-            <a:br/>
-            <a:r>
-              <a:t>    Flujo: 0.4 mL/min  |  T0: 0.55125 min</a:t>
+              <a:t>    pH1: 3.0  |  pH2: 3.0  |  Columna: Merck Supelco Ascentis Express C18</a:t>
+            </a:r>
+            <a:br/>
+            <a:r>
+              <a:t>    USP Code: column.usp.code_L1  |  Longitud: 100.0 mm</a:t>
+            </a:r>
+            <a:br/>
+            <a:r>
+              <a:t>    Tamaño Partícula: 5.0 µm  |  Temp: 40.78947368421053°C</a:t>
+            </a:r>
+            <a:br/>
+            <a:r>
+              <a:t>    Flujo: 0.1 mL/min  |  T0: 2.205 min</a:t>
             </a:r>
             <a:br/>
             <a:r>
@@ -18944,11 +19912,13 @@
         </p:nvSpPr>
         <p:spPr/>
         <p:txBody>
-          <a:bodyPr/>
-          <a:lstStyle/>
-          <a:p>
-            <a:r>
-              <a:t>5'-deoxyribonucleosides (CHEMONTID:0004502): 0.6631736298601263, n_datos: 1</a:t>
+          <a:bodyPr>
+            <a:normAutofit fontScale="90000"/>
+          </a:bodyPr>
+          <a:lstStyle/>
+          <a:p>
+            <a:r>
+              <a:t>5'-deoxyribonucleosides (CHEMONTID:0004502): 0.8248927248166839, n_datos: 3</a:t>
             </a:r>
           </a:p>
         </p:txBody>
@@ -19012,15 +19982,15 @@
           <a:p>
             <a:br/>
             <a:r>
-              <a:t>    pH1: 3.0  |  pH2: 3.0  |  Columna: Phenomenex Kinetex XB-C18</a:t>
-            </a:r>
-            <a:br/>
-            <a:r>
-              <a:t>    USP Code: column.usp.code_L1  |  Longitud: 100.0 mm</a:t>
-            </a:r>
-            <a:br/>
-            <a:r>
-              <a:t>    Tamaño Partícula: 1.7 µm  |  Temp: 40.0°C</a:t>
+              <a:t>    pH1: 3.0  |  pH2: 3.0  |  Columna: Restek Raptor Biphenyl</a:t>
+            </a:r>
+            <a:br/>
+            <a:r>
+              <a:t>    USP Code: column.usp.code_L11  |  Longitud: 100.0 mm</a:t>
+            </a:r>
+            <a:br/>
+            <a:r>
+              <a:t>    Tamaño Partícula: 2.7 µm  |  Temp: 40.0°C</a:t>
             </a:r>
             <a:br/>
             <a:r>
@@ -19070,11 +20040,13 @@
         </p:nvSpPr>
         <p:spPr/>
         <p:txBody>
-          <a:bodyPr/>
-          <a:lstStyle/>
-          <a:p>
-            <a:r>
-              <a:t>5'-deoxyribonucleosides (CHEMONTID:0004502): 0.6132033740600072, n_datos: 1</a:t>
+          <a:bodyPr>
+            <a:normAutofit fontScale="90000"/>
+          </a:bodyPr>
+          <a:lstStyle/>
+          <a:p>
+            <a:r>
+              <a:t>5'-deoxyribonucleosides (CHEMONTID:0004502): 0.8244285238474073, n_datos: 1</a:t>
             </a:r>
           </a:p>
         </p:txBody>
@@ -19138,15 +20110,15 @@
           <a:p>
             <a:br/>
             <a:r>
-              <a:t>    pH1: 3.0  |  pH2: 3.0  |  Columna: Phenomenex Kinetex XB-C18</a:t>
-            </a:r>
-            <a:br/>
-            <a:r>
-              <a:t>    USP Code: column.usp.code_L1  |  Longitud: 100.0 mm</a:t>
-            </a:r>
-            <a:br/>
-            <a:r>
-              <a:t>    Tamaño Partícula: 1.7 µm  |  Temp: 50.0°C</a:t>
+              <a:t>    pH1: 3.0  |  pH2: 3.0  |  Columna: Restek Raptor Biphenyl</a:t>
+            </a:r>
+            <a:br/>
+            <a:r>
+              <a:t>    USP Code: column.usp.code_L11  |  Longitud: 100.0 mm</a:t>
+            </a:r>
+            <a:br/>
+            <a:r>
+              <a:t>    Tamaño Partícula: 2.7 µm  |  Temp: 40.0°C</a:t>
             </a:r>
             <a:br/>
             <a:r>
@@ -19196,11 +20168,13 @@
         </p:nvSpPr>
         <p:spPr/>
         <p:txBody>
-          <a:bodyPr/>
-          <a:lstStyle/>
-          <a:p>
-            <a:r>
-              <a:t>Purine nucleotides (CHEMONTID:0001506): 0.3346492607882939, n_datos: 3</a:t>
+          <a:bodyPr>
+            <a:normAutofit fontScale="90000"/>
+          </a:bodyPr>
+          <a:lstStyle/>
+          <a:p>
+            <a:r>
+              <a:t>Purine nucleotides (CHEMONTID:0001506): 0.4521458869990167, n_datos: 3</a:t>
             </a:r>
           </a:p>
         </p:txBody>
@@ -19322,18 +20296,20 @@
         </p:nvSpPr>
         <p:spPr/>
         <p:txBody>
-          <a:bodyPr/>
-          <a:lstStyle/>
-          <a:p>
-            <a:r>
-              <a:t>5'-deoxyribonucleosides (CHEMONTID:0004502): 0.2908765805852263, n_datos: 2</a:t>
+          <a:bodyPr>
+            <a:normAutofit fontScale="90000"/>
+          </a:bodyPr>
+          <a:lstStyle/>
+          <a:p>
+            <a:r>
+              <a:t>5'-deoxyribonucleosides (CHEMONTID:0004502): 0.6631736298601263, n_datos: 1</a:t>
             </a:r>
           </a:p>
         </p:txBody>
       </p:sp>
       <p:pic>
         <p:nvPicPr>
-          <p:cNvPr id="3" name="Picture 2" descr="alpha_grafica_5_-deoxyribonucleosides _CHEMONTID_0004502__69.png"/>
+          <p:cNvPr id="3" name="Picture 2" descr="alpha_grafica_5_-deoxyribonucleosides _CHEMONTID_0004502__65.png"/>
           <p:cNvPicPr>
             <a:picLocks noChangeAspect="1"/>
           </p:cNvPicPr>
@@ -19390,7 +20366,7 @@
           <a:p>
             <a:br/>
             <a:r>
-              <a:t>    pH1: 3.0  |  pH2: 3.0  |  Columna: Merck Supelco Ascentis Express C18</a:t>
+              <a:t>    pH1: 3.0  |  pH2: 3.0  |  Columna: Phenomenex Kinetex XB-C18</a:t>
             </a:r>
             <a:br/>
             <a:r>
@@ -19398,7 +20374,7 @@
             </a:r>
             <a:br/>
             <a:r>
-              <a:t>    Tamaño Partícula: 2.0 µm  |  Temp: 40.0°C</a:t>
+              <a:t>    Tamaño Partícula: 1.7 µm  |  Temp: 40.0°C</a:t>
             </a:r>
             <a:br/>
             <a:r>
@@ -19448,11 +20424,13 @@
         </p:nvSpPr>
         <p:spPr/>
         <p:txBody>
-          <a:bodyPr/>
-          <a:lstStyle/>
-          <a:p>
-            <a:r>
-              <a:t>5'-deoxyribonucleosides (CHEMONTID:0004502): 0.274704906227498, n_datos: 3</a:t>
+          <a:bodyPr>
+            <a:normAutofit fontScale="90000"/>
+          </a:bodyPr>
+          <a:lstStyle/>
+          <a:p>
+            <a:r>
+              <a:t>5'-deoxyribonucleosides (CHEMONTID:0004502): 0.6132033740600072, n_datos: 1</a:t>
             </a:r>
           </a:p>
         </p:txBody>
@@ -19524,7 +20502,7 @@
             </a:r>
             <a:br/>
             <a:r>
-              <a:t>    Tamaño Partícula: 1.7 µm  |  Temp: 40.0°C</a:t>
+              <a:t>    Tamaño Partícula: 1.7 µm  |  Temp: 50.0°C</a:t>
             </a:r>
             <a:br/>
             <a:r>
@@ -19574,11 +20552,13 @@
         </p:nvSpPr>
         <p:spPr/>
         <p:txBody>
-          <a:bodyPr/>
-          <a:lstStyle/>
-          <a:p>
-            <a:r>
-              <a:t>5'-deoxyribonucleosides (CHEMONTID:0004502): 0.2427821860659252, n_datos: 3</a:t>
+          <a:bodyPr>
+            <a:normAutofit fontScale="90000"/>
+          </a:bodyPr>
+          <a:lstStyle/>
+          <a:p>
+            <a:r>
+              <a:t>5'-deoxyribonucleosides (CHEMONTID:0004502): 0.2908765805852263, n_datos: 2</a:t>
             </a:r>
           </a:p>
         </p:txBody>
@@ -19700,18 +20680,20 @@
         </p:nvSpPr>
         <p:spPr/>
         <p:txBody>
-          <a:bodyPr/>
-          <a:lstStyle/>
-          <a:p>
-            <a:r>
-              <a:t>5'-deoxyribonucleosides (CHEMONTID:0004502): 0.2406040582006619, n_datos: 2</a:t>
+          <a:bodyPr>
+            <a:normAutofit fontScale="90000"/>
+          </a:bodyPr>
+          <a:lstStyle/>
+          <a:p>
+            <a:r>
+              <a:t>5'-deoxyribonucleosides (CHEMONTID:0004502): 0.274704906227498, n_datos: 3</a:t>
             </a:r>
           </a:p>
         </p:txBody>
       </p:sp>
       <p:pic>
         <p:nvPicPr>
-          <p:cNvPr id="3" name="Picture 2" descr="alpha_grafica_5_-deoxyribonucleosides _CHEMONTID_0004502__72.png"/>
+          <p:cNvPr id="3" name="Picture 2" descr="alpha_grafica_5_-deoxyribonucleosides _CHEMONTID_0004502__65.png"/>
           <p:cNvPicPr>
             <a:picLocks noChangeAspect="1"/>
           </p:cNvPicPr>
@@ -19768,19 +20750,19 @@
           <a:p>
             <a:br/>
             <a:r>
-              <a:t>    pH1: 3.0  |  pH2: 3.0  |  Columna: Waters ACQUITY UPLC HSS T3</a:t>
-            </a:r>
-            <a:br/>
-            <a:r>
-              <a:t>    USP Code: column.usp.code_L1  |  Longitud: 150.0 mm</a:t>
-            </a:r>
-            <a:br/>
-            <a:r>
-              <a:t>    Tamaño Partícula: 1.8 µm  |  Temp: 45.0°C</a:t>
-            </a:r>
-            <a:br/>
-            <a:r>
-              <a:t>    Flujo: 0.6 mL/min  |  T0: 0.55125 min</a:t>
+              <a:t>    pH1: 3.0  |  pH2: 3.0  |  Columna: Phenomenex Kinetex XB-C18</a:t>
+            </a:r>
+            <a:br/>
+            <a:r>
+              <a:t>    USP Code: column.usp.code_L1  |  Longitud: 100.0 mm</a:t>
+            </a:r>
+            <a:br/>
+            <a:r>
+              <a:t>    Tamaño Partícula: 1.7 µm  |  Temp: 40.0°C</a:t>
+            </a:r>
+            <a:br/>
+            <a:r>
+              <a:t>    Flujo: 0.4 mL/min  |  T0: 0.55125 min</a:t>
             </a:r>
             <a:br/>
             <a:r>
@@ -19826,11 +20808,13 @@
         </p:nvSpPr>
         <p:spPr/>
         <p:txBody>
-          <a:bodyPr/>
-          <a:lstStyle/>
-          <a:p>
-            <a:r>
-              <a:t>5'-deoxyribonucleosides (CHEMONTID:0004502): 0.2366213530839093, n_datos: 2</a:t>
+          <a:bodyPr>
+            <a:normAutofit fontScale="90000"/>
+          </a:bodyPr>
+          <a:lstStyle/>
+          <a:p>
+            <a:r>
+              <a:t>5'-deoxyribonucleosides (CHEMONTID:0004502): 0.2427821860659252, n_datos: 3</a:t>
             </a:r>
           </a:p>
         </p:txBody>
@@ -19902,11 +20886,11 @@
             </a:r>
             <a:br/>
             <a:r>
-              <a:t>    Tamaño Partícula: 2.0 µm  |  Temp: 41.0°C</a:t>
-            </a:r>
-            <a:br/>
-            <a:r>
-              <a:t>    Flujo: 0.3 mL/min  |  T0: 0.735 min</a:t>
+              <a:t>    Tamaño Partícula: 2.0 µm  |  Temp: 40.0°C</a:t>
+            </a:r>
+            <a:br/>
+            <a:r>
+              <a:t>    Flujo: 0.4 mL/min  |  T0: 0.55125 min</a:t>
             </a:r>
             <a:br/>
             <a:r>
@@ -19952,18 +20936,20 @@
         </p:nvSpPr>
         <p:spPr/>
         <p:txBody>
-          <a:bodyPr/>
-          <a:lstStyle/>
-          <a:p>
-            <a:r>
-              <a:t>Nucleoside and nucleotide analogues (CHEMONTID:0003737): 1.0, n_datos: 1</a:t>
+          <a:bodyPr>
+            <a:normAutofit fontScale="90000"/>
+          </a:bodyPr>
+          <a:lstStyle/>
+          <a:p>
+            <a:r>
+              <a:t>5'-deoxyribonucleosides (CHEMONTID:0004502): 0.2406040582006619, n_datos: 2</a:t>
             </a:r>
           </a:p>
         </p:txBody>
       </p:sp>
       <p:pic>
         <p:nvPicPr>
-          <p:cNvPr id="3" name="Picture 2" descr="alpha_grafica_Nucleoside and nucleotide analogues _CHEMONTID_0003737__74.png"/>
+          <p:cNvPr id="3" name="Picture 2" descr="alpha_grafica_5_-deoxyribonucleosides _CHEMONTID_0004502__72.png"/>
           <p:cNvPicPr>
             <a:picLocks noChangeAspect="1"/>
           </p:cNvPicPr>
@@ -20020,19 +21006,19 @@
           <a:p>
             <a:br/>
             <a:r>
-              <a:t>    pH1: 2.6  |  pH2: 0.0  |  Columna: Waters ACQUITY UPLC BEH C18</a:t>
-            </a:r>
-            <a:br/>
-            <a:r>
-              <a:t>    USP Code: column.usp.code_L1  |  Longitud: 50.0 mm</a:t>
-            </a:r>
-            <a:br/>
-            <a:r>
-              <a:t>    Tamaño Partícula: 1.7 µm  |  Temp: 40.0°C</a:t>
-            </a:r>
-            <a:br/>
-            <a:r>
-              <a:t>    Flujo: 0.6 mL/min  |  T0: 0.18375 min</a:t>
+              <a:t>    pH1: 3.0  |  pH2: 3.0  |  Columna: Waters ACQUITY UPLC HSS T3</a:t>
+            </a:r>
+            <a:br/>
+            <a:r>
+              <a:t>    USP Code: column.usp.code_L1  |  Longitud: 150.0 mm</a:t>
+            </a:r>
+            <a:br/>
+            <a:r>
+              <a:t>    Tamaño Partícula: 1.8 µm  |  Temp: 45.0°C</a:t>
+            </a:r>
+            <a:br/>
+            <a:r>
+              <a:t>    Flujo: 0.6 mL/min  |  T0: 0.55125 min</a:t>
             </a:r>
             <a:br/>
             <a:r>
@@ -20078,18 +21064,20 @@
         </p:nvSpPr>
         <p:spPr/>
         <p:txBody>
-          <a:bodyPr/>
-          <a:lstStyle/>
-          <a:p>
-            <a:r>
-              <a:t>Nucleoside and nucleotide analogues (CHEMONTID:0003737): 0.7182265184394628, n_datos: 1</a:t>
+          <a:bodyPr>
+            <a:normAutofit fontScale="90000"/>
+          </a:bodyPr>
+          <a:lstStyle/>
+          <a:p>
+            <a:r>
+              <a:t>5'-deoxyribonucleosides (CHEMONTID:0004502): 0.2366213530839093, n_datos: 2</a:t>
             </a:r>
           </a:p>
         </p:txBody>
       </p:sp>
       <p:pic>
         <p:nvPicPr>
-          <p:cNvPr id="3" name="Picture 2" descr="alpha_grafica_Nucleoside and nucleotide analogues _CHEMONTID_0003737__75.png"/>
+          <p:cNvPr id="3" name="Picture 2" descr="alpha_grafica_5_-deoxyribonucleosides _CHEMONTID_0004502__69.png"/>
           <p:cNvPicPr>
             <a:picLocks noChangeAspect="1"/>
           </p:cNvPicPr>
@@ -20146,19 +21134,19 @@
           <a:p>
             <a:br/>
             <a:r>
-              <a:t>    pH1: 0.0  |  pH2: 0.0  |  Columna: Waters ACQUITY UPLC BEH Amide</a:t>
-            </a:r>
-            <a:br/>
-            <a:r>
-              <a:t>    USP Code: column.usp.code_L68  |  Longitud: 100.0 mm</a:t>
-            </a:r>
-            <a:br/>
-            <a:r>
-              <a:t>    Tamaño Partícula: 1.7 µm  |  Temp: 40.0°C</a:t>
-            </a:r>
-            <a:br/>
-            <a:r>
-              <a:t>    Flujo: 0.5 mL/min  |  T0: 0.4571959788769226 min</a:t>
+              <a:t>    pH1: 3.0  |  pH2: 3.0  |  Columna: Merck Supelco Ascentis Express C18</a:t>
+            </a:r>
+            <a:br/>
+            <a:r>
+              <a:t>    USP Code: column.usp.code_L1  |  Longitud: 100.0 mm</a:t>
+            </a:r>
+            <a:br/>
+            <a:r>
+              <a:t>    Tamaño Partícula: 2.0 µm  |  Temp: 41.0°C</a:t>
+            </a:r>
+            <a:br/>
+            <a:r>
+              <a:t>    Flujo: 0.3 mL/min  |  T0: 0.735 min</a:t>
             </a:r>
             <a:br/>
             <a:r>
@@ -20204,18 +21192,20 @@
         </p:nvSpPr>
         <p:spPr/>
         <p:txBody>
-          <a:bodyPr/>
-          <a:lstStyle/>
-          <a:p>
-            <a:r>
-              <a:t>Nucleoside and nucleotide analogues (CHEMONTID:0003737): 0.7182265184394628, n_datos: 1</a:t>
+          <a:bodyPr>
+            <a:normAutofit fontScale="90000"/>
+          </a:bodyPr>
+          <a:lstStyle/>
+          <a:p>
+            <a:r>
+              <a:t>Nucleoside and nucleotide analogues (CHEMONTID:0003737): 1.0, n_datos: 1</a:t>
             </a:r>
           </a:p>
         </p:txBody>
       </p:sp>
       <p:pic>
         <p:nvPicPr>
-          <p:cNvPr id="3" name="Picture 2" descr="alpha_grafica_Nucleoside and nucleotide analogues _CHEMONTID_0003737__75.png"/>
+          <p:cNvPr id="3" name="Picture 2" descr="alpha_grafica_Nucleoside and nucleotide analogues _CHEMONTID_0003737__74.png"/>
           <p:cNvPicPr>
             <a:picLocks noChangeAspect="1"/>
           </p:cNvPicPr>
@@ -20272,11 +21262,11 @@
           <a:p>
             <a:br/>
             <a:r>
-              <a:t>    pH1: 0.0  |  pH2: 0.0  |  Columna: Waters ACQUITY UPLC BEH Amide</a:t>
-            </a:r>
-            <a:br/>
-            <a:r>
-              <a:t>    USP Code: column.usp.code_L68  |  Longitud: 100.0 mm</a:t>
+              <a:t>    pH1: 2.6  |  pH2: 0.0  |  Columna: Waters ACQUITY UPLC BEH C18</a:t>
+            </a:r>
+            <a:br/>
+            <a:r>
+              <a:t>    USP Code: column.usp.code_L1  |  Longitud: 50.0 mm</a:t>
             </a:r>
             <a:br/>
             <a:r>
@@ -20284,7 +21274,7 @@
             </a:r>
             <a:br/>
             <a:r>
-              <a:t>    Flujo: 0.5 mL/min  |  T0: 0.4571959788769226 min</a:t>
+              <a:t>    Flujo: 0.6 mL/min  |  T0: 0.18375 min</a:t>
             </a:r>
             <a:br/>
             <a:r>
@@ -20330,18 +21320,20 @@
         </p:nvSpPr>
         <p:spPr/>
         <p:txBody>
-          <a:bodyPr/>
-          <a:lstStyle/>
-          <a:p>
-            <a:r>
-              <a:t>Nucleoside and nucleotide analogues (CHEMONTID:0003737): 0.3570347930302097, n_datos: 1</a:t>
+          <a:bodyPr>
+            <a:normAutofit fontScale="90000"/>
+          </a:bodyPr>
+          <a:lstStyle/>
+          <a:p>
+            <a:r>
+              <a:t>Nucleoside and nucleotide analogues (CHEMONTID:0003737): 0.7182265184394628, n_datos: 1</a:t>
             </a:r>
           </a:p>
         </p:txBody>
       </p:sp>
       <p:pic>
         <p:nvPicPr>
-          <p:cNvPr id="3" name="Picture 2" descr="alpha_grafica_Nucleoside and nucleotide analogues _CHEMONTID_0003737__77.png"/>
+          <p:cNvPr id="3" name="Picture 2" descr="alpha_grafica_Nucleoside and nucleotide analogues _CHEMONTID_0003737__75.png"/>
           <p:cNvPicPr>
             <a:picLocks noChangeAspect="1"/>
           </p:cNvPicPr>
@@ -20398,19 +21390,19 @@
           <a:p>
             <a:br/>
             <a:r>
-              <a:t>    pH1: 3.0  |  pH2: 3.0  |  Columna: Agilent ZORBAX Extend-C18</a:t>
-            </a:r>
-            <a:br/>
-            <a:r>
-              <a:t>    USP Code: column.usp.code_L1  |  Longitud: 50.0 mm</a:t>
-            </a:r>
-            <a:br/>
-            <a:r>
-              <a:t>    Tamaño Partícula: 1.8 µm  |  Temp: 35.0°C</a:t>
-            </a:r>
-            <a:br/>
-            <a:r>
-              <a:t>    Flujo: 0.1 mL/min  |  T0: 1.1025 min</a:t>
+              <a:t>    pH1: 0.0  |  pH2: 0.0  |  Columna: Waters ACQUITY UPLC BEH Amide</a:t>
+            </a:r>
+            <a:br/>
+            <a:r>
+              <a:t>    USP Code: column.usp.code_L68  |  Longitud: 100.0 mm</a:t>
+            </a:r>
+            <a:br/>
+            <a:r>
+              <a:t>    Tamaño Partícula: 1.7 µm  |  Temp: 40.0°C</a:t>
+            </a:r>
+            <a:br/>
+            <a:r>
+              <a:t>    Flujo: 0.5 mL/min  |  T0: 0.4571959788769226 min</a:t>
             </a:r>
             <a:br/>
             <a:r>
@@ -20456,18 +21448,20 @@
         </p:nvSpPr>
         <p:spPr/>
         <p:txBody>
-          <a:bodyPr/>
-          <a:lstStyle/>
-          <a:p>
-            <a:r>
-              <a:t>Nucleoside and nucleotide analogues (CHEMONTID:0003737): 0.2841602536063381, n_datos: 4</a:t>
+          <a:bodyPr>
+            <a:normAutofit fontScale="90000"/>
+          </a:bodyPr>
+          <a:lstStyle/>
+          <a:p>
+            <a:r>
+              <a:t>Nucleoside and nucleotide analogues (CHEMONTID:0003737): 0.7182265184394628, n_datos: 1</a:t>
             </a:r>
           </a:p>
         </p:txBody>
       </p:sp>
       <p:pic>
         <p:nvPicPr>
-          <p:cNvPr id="3" name="Picture 2" descr="alpha_grafica_Nucleoside and nucleotide analogues _CHEMONTID_0003737__78.png"/>
+          <p:cNvPr id="3" name="Picture 2" descr="alpha_grafica_Nucleoside and nucleotide analogues _CHEMONTID_0003737__75.png"/>
           <p:cNvPicPr>
             <a:picLocks noChangeAspect="1"/>
           </p:cNvPicPr>
@@ -20524,19 +21518,19 @@
           <a:p>
             <a:br/>
             <a:r>
-              <a:t>    pH1: 6.2  |  pH2: 6.2  |  Columna: Thermo Scientific Acclaim RSLC 120 C18</a:t>
-            </a:r>
-            <a:br/>
-            <a:r>
-              <a:t>    USP Code: column.usp.code_L1  |  Longitud: 100.0 mm</a:t>
-            </a:r>
-            <a:br/>
-            <a:r>
-              <a:t>    Tamaño Partícula: 2.2 µm  |  Temp: 30.0°C</a:t>
-            </a:r>
-            <a:br/>
-            <a:r>
-              <a:t>    Flujo: 0.2 mL/min  |  T0: 1.1025 min</a:t>
+              <a:t>    pH1: 0.0  |  pH2: 0.0  |  Columna: Waters ACQUITY UPLC BEH Amide</a:t>
+            </a:r>
+            <a:br/>
+            <a:r>
+              <a:t>    USP Code: column.usp.code_L68  |  Longitud: 100.0 mm</a:t>
+            </a:r>
+            <a:br/>
+            <a:r>
+              <a:t>    Tamaño Partícula: 1.7 µm  |  Temp: 40.0°C</a:t>
+            </a:r>
+            <a:br/>
+            <a:r>
+              <a:t>    Flujo: 0.5 mL/min  |  T0: 0.4571959788769226 min</a:t>
             </a:r>
             <a:br/>
             <a:r>
@@ -20582,18 +21576,20 @@
         </p:nvSpPr>
         <p:spPr/>
         <p:txBody>
-          <a:bodyPr/>
-          <a:lstStyle/>
-          <a:p>
-            <a:r>
-              <a:t>Flavin nucleotides (CHEMONTID:0001329): 1.0, n_datos: 2</a:t>
+          <a:bodyPr>
+            <a:normAutofit fontScale="90000"/>
+          </a:bodyPr>
+          <a:lstStyle/>
+          <a:p>
+            <a:r>
+              <a:t>Purine nucleotides (CHEMONTID:0001506): 0.3395016613769094, n_datos: 3</a:t>
             </a:r>
           </a:p>
         </p:txBody>
       </p:sp>
       <p:pic>
         <p:nvPicPr>
-          <p:cNvPr id="3" name="Picture 2" descr="alpha_grafica_Flavin nucleotides _CHEMONTID_0001329__7.png"/>
+          <p:cNvPr id="3" name="Picture 2" descr="alpha_grafica_Purine nucleotides _CHEMONTID_0001506__5.png"/>
           <p:cNvPicPr>
             <a:picLocks noChangeAspect="1"/>
           </p:cNvPicPr>
@@ -20650,7 +21646,7 @@
           <a:p>
             <a:br/>
             <a:r>
-              <a:t>    pH1: 3.0  |  pH2: 3.0  |  Columna: Waters ACQUITY UPLC HSS T3</a:t>
+              <a:t>    pH1: 3.0  |  pH2: 3.0  |  Columna: Waters CORTECS UPLC C18</a:t>
             </a:r>
             <a:br/>
             <a:r>
@@ -20658,11 +21654,11 @@
             </a:r>
             <a:br/>
             <a:r>
-              <a:t>    Tamaño Partícula: 1.8 µm  |  Temp: 30.0°C</a:t>
-            </a:r>
-            <a:br/>
-            <a:r>
-              <a:t>    Flujo: 0.3 mL/min  |  T0: 0.735 min</a:t>
+              <a:t>    Tamaño Partícula: 1.6 µm  |  Temp: 40.0°C</a:t>
+            </a:r>
+            <a:br/>
+            <a:r>
+              <a:t>    Flujo: 0.4 mL/min  |  T0: 0.55125 min</a:t>
             </a:r>
             <a:br/>
             <a:r>
@@ -20708,18 +21704,20 @@
         </p:nvSpPr>
         <p:spPr/>
         <p:txBody>
-          <a:bodyPr/>
-          <a:lstStyle/>
-          <a:p>
-            <a:r>
-              <a:t>Nucleoside and nucleotide analogues (CHEMONTID:0003737): 0.2346468451646763, n_datos: 3</a:t>
+          <a:bodyPr>
+            <a:normAutofit fontScale="90000"/>
+          </a:bodyPr>
+          <a:lstStyle/>
+          <a:p>
+            <a:r>
+              <a:t>Nucleoside and nucleotide analogues (CHEMONTID:0003737): 0.3570347930302097, n_datos: 1</a:t>
             </a:r>
           </a:p>
         </p:txBody>
       </p:sp>
       <p:pic>
         <p:nvPicPr>
-          <p:cNvPr id="3" name="Picture 2" descr="alpha_grafica_Nucleoside and nucleotide analogues _CHEMONTID_0003737__74.png"/>
+          <p:cNvPr id="3" name="Picture 2" descr="alpha_grafica_Nucleoside and nucleotide analogues _CHEMONTID_0003737__77.png"/>
           <p:cNvPicPr>
             <a:picLocks noChangeAspect="1"/>
           </p:cNvPicPr>
@@ -20776,7 +21774,7 @@
           <a:p>
             <a:br/>
             <a:r>
-              <a:t>    pH1: 2.6  |  pH2: 0.0  |  Columna: Waters ACQUITY UPLC BEH C18</a:t>
+              <a:t>    pH1: 3.0  |  pH2: 3.0  |  Columna: Agilent ZORBAX Extend-C18</a:t>
             </a:r>
             <a:br/>
             <a:r>
@@ -20784,11 +21782,11 @@
             </a:r>
             <a:br/>
             <a:r>
-              <a:t>    Tamaño Partícula: 1.7 µm  |  Temp: 40.0°C</a:t>
-            </a:r>
-            <a:br/>
-            <a:r>
-              <a:t>    Flujo: 0.6 mL/min  |  T0: 0.18375 min</a:t>
+              <a:t>    Tamaño Partícula: 1.8 µm  |  Temp: 35.0°C</a:t>
+            </a:r>
+            <a:br/>
+            <a:r>
+              <a:t>    Flujo: 0.1 mL/min  |  T0: 1.1025 min</a:t>
             </a:r>
             <a:br/>
             <a:r>
@@ -20834,18 +21832,20 @@
         </p:nvSpPr>
         <p:spPr/>
         <p:txBody>
-          <a:bodyPr/>
-          <a:lstStyle/>
-          <a:p>
-            <a:r>
-              <a:t>Nucleoside and nucleotide analogues (CHEMONTID:0003737): 0.0, n_datos: 3</a:t>
+          <a:bodyPr>
+            <a:normAutofit fontScale="90000"/>
+          </a:bodyPr>
+          <a:lstStyle/>
+          <a:p>
+            <a:r>
+              <a:t>Nucleoside and nucleotide analogues (CHEMONTID:0003737): 0.2841602536063381, n_datos: 4</a:t>
             </a:r>
           </a:p>
         </p:txBody>
       </p:sp>
       <p:pic>
         <p:nvPicPr>
-          <p:cNvPr id="3" name="Picture 2" descr="alpha_grafica_Nucleoside and nucleotide analogues _CHEMONTID_0003737__80.png"/>
+          <p:cNvPr id="3" name="Picture 2" descr="alpha_grafica_Nucleoside and nucleotide analogues _CHEMONTID_0003737__78.png"/>
           <p:cNvPicPr>
             <a:picLocks noChangeAspect="1"/>
           </p:cNvPicPr>
@@ -20902,19 +21902,19 @@
           <a:p>
             <a:br/>
             <a:r>
-              <a:t>    pH1: 0.0  |  pH2: 0.0  |  Columna: Hichrom Alltima HP C18</a:t>
-            </a:r>
-            <a:br/>
-            <a:r>
-              <a:t>    USP Code: column.usp.code_L1  |  Longitud: 150.0 mm</a:t>
-            </a:r>
-            <a:br/>
-            <a:r>
-              <a:t>    Tamaño Partícula: 3.0 µm  |  Temp: 38.90990990990991°C</a:t>
-            </a:r>
-            <a:br/>
-            <a:r>
-              <a:t>    Flujo: 0.2 mL/min  |  T0: 1.6537499999999998 min</a:t>
+              <a:t>    pH1: 6.2  |  pH2: 6.2  |  Columna: Thermo Scientific Acclaim RSLC 120 C18</a:t>
+            </a:r>
+            <a:br/>
+            <a:r>
+              <a:t>    USP Code: column.usp.code_L1  |  Longitud: 100.0 mm</a:t>
+            </a:r>
+            <a:br/>
+            <a:r>
+              <a:t>    Tamaño Partícula: 2.2 µm  |  Temp: 30.0°C</a:t>
+            </a:r>
+            <a:br/>
+            <a:r>
+              <a:t>    Flujo: 0.2 mL/min  |  T0: 1.1025 min</a:t>
             </a:r>
             <a:br/>
             <a:r>
@@ -20960,18 +21960,20 @@
         </p:nvSpPr>
         <p:spPr/>
         <p:txBody>
-          <a:bodyPr/>
-          <a:lstStyle/>
-          <a:p>
-            <a:r>
-              <a:t>Nucleoside and nucleotide analogues (CHEMONTID:0003737): 0.0, n_datos: 1</a:t>
+          <a:bodyPr>
+            <a:normAutofit fontScale="90000"/>
+          </a:bodyPr>
+          <a:lstStyle/>
+          <a:p>
+            <a:r>
+              <a:t>Nucleoside and nucleotide analogues (CHEMONTID:0003737): 0.2346468451646763, n_datos: 3</a:t>
             </a:r>
           </a:p>
         </p:txBody>
       </p:sp>
       <p:pic>
         <p:nvPicPr>
-          <p:cNvPr id="3" name="Picture 2" descr="alpha_grafica_Nucleoside and nucleotide analogues _CHEMONTID_0003737__81.png"/>
+          <p:cNvPr id="3" name="Picture 2" descr="alpha_grafica_Nucleoside and nucleotide analogues _CHEMONTID_0003737__74.png"/>
           <p:cNvPicPr>
             <a:picLocks noChangeAspect="1"/>
           </p:cNvPicPr>
@@ -21028,19 +22030,19 @@
           <a:p>
             <a:br/>
             <a:r>
-              <a:t>    pH1: 0.0  |  pH2: 0.0  |  Columna: Waters ACQUITY UPLC HSS T3</a:t>
-            </a:r>
-            <a:br/>
-            <a:r>
-              <a:t>    USP Code: column.usp.code_L1  |  Longitud: 113.15789473684212 mm</a:t>
-            </a:r>
-            <a:br/>
-            <a:r>
-              <a:t>    Tamaño Partícula: 1.788888888888889 µm  |  Temp: 38.75°C</a:t>
-            </a:r>
-            <a:br/>
-            <a:r>
-              <a:t>    Flujo: 0.4 mL/min  |  T0: 0.6083778765146708 min</a:t>
+              <a:t>    pH1: 2.6  |  pH2: 0.0  |  Columna: Waters ACQUITY UPLC BEH C18</a:t>
+            </a:r>
+            <a:br/>
+            <a:r>
+              <a:t>    USP Code: column.usp.code_L1  |  Longitud: 50.0 mm</a:t>
+            </a:r>
+            <a:br/>
+            <a:r>
+              <a:t>    Tamaño Partícula: 1.7 µm  |  Temp: 40.0°C</a:t>
+            </a:r>
+            <a:br/>
+            <a:r>
+              <a:t>    Flujo: 0.6 mL/min  |  T0: 0.18375 min</a:t>
             </a:r>
             <a:br/>
             <a:r>
@@ -21086,18 +22088,20 @@
         </p:nvSpPr>
         <p:spPr/>
         <p:txBody>
-          <a:bodyPr/>
-          <a:lstStyle/>
-          <a:p>
-            <a:r>
-              <a:t>Nucleoside and nucleotide analogues (CHEMONTID:0003737): 0.0, n_datos: 1</a:t>
+          <a:bodyPr>
+            <a:normAutofit fontScale="90000"/>
+          </a:bodyPr>
+          <a:lstStyle/>
+          <a:p>
+            <a:r>
+              <a:t>Nucleoside and nucleotide analogues (CHEMONTID:0003737): 0.0, n_datos: 3</a:t>
             </a:r>
           </a:p>
         </p:txBody>
       </p:sp>
       <p:pic>
         <p:nvPicPr>
-          <p:cNvPr id="3" name="Picture 2" descr="alpha_grafica_Nucleoside and nucleotide analogues _CHEMONTID_0003737__82.png"/>
+          <p:cNvPr id="3" name="Picture 2" descr="alpha_grafica_Nucleoside and nucleotide analogues _CHEMONTID_0003737__80.png"/>
           <p:cNvPicPr>
             <a:picLocks noChangeAspect="1"/>
           </p:cNvPicPr>
@@ -21154,19 +22158,19 @@
           <a:p>
             <a:br/>
             <a:r>
-              <a:t>    pH1: 3.0  |  pH2: 3.0  |  Columna: Waters ACQUITY UPLC BEH C18</a:t>
-            </a:r>
-            <a:br/>
-            <a:r>
-              <a:t>    USP Code: column.usp.code_L1  |  Longitud: 100.0 mm</a:t>
-            </a:r>
-            <a:br/>
-            <a:r>
-              <a:t>    Tamaño Partícula: 1.7 µm  |  Temp: 40.54166666666666°C</a:t>
-            </a:r>
-            <a:br/>
-            <a:r>
-              <a:t>    Flujo: 0.2518 mL/min  |  T0: 0.9078553988818956 min</a:t>
+              <a:t>    pH1: 0.0  |  pH2: 0.0  |  Columna: Hichrom Alltima HP C18</a:t>
+            </a:r>
+            <a:br/>
+            <a:r>
+              <a:t>    USP Code: column.usp.code_L1  |  Longitud: 150.0 mm</a:t>
+            </a:r>
+            <a:br/>
+            <a:r>
+              <a:t>    Tamaño Partícula: 3.0 µm  |  Temp: 38.90990990990991°C</a:t>
+            </a:r>
+            <a:br/>
+            <a:r>
+              <a:t>    Flujo: 0.2 mL/min  |  T0: 1.6537499999999998 min</a:t>
             </a:r>
             <a:br/>
             <a:r>
@@ -21212,7 +22216,9 @@
         </p:nvSpPr>
         <p:spPr/>
         <p:txBody>
-          <a:bodyPr/>
+          <a:bodyPr>
+            <a:normAutofit fontScale="90000"/>
+          </a:bodyPr>
           <a:lstStyle/>
           <a:p>
             <a:r>
@@ -21223,7 +22229,7 @@
       </p:sp>
       <p:pic>
         <p:nvPicPr>
-          <p:cNvPr id="3" name="Picture 2" descr="alpha_grafica_Nucleoside and nucleotide analogues _CHEMONTID_0003737__83.png"/>
+          <p:cNvPr id="3" name="Picture 2" descr="alpha_grafica_Nucleoside and nucleotide analogues _CHEMONTID_0003737__81.png"/>
           <p:cNvPicPr>
             <a:picLocks noChangeAspect="1"/>
           </p:cNvPicPr>
@@ -21280,19 +22286,19 @@
           <a:p>
             <a:br/>
             <a:r>
-              <a:t>    pH1: 3.0  |  pH2: 3.0  |  Columna: Waters ACQUITY UPLC HSS T3</a:t>
-            </a:r>
-            <a:br/>
-            <a:r>
-              <a:t>    USP Code: column.usp.code_L1  |  Longitud: 100.0 mm</a:t>
-            </a:r>
-            <a:br/>
-            <a:r>
-              <a:t>    Tamaño Partícula: 1.8 µm  |  Temp: 38.75°C</a:t>
-            </a:r>
-            <a:br/>
-            <a:r>
-              <a:t>    Flujo: 0.3877777777777778 mL/min  |  T0: 0.5895077091536252 min</a:t>
+              <a:t>    pH1: 0.0  |  pH2: 0.0  |  Columna: Waters ACQUITY UPLC HSS T3</a:t>
+            </a:r>
+            <a:br/>
+            <a:r>
+              <a:t>    USP Code: column.usp.code_L1  |  Longitud: 113.15789473684212 mm</a:t>
+            </a:r>
+            <a:br/>
+            <a:r>
+              <a:t>    Tamaño Partícula: 1.788888888888889 µm  |  Temp: 38.75°C</a:t>
+            </a:r>
+            <a:br/>
+            <a:r>
+              <a:t>    Flujo: 0.4 mL/min  |  T0: 0.6083778765146708 min</a:t>
             </a:r>
             <a:br/>
             <a:r>
@@ -21338,18 +22344,20 @@
         </p:nvSpPr>
         <p:spPr/>
         <p:txBody>
-          <a:bodyPr/>
-          <a:lstStyle/>
-          <a:p>
-            <a:r>
-              <a:t>Imidazole ribonucleosides and ribonucleotides (CHEMONTID:0001997): 1.0, n_datos: 2</a:t>
+          <a:bodyPr>
+            <a:normAutofit fontScale="90000"/>
+          </a:bodyPr>
+          <a:lstStyle/>
+          <a:p>
+            <a:r>
+              <a:t>Nucleoside and nucleotide analogues (CHEMONTID:0003737): 0.0, n_datos: 1</a:t>
             </a:r>
           </a:p>
         </p:txBody>
       </p:sp>
       <p:pic>
         <p:nvPicPr>
-          <p:cNvPr id="3" name="Picture 2" descr="alpha_grafica_Imidazole ribonucleosides and ribonucleotides _CHEMONTID_0001997__84.png"/>
+          <p:cNvPr id="3" name="Picture 2" descr="alpha_grafica_Nucleoside and nucleotide analogues _CHEMONTID_0003737__82.png"/>
           <p:cNvPicPr>
             <a:picLocks noChangeAspect="1"/>
           </p:cNvPicPr>
@@ -21406,19 +22414,19 @@
           <a:p>
             <a:br/>
             <a:r>
-              <a:t>    pH1: 0.0  |  pH2: 0.0  |  Columna: Merck SeQuant ZIC-pHILIC</a:t>
-            </a:r>
-            <a:br/>
-            <a:r>
-              <a:t>    USP Code: column.usp.code_L122  |  Longitud: 150.0 mm</a:t>
-            </a:r>
-            <a:br/>
-            <a:r>
-              <a:t>    Tamaño Partícula: 5.0 µm  |  Temp: 32.5°C</a:t>
-            </a:r>
-            <a:br/>
-            <a:r>
-              <a:t>    Flujo: 0.1 mL/min  |  T0: 3.3075 min</a:t>
+              <a:t>    pH1: 3.0  |  pH2: 3.0  |  Columna: Waters ACQUITY UPLC BEH C18</a:t>
+            </a:r>
+            <a:br/>
+            <a:r>
+              <a:t>    USP Code: column.usp.code_L1  |  Longitud: 100.0 mm</a:t>
+            </a:r>
+            <a:br/>
+            <a:r>
+              <a:t>    Tamaño Partícula: 1.7 µm  |  Temp: 40.54166666666666°C</a:t>
+            </a:r>
+            <a:br/>
+            <a:r>
+              <a:t>    Flujo: 0.2518 mL/min  |  T0: 0.9078553988818956 min</a:t>
             </a:r>
             <a:br/>
             <a:r>
@@ -21464,18 +22472,20 @@
         </p:nvSpPr>
         <p:spPr/>
         <p:txBody>
-          <a:bodyPr/>
-          <a:lstStyle/>
-          <a:p>
-            <a:r>
-              <a:t>Imidazole ribonucleosides and ribonucleotides (CHEMONTID:0001997): 0.9916650137331028, n_datos: 1</a:t>
+          <a:bodyPr>
+            <a:normAutofit fontScale="90000"/>
+          </a:bodyPr>
+          <a:lstStyle/>
+          <a:p>
+            <a:r>
+              <a:t>Nucleoside and nucleotide analogues (CHEMONTID:0003737): 0.0, n_datos: 1</a:t>
             </a:r>
           </a:p>
         </p:txBody>
       </p:sp>
       <p:pic>
         <p:nvPicPr>
-          <p:cNvPr id="3" name="Picture 2" descr="alpha_grafica_Imidazole ribonucleosides and ribonucleotides _CHEMONTID_0001997__85.png"/>
+          <p:cNvPr id="3" name="Picture 2" descr="alpha_grafica_Nucleoside and nucleotide analogues _CHEMONTID_0003737__83.png"/>
           <p:cNvPicPr>
             <a:picLocks noChangeAspect="1"/>
           </p:cNvPicPr>
@@ -21536,15 +22546,15 @@
             </a:r>
             <a:br/>
             <a:r>
-              <a:t>    USP Code: column.usp.code_L1  |  Longitud: 150.0 mm</a:t>
-            </a:r>
-            <a:br/>
-            <a:r>
-              <a:t>    Tamaño Partícula: 1.8 µm  |  Temp: 45.0°C</a:t>
-            </a:r>
-            <a:br/>
-            <a:r>
-              <a:t>    Flujo: 0.6 mL/min  |  T0: 0.55125 min</a:t>
+              <a:t>    USP Code: column.usp.code_L1  |  Longitud: 100.0 mm</a:t>
+            </a:r>
+            <a:br/>
+            <a:r>
+              <a:t>    Tamaño Partícula: 1.8 µm  |  Temp: 38.75°C</a:t>
+            </a:r>
+            <a:br/>
+            <a:r>
+              <a:t>    Flujo: 0.3877777777777778 mL/min  |  T0: 0.5895077091536252 min</a:t>
             </a:r>
             <a:br/>
             <a:r>
@@ -21590,18 +22600,20 @@
         </p:nvSpPr>
         <p:spPr/>
         <p:txBody>
-          <a:bodyPr/>
-          <a:lstStyle/>
-          <a:p>
-            <a:r>
-              <a:t>Imidazole ribonucleosides and ribonucleotides (CHEMONTID:0001997): 0.0, n_datos: 1</a:t>
+          <a:bodyPr>
+            <a:normAutofit fontScale="90000"/>
+          </a:bodyPr>
+          <a:lstStyle/>
+          <a:p>
+            <a:r>
+              <a:t>Imidazole ribonucleosides and ribonucleotides (CHEMONTID:0001997): 1.0, n_datos: 2</a:t>
             </a:r>
           </a:p>
         </p:txBody>
       </p:sp>
       <p:pic>
         <p:nvPicPr>
-          <p:cNvPr id="3" name="Picture 2" descr="alpha_grafica_Imidazole ribonucleosides and ribonucleotides _CHEMONTID_0001997__86.png"/>
+          <p:cNvPr id="3" name="Picture 2" descr="alpha_grafica_Imidazole ribonucleosides and ribonucleotides _CHEMONTID_0001997__84.png"/>
           <p:cNvPicPr>
             <a:picLocks noChangeAspect="1"/>
           </p:cNvPicPr>
@@ -21658,19 +22670,19 @@
           <a:p>
             <a:br/>
             <a:r>
-              <a:t>    pH1: 0.0  |  pH2: 3.0  |  Columna: Merck SeQuant ZIC-HILIC</a:t>
-            </a:r>
-            <a:br/>
-            <a:r>
-              <a:t>    USP Code: column.usp.code_L114  |  Longitud: 145.45454545454547 mm</a:t>
-            </a:r>
-            <a:br/>
-            <a:r>
-              <a:t>    Tamaño Partícula: 4.863636363636363 µm  |  Temp: 25.0°C</a:t>
-            </a:r>
-            <a:br/>
-            <a:r>
-              <a:t>    Flujo: 0.25 mL/min  |  T0: 1.3300246658237755 min</a:t>
+              <a:t>    pH1: 0.0  |  pH2: 0.0  |  Columna: Merck SeQuant ZIC-pHILIC</a:t>
+            </a:r>
+            <a:br/>
+            <a:r>
+              <a:t>    USP Code: column.usp.code_L122  |  Longitud: 150.0 mm</a:t>
+            </a:r>
+            <a:br/>
+            <a:r>
+              <a:t>    Tamaño Partícula: 5.0 µm  |  Temp: 32.5°C</a:t>
+            </a:r>
+            <a:br/>
+            <a:r>
+              <a:t>    Flujo: 0.1 mL/min  |  T0: 3.3075 min</a:t>
             </a:r>
             <a:br/>
             <a:r>
@@ -21716,18 +22728,20 @@
         </p:nvSpPr>
         <p:spPr/>
         <p:txBody>
-          <a:bodyPr/>
-          <a:lstStyle/>
-          <a:p>
-            <a:r>
-              <a:t>Imidazole ribonucleosides and ribonucleotides (CHEMONTID:0001997): 0.0, n_datos: 1</a:t>
+          <a:bodyPr>
+            <a:normAutofit fontScale="90000"/>
+          </a:bodyPr>
+          <a:lstStyle/>
+          <a:p>
+            <a:r>
+              <a:t>Imidazole ribonucleosides and ribonucleotides (CHEMONTID:0001997): 0.9916650137331028, n_datos: 1</a:t>
             </a:r>
           </a:p>
         </p:txBody>
       </p:sp>
       <p:pic>
         <p:nvPicPr>
-          <p:cNvPr id="3" name="Picture 2" descr="alpha_grafica_Imidazole ribonucleosides and ribonucleotides _CHEMONTID_0001997__87.png"/>
+          <p:cNvPr id="3" name="Picture 2" descr="alpha_grafica_Imidazole ribonucleosides and ribonucleotides _CHEMONTID_0001997__85.png"/>
           <p:cNvPicPr>
             <a:picLocks noChangeAspect="1"/>
           </p:cNvPicPr>
@@ -21784,19 +22798,19 @@
           <a:p>
             <a:br/>
             <a:r>
-              <a:t>    pH1: 3.0  |  pH2: 3.0  |  Columna: Thermo Scientific Hypersil GOLD</a:t>
-            </a:r>
-            <a:br/>
-            <a:r>
-              <a:t>    USP Code: column.usp.code_L1  |  Longitud: 113.75 mm</a:t>
-            </a:r>
-            <a:br/>
-            <a:r>
-              <a:t>    Tamaño Partícula: 1.9 µm  |  Temp: 40.0°C</a:t>
-            </a:r>
-            <a:br/>
-            <a:r>
-              <a:t>    Flujo: 0.4 mL/min  |  T0: 0.6500755324656243 min</a:t>
+              <a:t>    pH1: 3.0  |  pH2: 3.0  |  Columna: Waters ACQUITY UPLC HSS T3</a:t>
+            </a:r>
+            <a:br/>
+            <a:r>
+              <a:t>    USP Code: column.usp.code_L1  |  Longitud: 150.0 mm</a:t>
+            </a:r>
+            <a:br/>
+            <a:r>
+              <a:t>    Tamaño Partícula: 1.8 µm  |  Temp: 45.0°C</a:t>
+            </a:r>
+            <a:br/>
+            <a:r>
+              <a:t>    Flujo: 0.6 mL/min  |  T0: 0.55125 min</a:t>
             </a:r>
             <a:br/>
             <a:r>
@@ -21842,7 +22856,9 @@
         </p:nvSpPr>
         <p:spPr/>
         <p:txBody>
-          <a:bodyPr/>
+          <a:bodyPr>
+            <a:normAutofit fontScale="90000"/>
+          </a:bodyPr>
           <a:lstStyle/>
           <a:p>
             <a:r>
@@ -21853,7 +22869,7 @@
       </p:sp>
       <p:pic>
         <p:nvPicPr>
-          <p:cNvPr id="3" name="Picture 2" descr="alpha_grafica_Imidazole ribonucleosides and ribonucleotides _CHEMONTID_0001997__88.png"/>
+          <p:cNvPr id="3" name="Picture 2" descr="alpha_grafica_Imidazole ribonucleosides and ribonucleotides _CHEMONTID_0001997__86.png"/>
           <p:cNvPicPr>
             <a:picLocks noChangeAspect="1"/>
           </p:cNvPicPr>
@@ -21910,19 +22926,19 @@
           <a:p>
             <a:br/>
             <a:r>
-              <a:t>    pH1: 3.0  |  pH2: 3.0  |  Columna: Phenomenex Kinetex C18</a:t>
-            </a:r>
-            <a:br/>
-            <a:r>
-              <a:t>    USP Code: column.usp.code_L1  |  Longitud: 150.0 mm</a:t>
-            </a:r>
-            <a:br/>
-            <a:r>
-              <a:t>    Tamaño Partícula: 1.7 µm  |  Temp: 30.0°C</a:t>
-            </a:r>
-            <a:br/>
-            <a:r>
-              <a:t>    Flujo: 0.3 mL/min  |  T0: 1.1025 min</a:t>
+              <a:t>    pH1: 0.0  |  pH2: 3.0  |  Columna: Merck SeQuant ZIC-HILIC</a:t>
+            </a:r>
+            <a:br/>
+            <a:r>
+              <a:t>    USP Code: column.usp.code_L114  |  Longitud: 145.45454545454547 mm</a:t>
+            </a:r>
+            <a:br/>
+            <a:r>
+              <a:t>    Tamaño Partícula: 4.863636363636363 µm  |  Temp: 25.0°C</a:t>
+            </a:r>
+            <a:br/>
+            <a:r>
+              <a:t>    Flujo: 0.25 mL/min  |  T0: 1.3300246658237755 min</a:t>
             </a:r>
             <a:br/>
             <a:r>
@@ -21968,18 +22984,20 @@
         </p:nvSpPr>
         <p:spPr/>
         <p:txBody>
-          <a:bodyPr/>
-          <a:lstStyle/>
-          <a:p>
-            <a:r>
-              <a:t>Flavin nucleotides (CHEMONTID:0001329): 0.0, n_datos: 1</a:t>
+          <a:bodyPr>
+            <a:normAutofit fontScale="90000"/>
+          </a:bodyPr>
+          <a:lstStyle/>
+          <a:p>
+            <a:r>
+              <a:t>Purine nucleotides (CHEMONTID:0001506): 0.3346492607882939, n_datos: 3</a:t>
             </a:r>
           </a:p>
         </p:txBody>
       </p:sp>
       <p:pic>
         <p:nvPicPr>
-          <p:cNvPr id="3" name="Picture 2" descr="alpha_grafica_Flavin nucleotides _CHEMONTID_0001329__8.png"/>
+          <p:cNvPr id="3" name="Picture 2" descr="alpha_grafica_Purine nucleotides _CHEMONTID_0001506__4.png"/>
           <p:cNvPicPr>
             <a:picLocks noChangeAspect="1"/>
           </p:cNvPicPr>
@@ -22036,19 +23054,19 @@
           <a:p>
             <a:br/>
             <a:r>
-              <a:t>    pH1: 3.0  |  pH2: 3.0  |  Columna: Thermo Scientific Hypersil GOLD</a:t>
-            </a:r>
-            <a:br/>
-            <a:r>
-              <a:t>    USP Code: column.usp.code_L1  |  Longitud: 150.0 mm</a:t>
-            </a:r>
-            <a:br/>
-            <a:r>
-              <a:t>    Tamaño Partícula: 1.9 µm  |  Temp: 41.66666666666666°C</a:t>
-            </a:r>
-            <a:br/>
-            <a:r>
-              <a:t>    Flujo: 0.5 mL/min  |  T0: 0.6615 min</a:t>
+              <a:t>    pH1: 3.0  |  pH2: 3.0  |  Columna: Waters CORTECS T3</a:t>
+            </a:r>
+            <a:br/>
+            <a:r>
+              <a:t>    USP Code: column.usp.code_L1  |  Longitud: 100.0 mm</a:t>
+            </a:r>
+            <a:br/>
+            <a:r>
+              <a:t>    Tamaño Partícula: 2.7 µm  |  Temp: 40.0°C</a:t>
+            </a:r>
+            <a:br/>
+            <a:r>
+              <a:t>    Flujo: 0.3 mL/min  |  T0: 0.735 min</a:t>
             </a:r>
             <a:br/>
             <a:r>
@@ -22094,7 +23112,9 @@
         </p:nvSpPr>
         <p:spPr/>
         <p:txBody>
-          <a:bodyPr/>
+          <a:bodyPr>
+            <a:normAutofit fontScale="90000"/>
+          </a:bodyPr>
           <a:lstStyle/>
           <a:p>
             <a:r>
@@ -22105,7 +23125,7 @@
       </p:sp>
       <p:pic>
         <p:nvPicPr>
-          <p:cNvPr id="3" name="Picture 2" descr="alpha_grafica_Imidazole ribonucleosides and ribonucleotides _CHEMONTID_0001997__88.png"/>
+          <p:cNvPr id="3" name="Picture 2" descr="alpha_grafica_Imidazole ribonucleosides and ribonucleotides _CHEMONTID_0001997__87.png"/>
           <p:cNvPicPr>
             <a:picLocks noChangeAspect="1"/>
           </p:cNvPicPr>
@@ -22162,19 +23182,19 @@
           <a:p>
             <a:br/>
             <a:r>
-              <a:t>    pH1: 3.0  |  pH2: 3.0  |  Columna: Phenomenex Kinetex C18</a:t>
-            </a:r>
-            <a:br/>
-            <a:r>
-              <a:t>    USP Code: column.usp.code_L1  |  Longitud: 150.0 mm</a:t>
-            </a:r>
-            <a:br/>
-            <a:r>
-              <a:t>    Tamaño Partícula: 1.7 µm  |  Temp: 30.0°C</a:t>
-            </a:r>
-            <a:br/>
-            <a:r>
-              <a:t>    Flujo: 0.3 mL/min  |  T0: 1.1025 min</a:t>
+              <a:t>    pH1: 3.0  |  pH2: 3.0  |  Columna: Thermo Scientific Hypersil GOLD</a:t>
+            </a:r>
+            <a:br/>
+            <a:r>
+              <a:t>    USP Code: column.usp.code_L1  |  Longitud: 113.75 mm</a:t>
+            </a:r>
+            <a:br/>
+            <a:r>
+              <a:t>    Tamaño Partícula: 1.9 µm  |  Temp: 40.0°C</a:t>
+            </a:r>
+            <a:br/>
+            <a:r>
+              <a:t>    Flujo: 0.4 mL/min  |  T0: 0.6500755324656243 min</a:t>
             </a:r>
             <a:br/>
             <a:r>
@@ -22220,7 +23240,9 @@
         </p:nvSpPr>
         <p:spPr/>
         <p:txBody>
-          <a:bodyPr/>
+          <a:bodyPr>
+            <a:normAutofit fontScale="90000"/>
+          </a:bodyPr>
           <a:lstStyle/>
           <a:p>
             <a:r>
@@ -22346,7 +23368,9 @@
         </p:nvSpPr>
         <p:spPr/>
         <p:txBody>
-          <a:bodyPr/>
+          <a:bodyPr>
+            <a:normAutofit fontScale="90000"/>
+          </a:bodyPr>
           <a:lstStyle/>
           <a:p>
             <a:r>
@@ -22472,7 +23496,9 @@
         </p:nvSpPr>
         <p:spPr/>
         <p:txBody>
-          <a:bodyPr/>
+          <a:bodyPr>
+            <a:normAutofit fontScale="90000"/>
+          </a:bodyPr>
           <a:lstStyle/>
           <a:p>
             <a:r>
@@ -22483,7 +23509,7 @@
       </p:sp>
       <p:pic>
         <p:nvPicPr>
-          <p:cNvPr id="3" name="Picture 2" descr="alpha_grafica_Imidazole ribonucleosides and ribonucleotides _CHEMONTID_0001997__92.png"/>
+          <p:cNvPr id="3" name="Picture 2" descr="alpha_grafica_Imidazole ribonucleosides and ribonucleotides _CHEMONTID_0001997__88.png"/>
           <p:cNvPicPr>
             <a:picLocks noChangeAspect="1"/>
           </p:cNvPicPr>
@@ -22540,15 +23566,15 @@
           <a:p>
             <a:br/>
             <a:r>
-              <a:t>    pH1: 0.0  |  pH2: 9.0  |  Columna: Merck SeQuant ZIC-pHILIC</a:t>
-            </a:r>
-            <a:br/>
-            <a:r>
-              <a:t>    USP Code: column.usp.code_L122  |  Longitud: 150.0 mm</a:t>
-            </a:r>
-            <a:br/>
-            <a:r>
-              <a:t>    Tamaño Partícula: 5.0 µm  |  Temp: 40.0°C</a:t>
+              <a:t>    pH1: 3.0  |  pH2: 3.0  |  Columna: Phenomenex Kinetex C18</a:t>
+            </a:r>
+            <a:br/>
+            <a:r>
+              <a:t>    USP Code: column.usp.code_L1  |  Longitud: 150.0 mm</a:t>
+            </a:r>
+            <a:br/>
+            <a:r>
+              <a:t>    Tamaño Partícula: 1.7 µm  |  Temp: 30.0°C</a:t>
             </a:r>
             <a:br/>
             <a:r>
@@ -22598,7 +23624,9 @@
         </p:nvSpPr>
         <p:spPr/>
         <p:txBody>
-          <a:bodyPr/>
+          <a:bodyPr>
+            <a:normAutofit fontScale="90000"/>
+          </a:bodyPr>
           <a:lstStyle/>
           <a:p>
             <a:r>
@@ -22609,7 +23637,7 @@
       </p:sp>
       <p:pic>
         <p:nvPicPr>
-          <p:cNvPr id="3" name="Picture 2" descr="alpha_grafica_Imidazole ribonucleosides and ribonucleotides _CHEMONTID_0001997__93.png"/>
+          <p:cNvPr id="3" name="Picture 2" descr="alpha_grafica_Imidazole ribonucleosides and ribonucleotides _CHEMONTID_0001997__88.png"/>
           <p:cNvPicPr>
             <a:picLocks noChangeAspect="1"/>
           </p:cNvPicPr>
@@ -22666,19 +23694,19 @@
           <a:p>
             <a:br/>
             <a:r>
-              <a:t>    pH1: 3.0  |  pH2: 3.0  |  Columna: Merck Supelco Ascentis Express C18</a:t>
-            </a:r>
-            <a:br/>
-            <a:r>
-              <a:t>    USP Code: column.usp.code_L1  |  Longitud: 100.0 mm</a:t>
-            </a:r>
-            <a:br/>
-            <a:r>
-              <a:t>    Tamaño Partícula: 2.0 µm  |  Temp: 40.0°C</a:t>
-            </a:r>
-            <a:br/>
-            <a:r>
-              <a:t>    Flujo: 0.3 mL/min  |  T0: 0.735 min</a:t>
+              <a:t>    pH1: 3.0  |  pH2: 3.0  |  Columna: Phenomenex Kinetex C18</a:t>
+            </a:r>
+            <a:br/>
+            <a:r>
+              <a:t>    USP Code: column.usp.code_L1  |  Longitud: 150.0 mm</a:t>
+            </a:r>
+            <a:br/>
+            <a:r>
+              <a:t>    Tamaño Partícula: 1.7 µm  |  Temp: 30.0°C</a:t>
+            </a:r>
+            <a:br/>
+            <a:r>
+              <a:t>    Flujo: 0.3 mL/min  |  T0: 1.1025 min</a:t>
             </a:r>
             <a:br/>
             <a:r>
@@ -22724,18 +23752,20 @@
         </p:nvSpPr>
         <p:spPr/>
         <p:txBody>
-          <a:bodyPr/>
-          <a:lstStyle/>
-          <a:p>
-            <a:r>
-              <a:t>Benzimidazole ribonucleosides and ribonucleotides (CHEMONTID:0000663): 0.0, n_datos: 1</a:t>
+          <a:bodyPr>
+            <a:normAutofit fontScale="90000"/>
+          </a:bodyPr>
+          <a:lstStyle/>
+          <a:p>
+            <a:r>
+              <a:t>Imidazole ribonucleosides and ribonucleotides (CHEMONTID:0001997): 0.0, n_datos: 1</a:t>
             </a:r>
           </a:p>
         </p:txBody>
       </p:sp>
       <p:pic>
         <p:nvPicPr>
-          <p:cNvPr id="3" name="Picture 2" descr="alpha_grafica_Benzimidazole ribonucleosides and ribonucleotides _CHEMONTID_0000663__94.png"/>
+          <p:cNvPr id="3" name="Picture 2" descr="alpha_grafica_Imidazole ribonucleosides and ribonucleotides _CHEMONTID_0001997__92.png"/>
           <p:cNvPicPr>
             <a:picLocks noChangeAspect="1"/>
           </p:cNvPicPr>
@@ -22792,19 +23822,19 @@
           <a:p>
             <a:br/>
             <a:r>
-              <a:t>    pH1: 2.6  |  pH2: 0.0  |  Columna: Waters ACQUITY UPLC BEH C18</a:t>
-            </a:r>
-            <a:br/>
-            <a:r>
-              <a:t>    USP Code: column.usp.code_L1  |  Longitud: 50.0 mm</a:t>
-            </a:r>
-            <a:br/>
-            <a:r>
-              <a:t>    Tamaño Partícula: 1.7 µm  |  Temp: 40.0°C</a:t>
-            </a:r>
-            <a:br/>
-            <a:r>
-              <a:t>    Flujo: 0.6 mL/min  |  T0: 0.18375 min</a:t>
+              <a:t>    pH1: 0.0  |  pH2: 9.0  |  Columna: Merck SeQuant ZIC-pHILIC</a:t>
+            </a:r>
+            <a:br/>
+            <a:r>
+              <a:t>    USP Code: column.usp.code_L122  |  Longitud: 150.0 mm</a:t>
+            </a:r>
+            <a:br/>
+            <a:r>
+              <a:t>    Tamaño Partícula: 5.0 µm  |  Temp: 40.0°C</a:t>
+            </a:r>
+            <a:br/>
+            <a:r>
+              <a:t>    Flujo: 0.3 mL/min  |  T0: 1.1025 min</a:t>
             </a:r>
             <a:br/>
             <a:r>
@@ -22850,18 +23880,20 @@
         </p:nvSpPr>
         <p:spPr/>
         <p:txBody>
-          <a:bodyPr/>
-          <a:lstStyle/>
-          <a:p>
-            <a:r>
-              <a:t>Pyrimidine nucleotides (CHEMONTID:0001509): 0.6507612745366695, n_datos: 1</a:t>
+          <a:bodyPr>
+            <a:normAutofit fontScale="90000"/>
+          </a:bodyPr>
+          <a:lstStyle/>
+          <a:p>
+            <a:r>
+              <a:t>Imidazole ribonucleosides and ribonucleotides (CHEMONTID:0001997): 0.0, n_datos: 1</a:t>
             </a:r>
           </a:p>
         </p:txBody>
       </p:sp>
       <p:pic>
         <p:nvPicPr>
-          <p:cNvPr id="3" name="Picture 2" descr="alpha_grafica_Pyrimidine nucleotides _CHEMONTID_0001509__95.png"/>
+          <p:cNvPr id="3" name="Picture 2" descr="alpha_grafica_Imidazole ribonucleosides and ribonucleotides _CHEMONTID_0001997__93.png"/>
           <p:cNvPicPr>
             <a:picLocks noChangeAspect="1"/>
           </p:cNvPicPr>
@@ -22918,7 +23950,7 @@
           <a:p>
             <a:br/>
             <a:r>
-              <a:t>    pH1: 3.0  |  pH2: 3.0  |  Columna: Phenomenex Kinetex XB-C18</a:t>
+              <a:t>    pH1: 3.0  |  pH2: 3.0  |  Columna: Merck Supelco Ascentis Express C18</a:t>
             </a:r>
             <a:br/>
             <a:r>
@@ -22926,11 +23958,11 @@
             </a:r>
             <a:br/>
             <a:r>
-              <a:t>    Tamaño Partícula: 1.7 µm  |  Temp: 50.0°C</a:t>
-            </a:r>
-            <a:br/>
-            <a:r>
-              <a:t>    Flujo: 0.4 mL/min  |  T0: 0.55125 min</a:t>
+              <a:t>    Tamaño Partícula: 2.0 µm  |  Temp: 40.0°C</a:t>
+            </a:r>
+            <a:br/>
+            <a:r>
+              <a:t>    Flujo: 0.3 mL/min  |  T0: 0.735 min</a:t>
             </a:r>
             <a:br/>
             <a:r>
@@ -22976,18 +24008,20 @@
         </p:nvSpPr>
         <p:spPr/>
         <p:txBody>
-          <a:bodyPr/>
-          <a:lstStyle/>
-          <a:p>
-            <a:r>
-              <a:t>Pyrimidine nucleotides (CHEMONTID:0001509): 0.6129870410158126, n_datos: 2</a:t>
+          <a:bodyPr>
+            <a:normAutofit fontScale="90000"/>
+          </a:bodyPr>
+          <a:lstStyle/>
+          <a:p>
+            <a:r>
+              <a:t>Benzimidazole ribonucleosides and ribonucleotides (CHEMONTID:0000663): 0.0, n_datos: 1</a:t>
             </a:r>
           </a:p>
         </p:txBody>
       </p:sp>
       <p:pic>
         <p:nvPicPr>
-          <p:cNvPr id="3" name="Picture 2" descr="alpha_grafica_Pyrimidine nucleotides _CHEMONTID_0001509__96.png"/>
+          <p:cNvPr id="3" name="Picture 2" descr="alpha_grafica_Benzimidazole ribonucleosides and ribonucleotides _CHEMONTID_0000663__94.png"/>
           <p:cNvPicPr>
             <a:picLocks noChangeAspect="1"/>
           </p:cNvPicPr>
@@ -23044,19 +24078,19 @@
           <a:p>
             <a:br/>
             <a:r>
-              <a:t>    pH1: 3.0  |  pH2: 3.0  |  Columna: Merck Supelco Ascentis Express C18</a:t>
-            </a:r>
-            <a:br/>
-            <a:r>
-              <a:t>    USP Code: column.usp.code_L1  |  Longitud: 100.0 mm</a:t>
-            </a:r>
-            <a:br/>
-            <a:r>
-              <a:t>    Tamaño Partícula: 2.0 µm  |  Temp: 40.0°C</a:t>
-            </a:r>
-            <a:br/>
-            <a:r>
-              <a:t>    Flujo: 0.2 mL/min  |  T0: 1.1025 min</a:t>
+              <a:t>    pH1: 2.6  |  pH2: 0.0  |  Columna: Waters ACQUITY UPLC BEH C18</a:t>
+            </a:r>
+            <a:br/>
+            <a:r>
+              <a:t>    USP Code: column.usp.code_L1  |  Longitud: 50.0 mm</a:t>
+            </a:r>
+            <a:br/>
+            <a:r>
+              <a:t>    Tamaño Partícula: 1.7 µm  |  Temp: 40.0°C</a:t>
+            </a:r>
+            <a:br/>
+            <a:r>
+              <a:t>    Flujo: 0.6 mL/min  |  T0: 0.18375 min</a:t>
             </a:r>
             <a:br/>
             <a:r>
@@ -23102,18 +24136,20 @@
         </p:nvSpPr>
         <p:spPr/>
         <p:txBody>
-          <a:bodyPr/>
-          <a:lstStyle/>
-          <a:p>
-            <a:r>
-              <a:t>Pyrimidine nucleotides (CHEMONTID:0001509): 0.2953713169025804, n_datos: 2</a:t>
+          <a:bodyPr>
+            <a:normAutofit fontScale="90000"/>
+          </a:bodyPr>
+          <a:lstStyle/>
+          <a:p>
+            <a:r>
+              <a:t>Pyrimidine nucleotides (CHEMONTID:0001509): 0.6507612745366695, n_datos: 1</a:t>
             </a:r>
           </a:p>
         </p:txBody>
       </p:sp>
       <p:pic>
         <p:nvPicPr>
-          <p:cNvPr id="3" name="Picture 2" descr="alpha_grafica_Pyrimidine nucleotides _CHEMONTID_0001509__96.png"/>
+          <p:cNvPr id="3" name="Picture 2" descr="alpha_grafica_Pyrimidine nucleotides _CHEMONTID_0001509__95.png"/>
           <p:cNvPicPr>
             <a:picLocks noChangeAspect="1"/>
           </p:cNvPicPr>
@@ -23170,7 +24206,7 @@
           <a:p>
             <a:br/>
             <a:r>
-              <a:t>    pH1: 3.0  |  pH2: 3.0  |  Columna: Merck Supelco Ascentis Express C18</a:t>
+              <a:t>    pH1: 3.0  |  pH2: 3.0  |  Columna: Phenomenex Kinetex XB-C18</a:t>
             </a:r>
             <a:br/>
             <a:r>
@@ -23178,11 +24214,11 @@
             </a:r>
             <a:br/>
             <a:r>
-              <a:t>    Tamaño Partícula: 2.0 µm  |  Temp: 40.0°C</a:t>
-            </a:r>
-            <a:br/>
-            <a:r>
-              <a:t>    Flujo: 0.25 mL/min  |  T0: 0.882 min</a:t>
+              <a:t>    Tamaño Partícula: 1.7 µm  |  Temp: 50.0°C</a:t>
+            </a:r>
+            <a:br/>
+            <a:r>
+              <a:t>    Flujo: 0.4 mL/min  |  T0: 0.55125 min</a:t>
             </a:r>
             <a:br/>
             <a:r>
@@ -23228,18 +24264,20 @@
         </p:nvSpPr>
         <p:spPr/>
         <p:txBody>
-          <a:bodyPr/>
-          <a:lstStyle/>
-          <a:p>
-            <a:r>
-              <a:t>Pyrimidine nucleotides (CHEMONTID:0001509): 0.2278468811087084, n_datos: 2</a:t>
+          <a:bodyPr>
+            <a:normAutofit fontScale="90000"/>
+          </a:bodyPr>
+          <a:lstStyle/>
+          <a:p>
+            <a:r>
+              <a:t>Pyrimidine nucleotides (CHEMONTID:0001509): 0.6129870410158126, n_datos: 2</a:t>
             </a:r>
           </a:p>
         </p:txBody>
       </p:sp>
       <p:pic>
         <p:nvPicPr>
-          <p:cNvPr id="3" name="Picture 2" descr="alpha_grafica_Pyrimidine nucleotides _CHEMONTID_0001509__95.png"/>
+          <p:cNvPr id="3" name="Picture 2" descr="alpha_grafica_Pyrimidine nucleotides _CHEMONTID_0001509__96.png"/>
           <p:cNvPicPr>
             <a:picLocks noChangeAspect="1"/>
           </p:cNvPicPr>
@@ -23296,7 +24334,7 @@
           <a:p>
             <a:br/>
             <a:r>
-              <a:t>    pH1: 3.0  |  pH2: 3.0  |  Columna: Phenomenex Kinetex XB-C18</a:t>
+              <a:t>    pH1: 3.0  |  pH2: 3.0  |  Columna: Merck Supelco Ascentis Express C18</a:t>
             </a:r>
             <a:br/>
             <a:r>
@@ -23304,11 +24342,11 @@
             </a:r>
             <a:br/>
             <a:r>
-              <a:t>    Tamaño Partícula: 1.7 µm  |  Temp: 40.0°C</a:t>
-            </a:r>
-            <a:br/>
-            <a:r>
-              <a:t>    Flujo: 0.4 mL/min  |  T0: 0.55125 min</a:t>
+              <a:t>    Tamaño Partícula: 2.0 µm  |  Temp: 40.0°C</a:t>
+            </a:r>
+            <a:br/>
+            <a:r>
+              <a:t>    Flujo: 0.2 mL/min  |  T0: 1.1025 min</a:t>
             </a:r>
             <a:br/>
             <a:r>
